--- a/documentation/QuoteOftheDay.pptx
+++ b/documentation/QuoteOftheDay.pptx
@@ -63,7 +63,7 @@
       </p:grpSpPr>
       <p:sp>
         <p:nvSpPr>
-          <p:cNvPr id="33" name="PlaceHolder 1"/>
+          <p:cNvPr id="30" name="PlaceHolder 1"/>
           <p:cNvSpPr>
             <a:spLocks noGrp="1"/>
           </p:cNvSpPr>
@@ -73,8 +73,8 @@
         </p:nvSpPr>
         <p:spPr>
           <a:xfrm>
-            <a:off x="914400" y="274680"/>
-            <a:ext cx="7772040" cy="1142640"/>
+            <a:off x="457200" y="273600"/>
+            <a:ext cx="8229240" cy="1144800"/>
           </a:xfrm>
           <a:prstGeom prst="rect">
             <a:avLst/>
@@ -83,23 +83,24 @@
         <p:txBody>
           <a:bodyPr lIns="0" rIns="0" tIns="0" bIns="0" anchor="ctr"/>
           <a:p>
-            <a:endParaRPr b="0" lang="en-US" sz="1800" spc="-1" strike="noStrike">
-              <a:solidFill>
-                <a:srgbClr val="000000"/>
-              </a:solidFill>
-              <a:uFill>
-                <a:solidFill>
-                  <a:srgbClr val="ffffff"/>
-                </a:solidFill>
-              </a:uFill>
-              <a:latin typeface="Perpetua"/>
+            <a:pPr algn="ctr"/>
+            <a:endParaRPr b="0" lang="en-US" sz="4400" spc="-1" strike="noStrike">
+              <a:solidFill>
+                <a:srgbClr val="000000"/>
+              </a:solidFill>
+              <a:uFill>
+                <a:solidFill>
+                  <a:srgbClr val="ffffff"/>
+                </a:solidFill>
+              </a:uFill>
+              <a:latin typeface="Arial"/>
             </a:endParaRPr>
           </a:p>
         </p:txBody>
       </p:sp>
       <p:sp>
         <p:nvSpPr>
-          <p:cNvPr id="34" name="PlaceHolder 2"/>
+          <p:cNvPr id="31" name="PlaceHolder 2"/>
           <p:cNvSpPr>
             <a:spLocks noGrp="1"/>
           </p:cNvSpPr>
@@ -109,8 +110,8 @@
         </p:nvSpPr>
         <p:spPr>
           <a:xfrm>
-            <a:off x="914400" y="1447920"/>
-            <a:ext cx="7772040" cy="2180520"/>
+            <a:off x="457200" y="1604520"/>
+            <a:ext cx="8229240" cy="1896840"/>
           </a:xfrm>
           <a:prstGeom prst="rect">
             <a:avLst/>
@@ -119,23 +120,23 @@
         <p:txBody>
           <a:bodyPr lIns="0" rIns="0" tIns="0" bIns="0"/>
           <a:p>
-            <a:endParaRPr b="0" lang="en-US" sz="2600" spc="-1" strike="noStrike">
-              <a:solidFill>
-                <a:srgbClr val="000000"/>
-              </a:solidFill>
-              <a:uFill>
-                <a:solidFill>
-                  <a:srgbClr val="ffffff"/>
-                </a:solidFill>
-              </a:uFill>
-              <a:latin typeface="Perpetua"/>
+            <a:endParaRPr b="0" lang="en-US" sz="3200" spc="-1" strike="noStrike">
+              <a:solidFill>
+                <a:srgbClr val="000000"/>
+              </a:solidFill>
+              <a:uFill>
+                <a:solidFill>
+                  <a:srgbClr val="ffffff"/>
+                </a:solidFill>
+              </a:uFill>
+              <a:latin typeface="Arial"/>
             </a:endParaRPr>
           </a:p>
         </p:txBody>
       </p:sp>
       <p:sp>
         <p:nvSpPr>
-          <p:cNvPr id="35" name="PlaceHolder 3"/>
+          <p:cNvPr id="32" name="PlaceHolder 3"/>
           <p:cNvSpPr>
             <a:spLocks noGrp="1"/>
           </p:cNvSpPr>
@@ -145,8 +146,8 @@
         </p:nvSpPr>
         <p:spPr>
           <a:xfrm>
-            <a:off x="914400" y="3836160"/>
-            <a:ext cx="7772040" cy="2180520"/>
+            <a:off x="457200" y="3682080"/>
+            <a:ext cx="8229240" cy="1896840"/>
           </a:xfrm>
           <a:prstGeom prst="rect">
             <a:avLst/>
@@ -155,16 +156,16 @@
         <p:txBody>
           <a:bodyPr lIns="0" rIns="0" tIns="0" bIns="0"/>
           <a:p>
-            <a:endParaRPr b="0" lang="en-US" sz="2600" spc="-1" strike="noStrike">
-              <a:solidFill>
-                <a:srgbClr val="000000"/>
-              </a:solidFill>
-              <a:uFill>
-                <a:solidFill>
-                  <a:srgbClr val="ffffff"/>
-                </a:solidFill>
-              </a:uFill>
-              <a:latin typeface="Perpetua"/>
+            <a:endParaRPr b="0" lang="en-US" sz="3200" spc="-1" strike="noStrike">
+              <a:solidFill>
+                <a:srgbClr val="000000"/>
+              </a:solidFill>
+              <a:uFill>
+                <a:solidFill>
+                  <a:srgbClr val="ffffff"/>
+                </a:solidFill>
+              </a:uFill>
+              <a:latin typeface="Arial"/>
             </a:endParaRPr>
           </a:p>
         </p:txBody>
@@ -193,7 +194,7 @@
       </p:grpSpPr>
       <p:sp>
         <p:nvSpPr>
-          <p:cNvPr id="36" name="PlaceHolder 1"/>
+          <p:cNvPr id="33" name="PlaceHolder 1"/>
           <p:cNvSpPr>
             <a:spLocks noGrp="1"/>
           </p:cNvSpPr>
@@ -203,8 +204,8 @@
         </p:nvSpPr>
         <p:spPr>
           <a:xfrm>
-            <a:off x="914400" y="274680"/>
-            <a:ext cx="7772040" cy="1142640"/>
+            <a:off x="457200" y="273600"/>
+            <a:ext cx="8229240" cy="1144800"/>
           </a:xfrm>
           <a:prstGeom prst="rect">
             <a:avLst/>
@@ -213,23 +214,24 @@
         <p:txBody>
           <a:bodyPr lIns="0" rIns="0" tIns="0" bIns="0" anchor="ctr"/>
           <a:p>
-            <a:endParaRPr b="0" lang="en-US" sz="1800" spc="-1" strike="noStrike">
-              <a:solidFill>
-                <a:srgbClr val="000000"/>
-              </a:solidFill>
-              <a:uFill>
-                <a:solidFill>
-                  <a:srgbClr val="ffffff"/>
-                </a:solidFill>
-              </a:uFill>
-              <a:latin typeface="Perpetua"/>
+            <a:pPr algn="ctr"/>
+            <a:endParaRPr b="0" lang="en-US" sz="4400" spc="-1" strike="noStrike">
+              <a:solidFill>
+                <a:srgbClr val="000000"/>
+              </a:solidFill>
+              <a:uFill>
+                <a:solidFill>
+                  <a:srgbClr val="ffffff"/>
+                </a:solidFill>
+              </a:uFill>
+              <a:latin typeface="Arial"/>
             </a:endParaRPr>
           </a:p>
         </p:txBody>
       </p:sp>
       <p:sp>
         <p:nvSpPr>
-          <p:cNvPr id="37" name="PlaceHolder 2"/>
+          <p:cNvPr id="34" name="PlaceHolder 2"/>
           <p:cNvSpPr>
             <a:spLocks noGrp="1"/>
           </p:cNvSpPr>
@@ -239,8 +241,8 @@
         </p:nvSpPr>
         <p:spPr>
           <a:xfrm>
-            <a:off x="914400" y="1447920"/>
-            <a:ext cx="3792600" cy="2180520"/>
+            <a:off x="457200" y="1604520"/>
+            <a:ext cx="4015800" cy="1896840"/>
           </a:xfrm>
           <a:prstGeom prst="rect">
             <a:avLst/>
@@ -249,23 +251,23 @@
         <p:txBody>
           <a:bodyPr lIns="0" rIns="0" tIns="0" bIns="0"/>
           <a:p>
-            <a:endParaRPr b="0" lang="en-US" sz="2600" spc="-1" strike="noStrike">
-              <a:solidFill>
-                <a:srgbClr val="000000"/>
-              </a:solidFill>
-              <a:uFill>
-                <a:solidFill>
-                  <a:srgbClr val="ffffff"/>
-                </a:solidFill>
-              </a:uFill>
-              <a:latin typeface="Perpetua"/>
+            <a:endParaRPr b="0" lang="en-US" sz="3200" spc="-1" strike="noStrike">
+              <a:solidFill>
+                <a:srgbClr val="000000"/>
+              </a:solidFill>
+              <a:uFill>
+                <a:solidFill>
+                  <a:srgbClr val="ffffff"/>
+                </a:solidFill>
+              </a:uFill>
+              <a:latin typeface="Arial"/>
             </a:endParaRPr>
           </a:p>
         </p:txBody>
       </p:sp>
       <p:sp>
         <p:nvSpPr>
-          <p:cNvPr id="38" name="PlaceHolder 3"/>
+          <p:cNvPr id="35" name="PlaceHolder 3"/>
           <p:cNvSpPr>
             <a:spLocks noGrp="1"/>
           </p:cNvSpPr>
@@ -275,8 +277,8 @@
         </p:nvSpPr>
         <p:spPr>
           <a:xfrm>
-            <a:off x="4897080" y="1447920"/>
-            <a:ext cx="3792600" cy="2180520"/>
+            <a:off x="4674240" y="1604520"/>
+            <a:ext cx="4015800" cy="1896840"/>
           </a:xfrm>
           <a:prstGeom prst="rect">
             <a:avLst/>
@@ -285,23 +287,23 @@
         <p:txBody>
           <a:bodyPr lIns="0" rIns="0" tIns="0" bIns="0"/>
           <a:p>
-            <a:endParaRPr b="0" lang="en-US" sz="2600" spc="-1" strike="noStrike">
-              <a:solidFill>
-                <a:srgbClr val="000000"/>
-              </a:solidFill>
-              <a:uFill>
-                <a:solidFill>
-                  <a:srgbClr val="ffffff"/>
-                </a:solidFill>
-              </a:uFill>
-              <a:latin typeface="Perpetua"/>
+            <a:endParaRPr b="0" lang="en-US" sz="3200" spc="-1" strike="noStrike">
+              <a:solidFill>
+                <a:srgbClr val="000000"/>
+              </a:solidFill>
+              <a:uFill>
+                <a:solidFill>
+                  <a:srgbClr val="ffffff"/>
+                </a:solidFill>
+              </a:uFill>
+              <a:latin typeface="Arial"/>
             </a:endParaRPr>
           </a:p>
         </p:txBody>
       </p:sp>
       <p:sp>
         <p:nvSpPr>
-          <p:cNvPr id="39" name="PlaceHolder 4"/>
+          <p:cNvPr id="36" name="PlaceHolder 4"/>
           <p:cNvSpPr>
             <a:spLocks noGrp="1"/>
           </p:cNvSpPr>
@@ -311,8 +313,8 @@
         </p:nvSpPr>
         <p:spPr>
           <a:xfrm>
-            <a:off x="4897080" y="3836160"/>
-            <a:ext cx="3792600" cy="2180520"/>
+            <a:off x="4674240" y="3682080"/>
+            <a:ext cx="4015800" cy="1896840"/>
           </a:xfrm>
           <a:prstGeom prst="rect">
             <a:avLst/>
@@ -321,23 +323,23 @@
         <p:txBody>
           <a:bodyPr lIns="0" rIns="0" tIns="0" bIns="0"/>
           <a:p>
-            <a:endParaRPr b="0" lang="en-US" sz="2600" spc="-1" strike="noStrike">
-              <a:solidFill>
-                <a:srgbClr val="000000"/>
-              </a:solidFill>
-              <a:uFill>
-                <a:solidFill>
-                  <a:srgbClr val="ffffff"/>
-                </a:solidFill>
-              </a:uFill>
-              <a:latin typeface="Perpetua"/>
+            <a:endParaRPr b="0" lang="en-US" sz="3200" spc="-1" strike="noStrike">
+              <a:solidFill>
+                <a:srgbClr val="000000"/>
+              </a:solidFill>
+              <a:uFill>
+                <a:solidFill>
+                  <a:srgbClr val="ffffff"/>
+                </a:solidFill>
+              </a:uFill>
+              <a:latin typeface="Arial"/>
             </a:endParaRPr>
           </a:p>
         </p:txBody>
       </p:sp>
       <p:sp>
         <p:nvSpPr>
-          <p:cNvPr id="40" name="PlaceHolder 5"/>
+          <p:cNvPr id="37" name="PlaceHolder 5"/>
           <p:cNvSpPr>
             <a:spLocks noGrp="1"/>
           </p:cNvSpPr>
@@ -347,8 +349,8 @@
         </p:nvSpPr>
         <p:spPr>
           <a:xfrm>
-            <a:off x="914400" y="3836160"/>
-            <a:ext cx="3792600" cy="2180520"/>
+            <a:off x="457200" y="3682080"/>
+            <a:ext cx="4015800" cy="1896840"/>
           </a:xfrm>
           <a:prstGeom prst="rect">
             <a:avLst/>
@@ -357,16 +359,16 @@
         <p:txBody>
           <a:bodyPr lIns="0" rIns="0" tIns="0" bIns="0"/>
           <a:p>
-            <a:endParaRPr b="0" lang="en-US" sz="2600" spc="-1" strike="noStrike">
-              <a:solidFill>
-                <a:srgbClr val="000000"/>
-              </a:solidFill>
-              <a:uFill>
-                <a:solidFill>
-                  <a:srgbClr val="ffffff"/>
-                </a:solidFill>
-              </a:uFill>
-              <a:latin typeface="Perpetua"/>
+            <a:endParaRPr b="0" lang="en-US" sz="3200" spc="-1" strike="noStrike">
+              <a:solidFill>
+                <a:srgbClr val="000000"/>
+              </a:solidFill>
+              <a:uFill>
+                <a:solidFill>
+                  <a:srgbClr val="ffffff"/>
+                </a:solidFill>
+              </a:uFill>
+              <a:latin typeface="Arial"/>
             </a:endParaRPr>
           </a:p>
         </p:txBody>
@@ -395,7 +397,7 @@
       </p:grpSpPr>
       <p:sp>
         <p:nvSpPr>
-          <p:cNvPr id="41" name="PlaceHolder 1"/>
+          <p:cNvPr id="38" name="PlaceHolder 1"/>
           <p:cNvSpPr>
             <a:spLocks noGrp="1"/>
           </p:cNvSpPr>
@@ -405,8 +407,8 @@
         </p:nvSpPr>
         <p:spPr>
           <a:xfrm>
-            <a:off x="914400" y="274680"/>
-            <a:ext cx="7772040" cy="1142640"/>
+            <a:off x="457200" y="273600"/>
+            <a:ext cx="8229240" cy="1144800"/>
           </a:xfrm>
           <a:prstGeom prst="rect">
             <a:avLst/>
@@ -415,23 +417,24 @@
         <p:txBody>
           <a:bodyPr lIns="0" rIns="0" tIns="0" bIns="0" anchor="ctr"/>
           <a:p>
-            <a:endParaRPr b="0" lang="en-US" sz="1800" spc="-1" strike="noStrike">
-              <a:solidFill>
-                <a:srgbClr val="000000"/>
-              </a:solidFill>
-              <a:uFill>
-                <a:solidFill>
-                  <a:srgbClr val="ffffff"/>
-                </a:solidFill>
-              </a:uFill>
-              <a:latin typeface="Perpetua"/>
+            <a:pPr algn="ctr"/>
+            <a:endParaRPr b="0" lang="en-US" sz="4400" spc="-1" strike="noStrike">
+              <a:solidFill>
+                <a:srgbClr val="000000"/>
+              </a:solidFill>
+              <a:uFill>
+                <a:solidFill>
+                  <a:srgbClr val="ffffff"/>
+                </a:solidFill>
+              </a:uFill>
+              <a:latin typeface="Arial"/>
             </a:endParaRPr>
           </a:p>
         </p:txBody>
       </p:sp>
       <p:sp>
         <p:nvSpPr>
-          <p:cNvPr id="42" name="PlaceHolder 2"/>
+          <p:cNvPr id="39" name="PlaceHolder 2"/>
           <p:cNvSpPr>
             <a:spLocks noGrp="1"/>
           </p:cNvSpPr>
@@ -441,8 +444,8 @@
         </p:nvSpPr>
         <p:spPr>
           <a:xfrm>
-            <a:off x="914400" y="1447920"/>
-            <a:ext cx="7772040" cy="4571640"/>
+            <a:off x="457200" y="1604520"/>
+            <a:ext cx="8229240" cy="3977280"/>
           </a:xfrm>
           <a:prstGeom prst="rect">
             <a:avLst/>
@@ -451,23 +454,23 @@
         <p:txBody>
           <a:bodyPr lIns="0" rIns="0" tIns="0" bIns="0"/>
           <a:p>
-            <a:endParaRPr b="0" lang="en-US" sz="2600" spc="-1" strike="noStrike">
-              <a:solidFill>
-                <a:srgbClr val="000000"/>
-              </a:solidFill>
-              <a:uFill>
-                <a:solidFill>
-                  <a:srgbClr val="ffffff"/>
-                </a:solidFill>
-              </a:uFill>
-              <a:latin typeface="Perpetua"/>
+            <a:endParaRPr b="0" lang="en-US" sz="3200" spc="-1" strike="noStrike">
+              <a:solidFill>
+                <a:srgbClr val="000000"/>
+              </a:solidFill>
+              <a:uFill>
+                <a:solidFill>
+                  <a:srgbClr val="ffffff"/>
+                </a:solidFill>
+              </a:uFill>
+              <a:latin typeface="Arial"/>
             </a:endParaRPr>
           </a:p>
         </p:txBody>
       </p:sp>
       <p:sp>
         <p:nvSpPr>
-          <p:cNvPr id="43" name="PlaceHolder 3"/>
+          <p:cNvPr id="40" name="PlaceHolder 3"/>
           <p:cNvSpPr>
             <a:spLocks noGrp="1"/>
           </p:cNvSpPr>
@@ -477,8 +480,8 @@
         </p:nvSpPr>
         <p:spPr>
           <a:xfrm>
-            <a:off x="914400" y="1447920"/>
-            <a:ext cx="7772040" cy="4571640"/>
+            <a:off x="457200" y="1604520"/>
+            <a:ext cx="8229240" cy="3977280"/>
           </a:xfrm>
           <a:prstGeom prst="rect">
             <a:avLst/>
@@ -487,23 +490,23 @@
         <p:txBody>
           <a:bodyPr lIns="0" rIns="0" tIns="0" bIns="0"/>
           <a:p>
-            <a:endParaRPr b="0" lang="en-US" sz="2600" spc="-1" strike="noStrike">
-              <a:solidFill>
-                <a:srgbClr val="000000"/>
-              </a:solidFill>
-              <a:uFill>
-                <a:solidFill>
-                  <a:srgbClr val="ffffff"/>
-                </a:solidFill>
-              </a:uFill>
-              <a:latin typeface="Perpetua"/>
+            <a:endParaRPr b="0" lang="en-US" sz="3200" spc="-1" strike="noStrike">
+              <a:solidFill>
+                <a:srgbClr val="000000"/>
+              </a:solidFill>
+              <a:uFill>
+                <a:solidFill>
+                  <a:srgbClr val="ffffff"/>
+                </a:solidFill>
+              </a:uFill>
+              <a:latin typeface="Arial"/>
             </a:endParaRPr>
           </a:p>
         </p:txBody>
       </p:sp>
       <p:pic>
         <p:nvPicPr>
-          <p:cNvPr id="44" name="" descr=""/>
+          <p:cNvPr id="41" name="" descr=""/>
           <p:cNvPicPr/>
           <p:nvPr/>
         </p:nvPicPr>
@@ -513,8 +516,8 @@
         </p:blipFill>
         <p:spPr>
           <a:xfrm>
-            <a:off x="1935360" y="1447560"/>
-            <a:ext cx="5729760" cy="4571640"/>
+            <a:off x="2079000" y="1604520"/>
+            <a:ext cx="4984920" cy="3977280"/>
           </a:xfrm>
           <a:prstGeom prst="rect">
             <a:avLst/>
@@ -526,7 +529,7 @@
       </p:pic>
       <p:pic>
         <p:nvPicPr>
-          <p:cNvPr id="45" name="" descr=""/>
+          <p:cNvPr id="42" name="" descr=""/>
           <p:cNvPicPr/>
           <p:nvPr/>
         </p:nvPicPr>
@@ -536,8 +539,8 @@
         </p:blipFill>
         <p:spPr>
           <a:xfrm>
-            <a:off x="1935360" y="1447560"/>
-            <a:ext cx="5729760" cy="4571640"/>
+            <a:off x="2079000" y="1604520"/>
+            <a:ext cx="4984920" cy="3977280"/>
           </a:xfrm>
           <a:prstGeom prst="rect">
             <a:avLst/>
@@ -593,7 +596,7 @@
       </p:grpSpPr>
       <p:sp>
         <p:nvSpPr>
-          <p:cNvPr id="53" name="PlaceHolder 1"/>
+          <p:cNvPr id="47" name="PlaceHolder 1"/>
           <p:cNvSpPr>
             <a:spLocks noGrp="1"/>
           </p:cNvSpPr>
@@ -603,8 +606,8 @@
         </p:nvSpPr>
         <p:spPr>
           <a:xfrm>
-            <a:off x="914400" y="274680"/>
-            <a:ext cx="7772040" cy="1142640"/>
+            <a:off x="457200" y="273600"/>
+            <a:ext cx="8229240" cy="1144800"/>
           </a:xfrm>
           <a:prstGeom prst="rect">
             <a:avLst/>
@@ -613,23 +616,24 @@
         <p:txBody>
           <a:bodyPr lIns="0" rIns="0" tIns="0" bIns="0" anchor="ctr"/>
           <a:p>
-            <a:endParaRPr b="0" lang="en-US" sz="1800" spc="-1" strike="noStrike">
-              <a:solidFill>
-                <a:srgbClr val="000000"/>
-              </a:solidFill>
-              <a:uFill>
-                <a:solidFill>
-                  <a:srgbClr val="ffffff"/>
-                </a:solidFill>
-              </a:uFill>
-              <a:latin typeface="Perpetua"/>
+            <a:pPr algn="ctr"/>
+            <a:endParaRPr b="0" lang="en-US" sz="4400" spc="-1" strike="noStrike">
+              <a:solidFill>
+                <a:srgbClr val="000000"/>
+              </a:solidFill>
+              <a:uFill>
+                <a:solidFill>
+                  <a:srgbClr val="ffffff"/>
+                </a:solidFill>
+              </a:uFill>
+              <a:latin typeface="Arial"/>
             </a:endParaRPr>
           </a:p>
         </p:txBody>
       </p:sp>
       <p:sp>
         <p:nvSpPr>
-          <p:cNvPr id="54" name="PlaceHolder 2"/>
+          <p:cNvPr id="48" name="PlaceHolder 2"/>
           <p:cNvSpPr>
             <a:spLocks noGrp="1"/>
           </p:cNvSpPr>
@@ -639,8 +643,8 @@
         </p:nvSpPr>
         <p:spPr>
           <a:xfrm>
-            <a:off x="914400" y="1447920"/>
-            <a:ext cx="7772040" cy="4571640"/>
+            <a:off x="457200" y="1604520"/>
+            <a:ext cx="8229240" cy="3977280"/>
           </a:xfrm>
           <a:prstGeom prst="rect">
             <a:avLst/>
@@ -688,7 +692,7 @@
       </p:grpSpPr>
       <p:sp>
         <p:nvSpPr>
-          <p:cNvPr id="55" name="PlaceHolder 1"/>
+          <p:cNvPr id="49" name="PlaceHolder 1"/>
           <p:cNvSpPr>
             <a:spLocks noGrp="1"/>
           </p:cNvSpPr>
@@ -698,8 +702,8 @@
         </p:nvSpPr>
         <p:spPr>
           <a:xfrm>
-            <a:off x="914400" y="274680"/>
-            <a:ext cx="7772040" cy="1142640"/>
+            <a:off x="457200" y="273600"/>
+            <a:ext cx="8229240" cy="1144800"/>
           </a:xfrm>
           <a:prstGeom prst="rect">
             <a:avLst/>
@@ -708,23 +712,24 @@
         <p:txBody>
           <a:bodyPr lIns="0" rIns="0" tIns="0" bIns="0" anchor="ctr"/>
           <a:p>
-            <a:endParaRPr b="0" lang="en-US" sz="1800" spc="-1" strike="noStrike">
-              <a:solidFill>
-                <a:srgbClr val="000000"/>
-              </a:solidFill>
-              <a:uFill>
-                <a:solidFill>
-                  <a:srgbClr val="ffffff"/>
-                </a:solidFill>
-              </a:uFill>
-              <a:latin typeface="Perpetua"/>
+            <a:pPr algn="ctr"/>
+            <a:endParaRPr b="0" lang="en-US" sz="4400" spc="-1" strike="noStrike">
+              <a:solidFill>
+                <a:srgbClr val="000000"/>
+              </a:solidFill>
+              <a:uFill>
+                <a:solidFill>
+                  <a:srgbClr val="ffffff"/>
+                </a:solidFill>
+              </a:uFill>
+              <a:latin typeface="Arial"/>
             </a:endParaRPr>
           </a:p>
         </p:txBody>
       </p:sp>
       <p:sp>
         <p:nvSpPr>
-          <p:cNvPr id="56" name="PlaceHolder 2"/>
+          <p:cNvPr id="50" name="PlaceHolder 2"/>
           <p:cNvSpPr>
             <a:spLocks noGrp="1"/>
           </p:cNvSpPr>
@@ -734,8 +739,8 @@
         </p:nvSpPr>
         <p:spPr>
           <a:xfrm>
-            <a:off x="914400" y="1447920"/>
-            <a:ext cx="7772040" cy="4571640"/>
+            <a:off x="457200" y="1604520"/>
+            <a:ext cx="8229240" cy="3977280"/>
           </a:xfrm>
           <a:prstGeom prst="rect">
             <a:avLst/>
@@ -744,16 +749,16 @@
         <p:txBody>
           <a:bodyPr lIns="0" rIns="0" tIns="0" bIns="0"/>
           <a:p>
-            <a:endParaRPr b="0" lang="en-US" sz="2600" spc="-1" strike="noStrike">
-              <a:solidFill>
-                <a:srgbClr val="000000"/>
-              </a:solidFill>
-              <a:uFill>
-                <a:solidFill>
-                  <a:srgbClr val="ffffff"/>
-                </a:solidFill>
-              </a:uFill>
-              <a:latin typeface="Perpetua"/>
+            <a:endParaRPr b="0" lang="en-US" sz="3200" spc="-1" strike="noStrike">
+              <a:solidFill>
+                <a:srgbClr val="000000"/>
+              </a:solidFill>
+              <a:uFill>
+                <a:solidFill>
+                  <a:srgbClr val="ffffff"/>
+                </a:solidFill>
+              </a:uFill>
+              <a:latin typeface="Arial"/>
             </a:endParaRPr>
           </a:p>
         </p:txBody>
@@ -782,7 +787,7 @@
       </p:grpSpPr>
       <p:sp>
         <p:nvSpPr>
-          <p:cNvPr id="57" name="PlaceHolder 1"/>
+          <p:cNvPr id="51" name="PlaceHolder 1"/>
           <p:cNvSpPr>
             <a:spLocks noGrp="1"/>
           </p:cNvSpPr>
@@ -792,8 +797,8 @@
         </p:nvSpPr>
         <p:spPr>
           <a:xfrm>
-            <a:off x="914400" y="274680"/>
-            <a:ext cx="7772040" cy="1142640"/>
+            <a:off x="457200" y="273600"/>
+            <a:ext cx="8229240" cy="1144800"/>
           </a:xfrm>
           <a:prstGeom prst="rect">
             <a:avLst/>
@@ -802,23 +807,24 @@
         <p:txBody>
           <a:bodyPr lIns="0" rIns="0" tIns="0" bIns="0" anchor="ctr"/>
           <a:p>
-            <a:endParaRPr b="0" lang="en-US" sz="1800" spc="-1" strike="noStrike">
-              <a:solidFill>
-                <a:srgbClr val="000000"/>
-              </a:solidFill>
-              <a:uFill>
-                <a:solidFill>
-                  <a:srgbClr val="ffffff"/>
-                </a:solidFill>
-              </a:uFill>
-              <a:latin typeface="Perpetua"/>
+            <a:pPr algn="ctr"/>
+            <a:endParaRPr b="0" lang="en-US" sz="4400" spc="-1" strike="noStrike">
+              <a:solidFill>
+                <a:srgbClr val="000000"/>
+              </a:solidFill>
+              <a:uFill>
+                <a:solidFill>
+                  <a:srgbClr val="ffffff"/>
+                </a:solidFill>
+              </a:uFill>
+              <a:latin typeface="Arial"/>
             </a:endParaRPr>
           </a:p>
         </p:txBody>
       </p:sp>
       <p:sp>
         <p:nvSpPr>
-          <p:cNvPr id="58" name="PlaceHolder 2"/>
+          <p:cNvPr id="52" name="PlaceHolder 2"/>
           <p:cNvSpPr>
             <a:spLocks noGrp="1"/>
           </p:cNvSpPr>
@@ -828,8 +834,8 @@
         </p:nvSpPr>
         <p:spPr>
           <a:xfrm>
-            <a:off x="914400" y="1447920"/>
-            <a:ext cx="3792600" cy="4571640"/>
+            <a:off x="457200" y="1604520"/>
+            <a:ext cx="4015800" cy="3977280"/>
           </a:xfrm>
           <a:prstGeom prst="rect">
             <a:avLst/>
@@ -838,23 +844,23 @@
         <p:txBody>
           <a:bodyPr lIns="0" rIns="0" tIns="0" bIns="0"/>
           <a:p>
-            <a:endParaRPr b="0" lang="en-US" sz="2600" spc="-1" strike="noStrike">
-              <a:solidFill>
-                <a:srgbClr val="000000"/>
-              </a:solidFill>
-              <a:uFill>
-                <a:solidFill>
-                  <a:srgbClr val="ffffff"/>
-                </a:solidFill>
-              </a:uFill>
-              <a:latin typeface="Perpetua"/>
+            <a:endParaRPr b="0" lang="en-US" sz="3200" spc="-1" strike="noStrike">
+              <a:solidFill>
+                <a:srgbClr val="000000"/>
+              </a:solidFill>
+              <a:uFill>
+                <a:solidFill>
+                  <a:srgbClr val="ffffff"/>
+                </a:solidFill>
+              </a:uFill>
+              <a:latin typeface="Arial"/>
             </a:endParaRPr>
           </a:p>
         </p:txBody>
       </p:sp>
       <p:sp>
         <p:nvSpPr>
-          <p:cNvPr id="59" name="PlaceHolder 3"/>
+          <p:cNvPr id="53" name="PlaceHolder 3"/>
           <p:cNvSpPr>
             <a:spLocks noGrp="1"/>
           </p:cNvSpPr>
@@ -864,8 +870,8 @@
         </p:nvSpPr>
         <p:spPr>
           <a:xfrm>
-            <a:off x="4897080" y="1447920"/>
-            <a:ext cx="3792600" cy="4571640"/>
+            <a:off x="4674240" y="1604520"/>
+            <a:ext cx="4015800" cy="3977280"/>
           </a:xfrm>
           <a:prstGeom prst="rect">
             <a:avLst/>
@@ -874,16 +880,16 @@
         <p:txBody>
           <a:bodyPr lIns="0" rIns="0" tIns="0" bIns="0"/>
           <a:p>
-            <a:endParaRPr b="0" lang="en-US" sz="2600" spc="-1" strike="noStrike">
-              <a:solidFill>
-                <a:srgbClr val="000000"/>
-              </a:solidFill>
-              <a:uFill>
-                <a:solidFill>
-                  <a:srgbClr val="ffffff"/>
-                </a:solidFill>
-              </a:uFill>
-              <a:latin typeface="Perpetua"/>
+            <a:endParaRPr b="0" lang="en-US" sz="3200" spc="-1" strike="noStrike">
+              <a:solidFill>
+                <a:srgbClr val="000000"/>
+              </a:solidFill>
+              <a:uFill>
+                <a:solidFill>
+                  <a:srgbClr val="ffffff"/>
+                </a:solidFill>
+              </a:uFill>
+              <a:latin typeface="Arial"/>
             </a:endParaRPr>
           </a:p>
         </p:txBody>
@@ -912,7 +918,7 @@
       </p:grpSpPr>
       <p:sp>
         <p:nvSpPr>
-          <p:cNvPr id="60" name="PlaceHolder 1"/>
+          <p:cNvPr id="54" name="PlaceHolder 1"/>
           <p:cNvSpPr>
             <a:spLocks noGrp="1"/>
           </p:cNvSpPr>
@@ -922,8 +928,8 @@
         </p:nvSpPr>
         <p:spPr>
           <a:xfrm>
-            <a:off x="914400" y="274680"/>
-            <a:ext cx="7772040" cy="1142640"/>
+            <a:off x="457200" y="273600"/>
+            <a:ext cx="8229240" cy="1144800"/>
           </a:xfrm>
           <a:prstGeom prst="rect">
             <a:avLst/>
@@ -932,16 +938,17 @@
         <p:txBody>
           <a:bodyPr lIns="0" rIns="0" tIns="0" bIns="0" anchor="ctr"/>
           <a:p>
-            <a:endParaRPr b="0" lang="en-US" sz="1800" spc="-1" strike="noStrike">
-              <a:solidFill>
-                <a:srgbClr val="000000"/>
-              </a:solidFill>
-              <a:uFill>
-                <a:solidFill>
-                  <a:srgbClr val="ffffff"/>
-                </a:solidFill>
-              </a:uFill>
-              <a:latin typeface="Perpetua"/>
+            <a:pPr algn="ctr"/>
+            <a:endParaRPr b="0" lang="en-US" sz="4400" spc="-1" strike="noStrike">
+              <a:solidFill>
+                <a:srgbClr val="000000"/>
+              </a:solidFill>
+              <a:uFill>
+                <a:solidFill>
+                  <a:srgbClr val="ffffff"/>
+                </a:solidFill>
+              </a:uFill>
+              <a:latin typeface="Arial"/>
             </a:endParaRPr>
           </a:p>
         </p:txBody>
@@ -970,7 +977,7 @@
       </p:grpSpPr>
       <p:sp>
         <p:nvSpPr>
-          <p:cNvPr id="61" name="PlaceHolder 1"/>
+          <p:cNvPr id="55" name="PlaceHolder 1"/>
           <p:cNvSpPr>
             <a:spLocks noGrp="1"/>
           </p:cNvSpPr>
@@ -980,8 +987,8 @@
         </p:nvSpPr>
         <p:spPr>
           <a:xfrm>
-            <a:off x="914400" y="274680"/>
-            <a:ext cx="7772040" cy="5297760"/>
+            <a:off x="457200" y="273600"/>
+            <a:ext cx="8229240" cy="5307840"/>
           </a:xfrm>
           <a:prstGeom prst="rect">
             <a:avLst/>
@@ -1029,7 +1036,7 @@
       </p:grpSpPr>
       <p:sp>
         <p:nvSpPr>
-          <p:cNvPr id="62" name="PlaceHolder 1"/>
+          <p:cNvPr id="56" name="PlaceHolder 1"/>
           <p:cNvSpPr>
             <a:spLocks noGrp="1"/>
           </p:cNvSpPr>
@@ -1039,8 +1046,8 @@
         </p:nvSpPr>
         <p:spPr>
           <a:xfrm>
-            <a:off x="914400" y="274680"/>
-            <a:ext cx="7772040" cy="1142640"/>
+            <a:off x="457200" y="273600"/>
+            <a:ext cx="8229240" cy="1144800"/>
           </a:xfrm>
           <a:prstGeom prst="rect">
             <a:avLst/>
@@ -1049,23 +1056,24 @@
         <p:txBody>
           <a:bodyPr lIns="0" rIns="0" tIns="0" bIns="0" anchor="ctr"/>
           <a:p>
-            <a:endParaRPr b="0" lang="en-US" sz="1800" spc="-1" strike="noStrike">
-              <a:solidFill>
-                <a:srgbClr val="000000"/>
-              </a:solidFill>
-              <a:uFill>
-                <a:solidFill>
-                  <a:srgbClr val="ffffff"/>
-                </a:solidFill>
-              </a:uFill>
-              <a:latin typeface="Perpetua"/>
+            <a:pPr algn="ctr"/>
+            <a:endParaRPr b="0" lang="en-US" sz="4400" spc="-1" strike="noStrike">
+              <a:solidFill>
+                <a:srgbClr val="000000"/>
+              </a:solidFill>
+              <a:uFill>
+                <a:solidFill>
+                  <a:srgbClr val="ffffff"/>
+                </a:solidFill>
+              </a:uFill>
+              <a:latin typeface="Arial"/>
             </a:endParaRPr>
           </a:p>
         </p:txBody>
       </p:sp>
       <p:sp>
         <p:nvSpPr>
-          <p:cNvPr id="63" name="PlaceHolder 2"/>
+          <p:cNvPr id="57" name="PlaceHolder 2"/>
           <p:cNvSpPr>
             <a:spLocks noGrp="1"/>
           </p:cNvSpPr>
@@ -1075,8 +1083,8 @@
         </p:nvSpPr>
         <p:spPr>
           <a:xfrm>
-            <a:off x="914400" y="1447920"/>
-            <a:ext cx="3792600" cy="2180520"/>
+            <a:off x="457200" y="1604520"/>
+            <a:ext cx="4015800" cy="1896840"/>
           </a:xfrm>
           <a:prstGeom prst="rect">
             <a:avLst/>
@@ -1085,23 +1093,23 @@
         <p:txBody>
           <a:bodyPr lIns="0" rIns="0" tIns="0" bIns="0"/>
           <a:p>
-            <a:endParaRPr b="0" lang="en-US" sz="2600" spc="-1" strike="noStrike">
-              <a:solidFill>
-                <a:srgbClr val="000000"/>
-              </a:solidFill>
-              <a:uFill>
-                <a:solidFill>
-                  <a:srgbClr val="ffffff"/>
-                </a:solidFill>
-              </a:uFill>
-              <a:latin typeface="Perpetua"/>
+            <a:endParaRPr b="0" lang="en-US" sz="3200" spc="-1" strike="noStrike">
+              <a:solidFill>
+                <a:srgbClr val="000000"/>
+              </a:solidFill>
+              <a:uFill>
+                <a:solidFill>
+                  <a:srgbClr val="ffffff"/>
+                </a:solidFill>
+              </a:uFill>
+              <a:latin typeface="Arial"/>
             </a:endParaRPr>
           </a:p>
         </p:txBody>
       </p:sp>
       <p:sp>
         <p:nvSpPr>
-          <p:cNvPr id="64" name="PlaceHolder 3"/>
+          <p:cNvPr id="58" name="PlaceHolder 3"/>
           <p:cNvSpPr>
             <a:spLocks noGrp="1"/>
           </p:cNvSpPr>
@@ -1111,8 +1119,8 @@
         </p:nvSpPr>
         <p:spPr>
           <a:xfrm>
-            <a:off x="914400" y="3836160"/>
-            <a:ext cx="3792600" cy="2180520"/>
+            <a:off x="457200" y="3682080"/>
+            <a:ext cx="4015800" cy="1896840"/>
           </a:xfrm>
           <a:prstGeom prst="rect">
             <a:avLst/>
@@ -1121,23 +1129,23 @@
         <p:txBody>
           <a:bodyPr lIns="0" rIns="0" tIns="0" bIns="0"/>
           <a:p>
-            <a:endParaRPr b="0" lang="en-US" sz="2600" spc="-1" strike="noStrike">
-              <a:solidFill>
-                <a:srgbClr val="000000"/>
-              </a:solidFill>
-              <a:uFill>
-                <a:solidFill>
-                  <a:srgbClr val="ffffff"/>
-                </a:solidFill>
-              </a:uFill>
-              <a:latin typeface="Perpetua"/>
+            <a:endParaRPr b="0" lang="en-US" sz="3200" spc="-1" strike="noStrike">
+              <a:solidFill>
+                <a:srgbClr val="000000"/>
+              </a:solidFill>
+              <a:uFill>
+                <a:solidFill>
+                  <a:srgbClr val="ffffff"/>
+                </a:solidFill>
+              </a:uFill>
+              <a:latin typeface="Arial"/>
             </a:endParaRPr>
           </a:p>
         </p:txBody>
       </p:sp>
       <p:sp>
         <p:nvSpPr>
-          <p:cNvPr id="65" name="PlaceHolder 4"/>
+          <p:cNvPr id="59" name="PlaceHolder 4"/>
           <p:cNvSpPr>
             <a:spLocks noGrp="1"/>
           </p:cNvSpPr>
@@ -1147,8 +1155,8 @@
         </p:nvSpPr>
         <p:spPr>
           <a:xfrm>
-            <a:off x="4897080" y="1447920"/>
-            <a:ext cx="3792600" cy="4571640"/>
+            <a:off x="4674240" y="1604520"/>
+            <a:ext cx="4015800" cy="3977280"/>
           </a:xfrm>
           <a:prstGeom prst="rect">
             <a:avLst/>
@@ -1157,16 +1165,16 @@
         <p:txBody>
           <a:bodyPr lIns="0" rIns="0" tIns="0" bIns="0"/>
           <a:p>
-            <a:endParaRPr b="0" lang="en-US" sz="2600" spc="-1" strike="noStrike">
-              <a:solidFill>
-                <a:srgbClr val="000000"/>
-              </a:solidFill>
-              <a:uFill>
-                <a:solidFill>
-                  <a:srgbClr val="ffffff"/>
-                </a:solidFill>
-              </a:uFill>
-              <a:latin typeface="Perpetua"/>
+            <a:endParaRPr b="0" lang="en-US" sz="3200" spc="-1" strike="noStrike">
+              <a:solidFill>
+                <a:srgbClr val="000000"/>
+              </a:solidFill>
+              <a:uFill>
+                <a:solidFill>
+                  <a:srgbClr val="ffffff"/>
+                </a:solidFill>
+              </a:uFill>
+              <a:latin typeface="Arial"/>
             </a:endParaRPr>
           </a:p>
         </p:txBody>
@@ -1195,7 +1203,7 @@
       </p:grpSpPr>
       <p:sp>
         <p:nvSpPr>
-          <p:cNvPr id="12" name="PlaceHolder 1"/>
+          <p:cNvPr id="9" name="PlaceHolder 1"/>
           <p:cNvSpPr>
             <a:spLocks noGrp="1"/>
           </p:cNvSpPr>
@@ -1205,8 +1213,8 @@
         </p:nvSpPr>
         <p:spPr>
           <a:xfrm>
-            <a:off x="914400" y="274680"/>
-            <a:ext cx="7772040" cy="1142640"/>
+            <a:off x="457200" y="273600"/>
+            <a:ext cx="8229240" cy="1144800"/>
           </a:xfrm>
           <a:prstGeom prst="rect">
             <a:avLst/>
@@ -1215,23 +1223,24 @@
         <p:txBody>
           <a:bodyPr lIns="0" rIns="0" tIns="0" bIns="0" anchor="ctr"/>
           <a:p>
-            <a:endParaRPr b="0" lang="en-US" sz="1800" spc="-1" strike="noStrike">
-              <a:solidFill>
-                <a:srgbClr val="000000"/>
-              </a:solidFill>
-              <a:uFill>
-                <a:solidFill>
-                  <a:srgbClr val="ffffff"/>
-                </a:solidFill>
-              </a:uFill>
-              <a:latin typeface="Perpetua"/>
+            <a:pPr algn="ctr"/>
+            <a:endParaRPr b="0" lang="en-US" sz="4400" spc="-1" strike="noStrike">
+              <a:solidFill>
+                <a:srgbClr val="000000"/>
+              </a:solidFill>
+              <a:uFill>
+                <a:solidFill>
+                  <a:srgbClr val="ffffff"/>
+                </a:solidFill>
+              </a:uFill>
+              <a:latin typeface="Arial"/>
             </a:endParaRPr>
           </a:p>
         </p:txBody>
       </p:sp>
       <p:sp>
         <p:nvSpPr>
-          <p:cNvPr id="13" name="PlaceHolder 2"/>
+          <p:cNvPr id="10" name="PlaceHolder 2"/>
           <p:cNvSpPr>
             <a:spLocks noGrp="1"/>
           </p:cNvSpPr>
@@ -1241,8 +1250,8 @@
         </p:nvSpPr>
         <p:spPr>
           <a:xfrm>
-            <a:off x="914400" y="1447920"/>
-            <a:ext cx="7772040" cy="4571640"/>
+            <a:off x="457200" y="1604520"/>
+            <a:ext cx="8229240" cy="3977280"/>
           </a:xfrm>
           <a:prstGeom prst="rect">
             <a:avLst/>
@@ -1290,7 +1299,7 @@
       </p:grpSpPr>
       <p:sp>
         <p:nvSpPr>
-          <p:cNvPr id="66" name="PlaceHolder 1"/>
+          <p:cNvPr id="60" name="PlaceHolder 1"/>
           <p:cNvSpPr>
             <a:spLocks noGrp="1"/>
           </p:cNvSpPr>
@@ -1300,8 +1309,8 @@
         </p:nvSpPr>
         <p:spPr>
           <a:xfrm>
-            <a:off x="914400" y="274680"/>
-            <a:ext cx="7772040" cy="1142640"/>
+            <a:off x="457200" y="273600"/>
+            <a:ext cx="8229240" cy="1144800"/>
           </a:xfrm>
           <a:prstGeom prst="rect">
             <a:avLst/>
@@ -1310,23 +1319,24 @@
         <p:txBody>
           <a:bodyPr lIns="0" rIns="0" tIns="0" bIns="0" anchor="ctr"/>
           <a:p>
-            <a:endParaRPr b="0" lang="en-US" sz="1800" spc="-1" strike="noStrike">
-              <a:solidFill>
-                <a:srgbClr val="000000"/>
-              </a:solidFill>
-              <a:uFill>
-                <a:solidFill>
-                  <a:srgbClr val="ffffff"/>
-                </a:solidFill>
-              </a:uFill>
-              <a:latin typeface="Perpetua"/>
+            <a:pPr algn="ctr"/>
+            <a:endParaRPr b="0" lang="en-US" sz="4400" spc="-1" strike="noStrike">
+              <a:solidFill>
+                <a:srgbClr val="000000"/>
+              </a:solidFill>
+              <a:uFill>
+                <a:solidFill>
+                  <a:srgbClr val="ffffff"/>
+                </a:solidFill>
+              </a:uFill>
+              <a:latin typeface="Arial"/>
             </a:endParaRPr>
           </a:p>
         </p:txBody>
       </p:sp>
       <p:sp>
         <p:nvSpPr>
-          <p:cNvPr id="67" name="PlaceHolder 2"/>
+          <p:cNvPr id="61" name="PlaceHolder 2"/>
           <p:cNvSpPr>
             <a:spLocks noGrp="1"/>
           </p:cNvSpPr>
@@ -1336,8 +1346,8 @@
         </p:nvSpPr>
         <p:spPr>
           <a:xfrm>
-            <a:off x="914400" y="1447920"/>
-            <a:ext cx="3792600" cy="4571640"/>
+            <a:off x="457200" y="1604520"/>
+            <a:ext cx="4015800" cy="3977280"/>
           </a:xfrm>
           <a:prstGeom prst="rect">
             <a:avLst/>
@@ -1346,23 +1356,23 @@
         <p:txBody>
           <a:bodyPr lIns="0" rIns="0" tIns="0" bIns="0"/>
           <a:p>
-            <a:endParaRPr b="0" lang="en-US" sz="2600" spc="-1" strike="noStrike">
-              <a:solidFill>
-                <a:srgbClr val="000000"/>
-              </a:solidFill>
-              <a:uFill>
-                <a:solidFill>
-                  <a:srgbClr val="ffffff"/>
-                </a:solidFill>
-              </a:uFill>
-              <a:latin typeface="Perpetua"/>
+            <a:endParaRPr b="0" lang="en-US" sz="3200" spc="-1" strike="noStrike">
+              <a:solidFill>
+                <a:srgbClr val="000000"/>
+              </a:solidFill>
+              <a:uFill>
+                <a:solidFill>
+                  <a:srgbClr val="ffffff"/>
+                </a:solidFill>
+              </a:uFill>
+              <a:latin typeface="Arial"/>
             </a:endParaRPr>
           </a:p>
         </p:txBody>
       </p:sp>
       <p:sp>
         <p:nvSpPr>
-          <p:cNvPr id="68" name="PlaceHolder 3"/>
+          <p:cNvPr id="62" name="PlaceHolder 3"/>
           <p:cNvSpPr>
             <a:spLocks noGrp="1"/>
           </p:cNvSpPr>
@@ -1372,8 +1382,8 @@
         </p:nvSpPr>
         <p:spPr>
           <a:xfrm>
-            <a:off x="4897080" y="1447920"/>
-            <a:ext cx="3792600" cy="2180520"/>
+            <a:off x="4674240" y="1604520"/>
+            <a:ext cx="4015800" cy="1896840"/>
           </a:xfrm>
           <a:prstGeom prst="rect">
             <a:avLst/>
@@ -1382,23 +1392,23 @@
         <p:txBody>
           <a:bodyPr lIns="0" rIns="0" tIns="0" bIns="0"/>
           <a:p>
-            <a:endParaRPr b="0" lang="en-US" sz="2600" spc="-1" strike="noStrike">
-              <a:solidFill>
-                <a:srgbClr val="000000"/>
-              </a:solidFill>
-              <a:uFill>
-                <a:solidFill>
-                  <a:srgbClr val="ffffff"/>
-                </a:solidFill>
-              </a:uFill>
-              <a:latin typeface="Perpetua"/>
+            <a:endParaRPr b="0" lang="en-US" sz="3200" spc="-1" strike="noStrike">
+              <a:solidFill>
+                <a:srgbClr val="000000"/>
+              </a:solidFill>
+              <a:uFill>
+                <a:solidFill>
+                  <a:srgbClr val="ffffff"/>
+                </a:solidFill>
+              </a:uFill>
+              <a:latin typeface="Arial"/>
             </a:endParaRPr>
           </a:p>
         </p:txBody>
       </p:sp>
       <p:sp>
         <p:nvSpPr>
-          <p:cNvPr id="69" name="PlaceHolder 4"/>
+          <p:cNvPr id="63" name="PlaceHolder 4"/>
           <p:cNvSpPr>
             <a:spLocks noGrp="1"/>
           </p:cNvSpPr>
@@ -1408,8 +1418,8 @@
         </p:nvSpPr>
         <p:spPr>
           <a:xfrm>
-            <a:off x="4897080" y="3836160"/>
-            <a:ext cx="3792600" cy="2180520"/>
+            <a:off x="4674240" y="3682080"/>
+            <a:ext cx="4015800" cy="1896840"/>
           </a:xfrm>
           <a:prstGeom prst="rect">
             <a:avLst/>
@@ -1418,16 +1428,16 @@
         <p:txBody>
           <a:bodyPr lIns="0" rIns="0" tIns="0" bIns="0"/>
           <a:p>
-            <a:endParaRPr b="0" lang="en-US" sz="2600" spc="-1" strike="noStrike">
-              <a:solidFill>
-                <a:srgbClr val="000000"/>
-              </a:solidFill>
-              <a:uFill>
-                <a:solidFill>
-                  <a:srgbClr val="ffffff"/>
-                </a:solidFill>
-              </a:uFill>
-              <a:latin typeface="Perpetua"/>
+            <a:endParaRPr b="0" lang="en-US" sz="3200" spc="-1" strike="noStrike">
+              <a:solidFill>
+                <a:srgbClr val="000000"/>
+              </a:solidFill>
+              <a:uFill>
+                <a:solidFill>
+                  <a:srgbClr val="ffffff"/>
+                </a:solidFill>
+              </a:uFill>
+              <a:latin typeface="Arial"/>
             </a:endParaRPr>
           </a:p>
         </p:txBody>
@@ -1456,7 +1466,7 @@
       </p:grpSpPr>
       <p:sp>
         <p:nvSpPr>
-          <p:cNvPr id="70" name="PlaceHolder 1"/>
+          <p:cNvPr id="64" name="PlaceHolder 1"/>
           <p:cNvSpPr>
             <a:spLocks noGrp="1"/>
           </p:cNvSpPr>
@@ -1466,8 +1476,8 @@
         </p:nvSpPr>
         <p:spPr>
           <a:xfrm>
-            <a:off x="914400" y="274680"/>
-            <a:ext cx="7772040" cy="1142640"/>
+            <a:off x="457200" y="273600"/>
+            <a:ext cx="8229240" cy="1144800"/>
           </a:xfrm>
           <a:prstGeom prst="rect">
             <a:avLst/>
@@ -1476,23 +1486,24 @@
         <p:txBody>
           <a:bodyPr lIns="0" rIns="0" tIns="0" bIns="0" anchor="ctr"/>
           <a:p>
-            <a:endParaRPr b="0" lang="en-US" sz="1800" spc="-1" strike="noStrike">
-              <a:solidFill>
-                <a:srgbClr val="000000"/>
-              </a:solidFill>
-              <a:uFill>
-                <a:solidFill>
-                  <a:srgbClr val="ffffff"/>
-                </a:solidFill>
-              </a:uFill>
-              <a:latin typeface="Perpetua"/>
+            <a:pPr algn="ctr"/>
+            <a:endParaRPr b="0" lang="en-US" sz="4400" spc="-1" strike="noStrike">
+              <a:solidFill>
+                <a:srgbClr val="000000"/>
+              </a:solidFill>
+              <a:uFill>
+                <a:solidFill>
+                  <a:srgbClr val="ffffff"/>
+                </a:solidFill>
+              </a:uFill>
+              <a:latin typeface="Arial"/>
             </a:endParaRPr>
           </a:p>
         </p:txBody>
       </p:sp>
       <p:sp>
         <p:nvSpPr>
-          <p:cNvPr id="71" name="PlaceHolder 2"/>
+          <p:cNvPr id="65" name="PlaceHolder 2"/>
           <p:cNvSpPr>
             <a:spLocks noGrp="1"/>
           </p:cNvSpPr>
@@ -1502,8 +1513,8 @@
         </p:nvSpPr>
         <p:spPr>
           <a:xfrm>
-            <a:off x="914400" y="1447920"/>
-            <a:ext cx="3792600" cy="2180520"/>
+            <a:off x="457200" y="1604520"/>
+            <a:ext cx="4015800" cy="1896840"/>
           </a:xfrm>
           <a:prstGeom prst="rect">
             <a:avLst/>
@@ -1512,23 +1523,23 @@
         <p:txBody>
           <a:bodyPr lIns="0" rIns="0" tIns="0" bIns="0"/>
           <a:p>
-            <a:endParaRPr b="0" lang="en-US" sz="2600" spc="-1" strike="noStrike">
-              <a:solidFill>
-                <a:srgbClr val="000000"/>
-              </a:solidFill>
-              <a:uFill>
-                <a:solidFill>
-                  <a:srgbClr val="ffffff"/>
-                </a:solidFill>
-              </a:uFill>
-              <a:latin typeface="Perpetua"/>
+            <a:endParaRPr b="0" lang="en-US" sz="3200" spc="-1" strike="noStrike">
+              <a:solidFill>
+                <a:srgbClr val="000000"/>
+              </a:solidFill>
+              <a:uFill>
+                <a:solidFill>
+                  <a:srgbClr val="ffffff"/>
+                </a:solidFill>
+              </a:uFill>
+              <a:latin typeface="Arial"/>
             </a:endParaRPr>
           </a:p>
         </p:txBody>
       </p:sp>
       <p:sp>
         <p:nvSpPr>
-          <p:cNvPr id="72" name="PlaceHolder 3"/>
+          <p:cNvPr id="66" name="PlaceHolder 3"/>
           <p:cNvSpPr>
             <a:spLocks noGrp="1"/>
           </p:cNvSpPr>
@@ -1538,8 +1549,8 @@
         </p:nvSpPr>
         <p:spPr>
           <a:xfrm>
-            <a:off x="4897080" y="1447920"/>
-            <a:ext cx="3792600" cy="2180520"/>
+            <a:off x="4674240" y="1604520"/>
+            <a:ext cx="4015800" cy="1896840"/>
           </a:xfrm>
           <a:prstGeom prst="rect">
             <a:avLst/>
@@ -1548,23 +1559,23 @@
         <p:txBody>
           <a:bodyPr lIns="0" rIns="0" tIns="0" bIns="0"/>
           <a:p>
-            <a:endParaRPr b="0" lang="en-US" sz="2600" spc="-1" strike="noStrike">
-              <a:solidFill>
-                <a:srgbClr val="000000"/>
-              </a:solidFill>
-              <a:uFill>
-                <a:solidFill>
-                  <a:srgbClr val="ffffff"/>
-                </a:solidFill>
-              </a:uFill>
-              <a:latin typeface="Perpetua"/>
+            <a:endParaRPr b="0" lang="en-US" sz="3200" spc="-1" strike="noStrike">
+              <a:solidFill>
+                <a:srgbClr val="000000"/>
+              </a:solidFill>
+              <a:uFill>
+                <a:solidFill>
+                  <a:srgbClr val="ffffff"/>
+                </a:solidFill>
+              </a:uFill>
+              <a:latin typeface="Arial"/>
             </a:endParaRPr>
           </a:p>
         </p:txBody>
       </p:sp>
       <p:sp>
         <p:nvSpPr>
-          <p:cNvPr id="73" name="PlaceHolder 4"/>
+          <p:cNvPr id="67" name="PlaceHolder 4"/>
           <p:cNvSpPr>
             <a:spLocks noGrp="1"/>
           </p:cNvSpPr>
@@ -1574,8 +1585,8 @@
         </p:nvSpPr>
         <p:spPr>
           <a:xfrm>
-            <a:off x="914400" y="3836160"/>
-            <a:ext cx="7772040" cy="2180520"/>
+            <a:off x="457200" y="3682080"/>
+            <a:ext cx="8229240" cy="1896840"/>
           </a:xfrm>
           <a:prstGeom prst="rect">
             <a:avLst/>
@@ -1584,16 +1595,16 @@
         <p:txBody>
           <a:bodyPr lIns="0" rIns="0" tIns="0" bIns="0"/>
           <a:p>
-            <a:endParaRPr b="0" lang="en-US" sz="2600" spc="-1" strike="noStrike">
-              <a:solidFill>
-                <a:srgbClr val="000000"/>
-              </a:solidFill>
-              <a:uFill>
-                <a:solidFill>
-                  <a:srgbClr val="ffffff"/>
-                </a:solidFill>
-              </a:uFill>
-              <a:latin typeface="Perpetua"/>
+            <a:endParaRPr b="0" lang="en-US" sz="3200" spc="-1" strike="noStrike">
+              <a:solidFill>
+                <a:srgbClr val="000000"/>
+              </a:solidFill>
+              <a:uFill>
+                <a:solidFill>
+                  <a:srgbClr val="ffffff"/>
+                </a:solidFill>
+              </a:uFill>
+              <a:latin typeface="Arial"/>
             </a:endParaRPr>
           </a:p>
         </p:txBody>
@@ -1622,7 +1633,7 @@
       </p:grpSpPr>
       <p:sp>
         <p:nvSpPr>
-          <p:cNvPr id="74" name="PlaceHolder 1"/>
+          <p:cNvPr id="68" name="PlaceHolder 1"/>
           <p:cNvSpPr>
             <a:spLocks noGrp="1"/>
           </p:cNvSpPr>
@@ -1632,8 +1643,8 @@
         </p:nvSpPr>
         <p:spPr>
           <a:xfrm>
-            <a:off x="914400" y="274680"/>
-            <a:ext cx="7772040" cy="1142640"/>
+            <a:off x="457200" y="273600"/>
+            <a:ext cx="8229240" cy="1144800"/>
           </a:xfrm>
           <a:prstGeom prst="rect">
             <a:avLst/>
@@ -1642,23 +1653,24 @@
         <p:txBody>
           <a:bodyPr lIns="0" rIns="0" tIns="0" bIns="0" anchor="ctr"/>
           <a:p>
-            <a:endParaRPr b="0" lang="en-US" sz="1800" spc="-1" strike="noStrike">
-              <a:solidFill>
-                <a:srgbClr val="000000"/>
-              </a:solidFill>
-              <a:uFill>
-                <a:solidFill>
-                  <a:srgbClr val="ffffff"/>
-                </a:solidFill>
-              </a:uFill>
-              <a:latin typeface="Perpetua"/>
+            <a:pPr algn="ctr"/>
+            <a:endParaRPr b="0" lang="en-US" sz="4400" spc="-1" strike="noStrike">
+              <a:solidFill>
+                <a:srgbClr val="000000"/>
+              </a:solidFill>
+              <a:uFill>
+                <a:solidFill>
+                  <a:srgbClr val="ffffff"/>
+                </a:solidFill>
+              </a:uFill>
+              <a:latin typeface="Arial"/>
             </a:endParaRPr>
           </a:p>
         </p:txBody>
       </p:sp>
       <p:sp>
         <p:nvSpPr>
-          <p:cNvPr id="75" name="PlaceHolder 2"/>
+          <p:cNvPr id="69" name="PlaceHolder 2"/>
           <p:cNvSpPr>
             <a:spLocks noGrp="1"/>
           </p:cNvSpPr>
@@ -1668,8 +1680,8 @@
         </p:nvSpPr>
         <p:spPr>
           <a:xfrm>
-            <a:off x="914400" y="1447920"/>
-            <a:ext cx="7772040" cy="2180520"/>
+            <a:off x="457200" y="1604520"/>
+            <a:ext cx="8229240" cy="1896840"/>
           </a:xfrm>
           <a:prstGeom prst="rect">
             <a:avLst/>
@@ -1678,23 +1690,23 @@
         <p:txBody>
           <a:bodyPr lIns="0" rIns="0" tIns="0" bIns="0"/>
           <a:p>
-            <a:endParaRPr b="0" lang="en-US" sz="2600" spc="-1" strike="noStrike">
-              <a:solidFill>
-                <a:srgbClr val="000000"/>
-              </a:solidFill>
-              <a:uFill>
-                <a:solidFill>
-                  <a:srgbClr val="ffffff"/>
-                </a:solidFill>
-              </a:uFill>
-              <a:latin typeface="Perpetua"/>
+            <a:endParaRPr b="0" lang="en-US" sz="3200" spc="-1" strike="noStrike">
+              <a:solidFill>
+                <a:srgbClr val="000000"/>
+              </a:solidFill>
+              <a:uFill>
+                <a:solidFill>
+                  <a:srgbClr val="ffffff"/>
+                </a:solidFill>
+              </a:uFill>
+              <a:latin typeface="Arial"/>
             </a:endParaRPr>
           </a:p>
         </p:txBody>
       </p:sp>
       <p:sp>
         <p:nvSpPr>
-          <p:cNvPr id="76" name="PlaceHolder 3"/>
+          <p:cNvPr id="70" name="PlaceHolder 3"/>
           <p:cNvSpPr>
             <a:spLocks noGrp="1"/>
           </p:cNvSpPr>
@@ -1704,8 +1716,8 @@
         </p:nvSpPr>
         <p:spPr>
           <a:xfrm>
-            <a:off x="914400" y="3836160"/>
-            <a:ext cx="7772040" cy="2180520"/>
+            <a:off x="457200" y="3682080"/>
+            <a:ext cx="8229240" cy="1896840"/>
           </a:xfrm>
           <a:prstGeom prst="rect">
             <a:avLst/>
@@ -1714,16 +1726,16 @@
         <p:txBody>
           <a:bodyPr lIns="0" rIns="0" tIns="0" bIns="0"/>
           <a:p>
-            <a:endParaRPr b="0" lang="en-US" sz="2600" spc="-1" strike="noStrike">
-              <a:solidFill>
-                <a:srgbClr val="000000"/>
-              </a:solidFill>
-              <a:uFill>
-                <a:solidFill>
-                  <a:srgbClr val="ffffff"/>
-                </a:solidFill>
-              </a:uFill>
-              <a:latin typeface="Perpetua"/>
+            <a:endParaRPr b="0" lang="en-US" sz="3200" spc="-1" strike="noStrike">
+              <a:solidFill>
+                <a:srgbClr val="000000"/>
+              </a:solidFill>
+              <a:uFill>
+                <a:solidFill>
+                  <a:srgbClr val="ffffff"/>
+                </a:solidFill>
+              </a:uFill>
+              <a:latin typeface="Arial"/>
             </a:endParaRPr>
           </a:p>
         </p:txBody>
@@ -1752,7 +1764,7 @@
       </p:grpSpPr>
       <p:sp>
         <p:nvSpPr>
-          <p:cNvPr id="77" name="PlaceHolder 1"/>
+          <p:cNvPr id="71" name="PlaceHolder 1"/>
           <p:cNvSpPr>
             <a:spLocks noGrp="1"/>
           </p:cNvSpPr>
@@ -1762,8 +1774,8 @@
         </p:nvSpPr>
         <p:spPr>
           <a:xfrm>
-            <a:off x="914400" y="274680"/>
-            <a:ext cx="7772040" cy="1142640"/>
+            <a:off x="457200" y="273600"/>
+            <a:ext cx="8229240" cy="1144800"/>
           </a:xfrm>
           <a:prstGeom prst="rect">
             <a:avLst/>
@@ -1772,23 +1784,24 @@
         <p:txBody>
           <a:bodyPr lIns="0" rIns="0" tIns="0" bIns="0" anchor="ctr"/>
           <a:p>
-            <a:endParaRPr b="0" lang="en-US" sz="1800" spc="-1" strike="noStrike">
-              <a:solidFill>
-                <a:srgbClr val="000000"/>
-              </a:solidFill>
-              <a:uFill>
-                <a:solidFill>
-                  <a:srgbClr val="ffffff"/>
-                </a:solidFill>
-              </a:uFill>
-              <a:latin typeface="Perpetua"/>
+            <a:pPr algn="ctr"/>
+            <a:endParaRPr b="0" lang="en-US" sz="4400" spc="-1" strike="noStrike">
+              <a:solidFill>
+                <a:srgbClr val="000000"/>
+              </a:solidFill>
+              <a:uFill>
+                <a:solidFill>
+                  <a:srgbClr val="ffffff"/>
+                </a:solidFill>
+              </a:uFill>
+              <a:latin typeface="Arial"/>
             </a:endParaRPr>
           </a:p>
         </p:txBody>
       </p:sp>
       <p:sp>
         <p:nvSpPr>
-          <p:cNvPr id="78" name="PlaceHolder 2"/>
+          <p:cNvPr id="72" name="PlaceHolder 2"/>
           <p:cNvSpPr>
             <a:spLocks noGrp="1"/>
           </p:cNvSpPr>
@@ -1798,8 +1811,8 @@
         </p:nvSpPr>
         <p:spPr>
           <a:xfrm>
-            <a:off x="914400" y="1447920"/>
-            <a:ext cx="3792600" cy="2180520"/>
+            <a:off x="457200" y="1604520"/>
+            <a:ext cx="4015800" cy="1896840"/>
           </a:xfrm>
           <a:prstGeom prst="rect">
             <a:avLst/>
@@ -1808,23 +1821,23 @@
         <p:txBody>
           <a:bodyPr lIns="0" rIns="0" tIns="0" bIns="0"/>
           <a:p>
-            <a:endParaRPr b="0" lang="en-US" sz="2600" spc="-1" strike="noStrike">
-              <a:solidFill>
-                <a:srgbClr val="000000"/>
-              </a:solidFill>
-              <a:uFill>
-                <a:solidFill>
-                  <a:srgbClr val="ffffff"/>
-                </a:solidFill>
-              </a:uFill>
-              <a:latin typeface="Perpetua"/>
+            <a:endParaRPr b="0" lang="en-US" sz="3200" spc="-1" strike="noStrike">
+              <a:solidFill>
+                <a:srgbClr val="000000"/>
+              </a:solidFill>
+              <a:uFill>
+                <a:solidFill>
+                  <a:srgbClr val="ffffff"/>
+                </a:solidFill>
+              </a:uFill>
+              <a:latin typeface="Arial"/>
             </a:endParaRPr>
           </a:p>
         </p:txBody>
       </p:sp>
       <p:sp>
         <p:nvSpPr>
-          <p:cNvPr id="79" name="PlaceHolder 3"/>
+          <p:cNvPr id="73" name="PlaceHolder 3"/>
           <p:cNvSpPr>
             <a:spLocks noGrp="1"/>
           </p:cNvSpPr>
@@ -1834,8 +1847,8 @@
         </p:nvSpPr>
         <p:spPr>
           <a:xfrm>
-            <a:off x="4897080" y="1447920"/>
-            <a:ext cx="3792600" cy="2180520"/>
+            <a:off x="4674240" y="1604520"/>
+            <a:ext cx="4015800" cy="1896840"/>
           </a:xfrm>
           <a:prstGeom prst="rect">
             <a:avLst/>
@@ -1844,23 +1857,23 @@
         <p:txBody>
           <a:bodyPr lIns="0" rIns="0" tIns="0" bIns="0"/>
           <a:p>
-            <a:endParaRPr b="0" lang="en-US" sz="2600" spc="-1" strike="noStrike">
-              <a:solidFill>
-                <a:srgbClr val="000000"/>
-              </a:solidFill>
-              <a:uFill>
-                <a:solidFill>
-                  <a:srgbClr val="ffffff"/>
-                </a:solidFill>
-              </a:uFill>
-              <a:latin typeface="Perpetua"/>
+            <a:endParaRPr b="0" lang="en-US" sz="3200" spc="-1" strike="noStrike">
+              <a:solidFill>
+                <a:srgbClr val="000000"/>
+              </a:solidFill>
+              <a:uFill>
+                <a:solidFill>
+                  <a:srgbClr val="ffffff"/>
+                </a:solidFill>
+              </a:uFill>
+              <a:latin typeface="Arial"/>
             </a:endParaRPr>
           </a:p>
         </p:txBody>
       </p:sp>
       <p:sp>
         <p:nvSpPr>
-          <p:cNvPr id="80" name="PlaceHolder 4"/>
+          <p:cNvPr id="74" name="PlaceHolder 4"/>
           <p:cNvSpPr>
             <a:spLocks noGrp="1"/>
           </p:cNvSpPr>
@@ -1870,8 +1883,8 @@
         </p:nvSpPr>
         <p:spPr>
           <a:xfrm>
-            <a:off x="4897080" y="3836160"/>
-            <a:ext cx="3792600" cy="2180520"/>
+            <a:off x="4674240" y="3682080"/>
+            <a:ext cx="4015800" cy="1896840"/>
           </a:xfrm>
           <a:prstGeom prst="rect">
             <a:avLst/>
@@ -1880,23 +1893,23 @@
         <p:txBody>
           <a:bodyPr lIns="0" rIns="0" tIns="0" bIns="0"/>
           <a:p>
-            <a:endParaRPr b="0" lang="en-US" sz="2600" spc="-1" strike="noStrike">
-              <a:solidFill>
-                <a:srgbClr val="000000"/>
-              </a:solidFill>
-              <a:uFill>
-                <a:solidFill>
-                  <a:srgbClr val="ffffff"/>
-                </a:solidFill>
-              </a:uFill>
-              <a:latin typeface="Perpetua"/>
+            <a:endParaRPr b="0" lang="en-US" sz="3200" spc="-1" strike="noStrike">
+              <a:solidFill>
+                <a:srgbClr val="000000"/>
+              </a:solidFill>
+              <a:uFill>
+                <a:solidFill>
+                  <a:srgbClr val="ffffff"/>
+                </a:solidFill>
+              </a:uFill>
+              <a:latin typeface="Arial"/>
             </a:endParaRPr>
           </a:p>
         </p:txBody>
       </p:sp>
       <p:sp>
         <p:nvSpPr>
-          <p:cNvPr id="81" name="PlaceHolder 5"/>
+          <p:cNvPr id="75" name="PlaceHolder 5"/>
           <p:cNvSpPr>
             <a:spLocks noGrp="1"/>
           </p:cNvSpPr>
@@ -1906,8 +1919,8 @@
         </p:nvSpPr>
         <p:spPr>
           <a:xfrm>
-            <a:off x="914400" y="3836160"/>
-            <a:ext cx="3792600" cy="2180520"/>
+            <a:off x="457200" y="3682080"/>
+            <a:ext cx="4015800" cy="1896840"/>
           </a:xfrm>
           <a:prstGeom prst="rect">
             <a:avLst/>
@@ -1916,16 +1929,16 @@
         <p:txBody>
           <a:bodyPr lIns="0" rIns="0" tIns="0" bIns="0"/>
           <a:p>
-            <a:endParaRPr b="0" lang="en-US" sz="2600" spc="-1" strike="noStrike">
-              <a:solidFill>
-                <a:srgbClr val="000000"/>
-              </a:solidFill>
-              <a:uFill>
-                <a:solidFill>
-                  <a:srgbClr val="ffffff"/>
-                </a:solidFill>
-              </a:uFill>
-              <a:latin typeface="Perpetua"/>
+            <a:endParaRPr b="0" lang="en-US" sz="3200" spc="-1" strike="noStrike">
+              <a:solidFill>
+                <a:srgbClr val="000000"/>
+              </a:solidFill>
+              <a:uFill>
+                <a:solidFill>
+                  <a:srgbClr val="ffffff"/>
+                </a:solidFill>
+              </a:uFill>
+              <a:latin typeface="Arial"/>
             </a:endParaRPr>
           </a:p>
         </p:txBody>
@@ -1954,7 +1967,7 @@
       </p:grpSpPr>
       <p:sp>
         <p:nvSpPr>
-          <p:cNvPr id="82" name="PlaceHolder 1"/>
+          <p:cNvPr id="76" name="PlaceHolder 1"/>
           <p:cNvSpPr>
             <a:spLocks noGrp="1"/>
           </p:cNvSpPr>
@@ -1964,8 +1977,8 @@
         </p:nvSpPr>
         <p:spPr>
           <a:xfrm>
-            <a:off x="914400" y="274680"/>
-            <a:ext cx="7772040" cy="1142640"/>
+            <a:off x="457200" y="273600"/>
+            <a:ext cx="8229240" cy="1144800"/>
           </a:xfrm>
           <a:prstGeom prst="rect">
             <a:avLst/>
@@ -1974,23 +1987,24 @@
         <p:txBody>
           <a:bodyPr lIns="0" rIns="0" tIns="0" bIns="0" anchor="ctr"/>
           <a:p>
-            <a:endParaRPr b="0" lang="en-US" sz="1800" spc="-1" strike="noStrike">
-              <a:solidFill>
-                <a:srgbClr val="000000"/>
-              </a:solidFill>
-              <a:uFill>
-                <a:solidFill>
-                  <a:srgbClr val="ffffff"/>
-                </a:solidFill>
-              </a:uFill>
-              <a:latin typeface="Perpetua"/>
+            <a:pPr algn="ctr"/>
+            <a:endParaRPr b="0" lang="en-US" sz="4400" spc="-1" strike="noStrike">
+              <a:solidFill>
+                <a:srgbClr val="000000"/>
+              </a:solidFill>
+              <a:uFill>
+                <a:solidFill>
+                  <a:srgbClr val="ffffff"/>
+                </a:solidFill>
+              </a:uFill>
+              <a:latin typeface="Arial"/>
             </a:endParaRPr>
           </a:p>
         </p:txBody>
       </p:sp>
       <p:sp>
         <p:nvSpPr>
-          <p:cNvPr id="83" name="PlaceHolder 2"/>
+          <p:cNvPr id="77" name="PlaceHolder 2"/>
           <p:cNvSpPr>
             <a:spLocks noGrp="1"/>
           </p:cNvSpPr>
@@ -2000,8 +2014,8 @@
         </p:nvSpPr>
         <p:spPr>
           <a:xfrm>
-            <a:off x="914400" y="1447920"/>
-            <a:ext cx="7772040" cy="4571640"/>
+            <a:off x="457200" y="1604520"/>
+            <a:ext cx="8229240" cy="3977280"/>
           </a:xfrm>
           <a:prstGeom prst="rect">
             <a:avLst/>
@@ -2010,23 +2024,23 @@
         <p:txBody>
           <a:bodyPr lIns="0" rIns="0" tIns="0" bIns="0"/>
           <a:p>
-            <a:endParaRPr b="0" lang="en-US" sz="2600" spc="-1" strike="noStrike">
-              <a:solidFill>
-                <a:srgbClr val="000000"/>
-              </a:solidFill>
-              <a:uFill>
-                <a:solidFill>
-                  <a:srgbClr val="ffffff"/>
-                </a:solidFill>
-              </a:uFill>
-              <a:latin typeface="Perpetua"/>
+            <a:endParaRPr b="0" lang="en-US" sz="3200" spc="-1" strike="noStrike">
+              <a:solidFill>
+                <a:srgbClr val="000000"/>
+              </a:solidFill>
+              <a:uFill>
+                <a:solidFill>
+                  <a:srgbClr val="ffffff"/>
+                </a:solidFill>
+              </a:uFill>
+              <a:latin typeface="Arial"/>
             </a:endParaRPr>
           </a:p>
         </p:txBody>
       </p:sp>
       <p:sp>
         <p:nvSpPr>
-          <p:cNvPr id="84" name="PlaceHolder 3"/>
+          <p:cNvPr id="78" name="PlaceHolder 3"/>
           <p:cNvSpPr>
             <a:spLocks noGrp="1"/>
           </p:cNvSpPr>
@@ -2036,8 +2050,8 @@
         </p:nvSpPr>
         <p:spPr>
           <a:xfrm>
-            <a:off x="914400" y="1447920"/>
-            <a:ext cx="7772040" cy="4571640"/>
+            <a:off x="457200" y="1604520"/>
+            <a:ext cx="8229240" cy="3977280"/>
           </a:xfrm>
           <a:prstGeom prst="rect">
             <a:avLst/>
@@ -2046,23 +2060,23 @@
         <p:txBody>
           <a:bodyPr lIns="0" rIns="0" tIns="0" bIns="0"/>
           <a:p>
-            <a:endParaRPr b="0" lang="en-US" sz="2600" spc="-1" strike="noStrike">
-              <a:solidFill>
-                <a:srgbClr val="000000"/>
-              </a:solidFill>
-              <a:uFill>
-                <a:solidFill>
-                  <a:srgbClr val="ffffff"/>
-                </a:solidFill>
-              </a:uFill>
-              <a:latin typeface="Perpetua"/>
+            <a:endParaRPr b="0" lang="en-US" sz="3200" spc="-1" strike="noStrike">
+              <a:solidFill>
+                <a:srgbClr val="000000"/>
+              </a:solidFill>
+              <a:uFill>
+                <a:solidFill>
+                  <a:srgbClr val="ffffff"/>
+                </a:solidFill>
+              </a:uFill>
+              <a:latin typeface="Arial"/>
             </a:endParaRPr>
           </a:p>
         </p:txBody>
       </p:sp>
       <p:pic>
         <p:nvPicPr>
-          <p:cNvPr id="85" name="" descr=""/>
+          <p:cNvPr id="79" name="" descr=""/>
           <p:cNvPicPr/>
           <p:nvPr/>
         </p:nvPicPr>
@@ -2072,8 +2086,8 @@
         </p:blipFill>
         <p:spPr>
           <a:xfrm>
-            <a:off x="1935360" y="1447560"/>
-            <a:ext cx="5729760" cy="4571640"/>
+            <a:off x="2079000" y="1604520"/>
+            <a:ext cx="4984920" cy="3977280"/>
           </a:xfrm>
           <a:prstGeom prst="rect">
             <a:avLst/>
@@ -2085,7 +2099,7 @@
       </p:pic>
       <p:pic>
         <p:nvPicPr>
-          <p:cNvPr id="86" name="" descr=""/>
+          <p:cNvPr id="80" name="" descr=""/>
           <p:cNvPicPr/>
           <p:nvPr/>
         </p:nvPicPr>
@@ -2095,8 +2109,8 @@
         </p:blipFill>
         <p:spPr>
           <a:xfrm>
-            <a:off x="1935360" y="1447560"/>
-            <a:ext cx="5729760" cy="4571640"/>
+            <a:off x="2079000" y="1604520"/>
+            <a:ext cx="4984920" cy="3977280"/>
           </a:xfrm>
           <a:prstGeom prst="rect">
             <a:avLst/>
@@ -2130,7 +2144,7 @@
       </p:grpSpPr>
       <p:sp>
         <p:nvSpPr>
-          <p:cNvPr id="14" name="PlaceHolder 1"/>
+          <p:cNvPr id="11" name="PlaceHolder 1"/>
           <p:cNvSpPr>
             <a:spLocks noGrp="1"/>
           </p:cNvSpPr>
@@ -2140,8 +2154,8 @@
         </p:nvSpPr>
         <p:spPr>
           <a:xfrm>
-            <a:off x="914400" y="274680"/>
-            <a:ext cx="7772040" cy="1142640"/>
+            <a:off x="457200" y="273600"/>
+            <a:ext cx="8229240" cy="1144800"/>
           </a:xfrm>
           <a:prstGeom prst="rect">
             <a:avLst/>
@@ -2150,23 +2164,24 @@
         <p:txBody>
           <a:bodyPr lIns="0" rIns="0" tIns="0" bIns="0" anchor="ctr"/>
           <a:p>
-            <a:endParaRPr b="0" lang="en-US" sz="1800" spc="-1" strike="noStrike">
-              <a:solidFill>
-                <a:srgbClr val="000000"/>
-              </a:solidFill>
-              <a:uFill>
-                <a:solidFill>
-                  <a:srgbClr val="ffffff"/>
-                </a:solidFill>
-              </a:uFill>
-              <a:latin typeface="Perpetua"/>
+            <a:pPr algn="ctr"/>
+            <a:endParaRPr b="0" lang="en-US" sz="4400" spc="-1" strike="noStrike">
+              <a:solidFill>
+                <a:srgbClr val="000000"/>
+              </a:solidFill>
+              <a:uFill>
+                <a:solidFill>
+                  <a:srgbClr val="ffffff"/>
+                </a:solidFill>
+              </a:uFill>
+              <a:latin typeface="Arial"/>
             </a:endParaRPr>
           </a:p>
         </p:txBody>
       </p:sp>
       <p:sp>
         <p:nvSpPr>
-          <p:cNvPr id="15" name="PlaceHolder 2"/>
+          <p:cNvPr id="12" name="PlaceHolder 2"/>
           <p:cNvSpPr>
             <a:spLocks noGrp="1"/>
           </p:cNvSpPr>
@@ -2176,8 +2191,8 @@
         </p:nvSpPr>
         <p:spPr>
           <a:xfrm>
-            <a:off x="914400" y="1447920"/>
-            <a:ext cx="7772040" cy="4571640"/>
+            <a:off x="457200" y="1604520"/>
+            <a:ext cx="8229240" cy="3977280"/>
           </a:xfrm>
           <a:prstGeom prst="rect">
             <a:avLst/>
@@ -2186,16 +2201,16 @@
         <p:txBody>
           <a:bodyPr lIns="0" rIns="0" tIns="0" bIns="0"/>
           <a:p>
-            <a:endParaRPr b="0" lang="en-US" sz="2600" spc="-1" strike="noStrike">
-              <a:solidFill>
-                <a:srgbClr val="000000"/>
-              </a:solidFill>
-              <a:uFill>
-                <a:solidFill>
-                  <a:srgbClr val="ffffff"/>
-                </a:solidFill>
-              </a:uFill>
-              <a:latin typeface="Perpetua"/>
+            <a:endParaRPr b="0" lang="en-US" sz="3200" spc="-1" strike="noStrike">
+              <a:solidFill>
+                <a:srgbClr val="000000"/>
+              </a:solidFill>
+              <a:uFill>
+                <a:solidFill>
+                  <a:srgbClr val="ffffff"/>
+                </a:solidFill>
+              </a:uFill>
+              <a:latin typeface="Arial"/>
             </a:endParaRPr>
           </a:p>
         </p:txBody>
@@ -2224,7 +2239,7 @@
       </p:grpSpPr>
       <p:sp>
         <p:nvSpPr>
-          <p:cNvPr id="16" name="PlaceHolder 1"/>
+          <p:cNvPr id="13" name="PlaceHolder 1"/>
           <p:cNvSpPr>
             <a:spLocks noGrp="1"/>
           </p:cNvSpPr>
@@ -2234,8 +2249,8 @@
         </p:nvSpPr>
         <p:spPr>
           <a:xfrm>
-            <a:off x="914400" y="274680"/>
-            <a:ext cx="7772040" cy="1142640"/>
+            <a:off x="457200" y="273600"/>
+            <a:ext cx="8229240" cy="1144800"/>
           </a:xfrm>
           <a:prstGeom prst="rect">
             <a:avLst/>
@@ -2244,23 +2259,24 @@
         <p:txBody>
           <a:bodyPr lIns="0" rIns="0" tIns="0" bIns="0" anchor="ctr"/>
           <a:p>
-            <a:endParaRPr b="0" lang="en-US" sz="1800" spc="-1" strike="noStrike">
-              <a:solidFill>
-                <a:srgbClr val="000000"/>
-              </a:solidFill>
-              <a:uFill>
-                <a:solidFill>
-                  <a:srgbClr val="ffffff"/>
-                </a:solidFill>
-              </a:uFill>
-              <a:latin typeface="Perpetua"/>
+            <a:pPr algn="ctr"/>
+            <a:endParaRPr b="0" lang="en-US" sz="4400" spc="-1" strike="noStrike">
+              <a:solidFill>
+                <a:srgbClr val="000000"/>
+              </a:solidFill>
+              <a:uFill>
+                <a:solidFill>
+                  <a:srgbClr val="ffffff"/>
+                </a:solidFill>
+              </a:uFill>
+              <a:latin typeface="Arial"/>
             </a:endParaRPr>
           </a:p>
         </p:txBody>
       </p:sp>
       <p:sp>
         <p:nvSpPr>
-          <p:cNvPr id="17" name="PlaceHolder 2"/>
+          <p:cNvPr id="14" name="PlaceHolder 2"/>
           <p:cNvSpPr>
             <a:spLocks noGrp="1"/>
           </p:cNvSpPr>
@@ -2270,8 +2286,8 @@
         </p:nvSpPr>
         <p:spPr>
           <a:xfrm>
-            <a:off x="914400" y="1447920"/>
-            <a:ext cx="3792600" cy="4571640"/>
+            <a:off x="457200" y="1604520"/>
+            <a:ext cx="4015800" cy="3977280"/>
           </a:xfrm>
           <a:prstGeom prst="rect">
             <a:avLst/>
@@ -2280,23 +2296,23 @@
         <p:txBody>
           <a:bodyPr lIns="0" rIns="0" tIns="0" bIns="0"/>
           <a:p>
-            <a:endParaRPr b="0" lang="en-US" sz="2600" spc="-1" strike="noStrike">
-              <a:solidFill>
-                <a:srgbClr val="000000"/>
-              </a:solidFill>
-              <a:uFill>
-                <a:solidFill>
-                  <a:srgbClr val="ffffff"/>
-                </a:solidFill>
-              </a:uFill>
-              <a:latin typeface="Perpetua"/>
+            <a:endParaRPr b="0" lang="en-US" sz="3200" spc="-1" strike="noStrike">
+              <a:solidFill>
+                <a:srgbClr val="000000"/>
+              </a:solidFill>
+              <a:uFill>
+                <a:solidFill>
+                  <a:srgbClr val="ffffff"/>
+                </a:solidFill>
+              </a:uFill>
+              <a:latin typeface="Arial"/>
             </a:endParaRPr>
           </a:p>
         </p:txBody>
       </p:sp>
       <p:sp>
         <p:nvSpPr>
-          <p:cNvPr id="18" name="PlaceHolder 3"/>
+          <p:cNvPr id="15" name="PlaceHolder 3"/>
           <p:cNvSpPr>
             <a:spLocks noGrp="1"/>
           </p:cNvSpPr>
@@ -2306,8 +2322,8 @@
         </p:nvSpPr>
         <p:spPr>
           <a:xfrm>
-            <a:off x="4897080" y="1447920"/>
-            <a:ext cx="3792600" cy="4571640"/>
+            <a:off x="4674240" y="1604520"/>
+            <a:ext cx="4015800" cy="3977280"/>
           </a:xfrm>
           <a:prstGeom prst="rect">
             <a:avLst/>
@@ -2316,16 +2332,16 @@
         <p:txBody>
           <a:bodyPr lIns="0" rIns="0" tIns="0" bIns="0"/>
           <a:p>
-            <a:endParaRPr b="0" lang="en-US" sz="2600" spc="-1" strike="noStrike">
-              <a:solidFill>
-                <a:srgbClr val="000000"/>
-              </a:solidFill>
-              <a:uFill>
-                <a:solidFill>
-                  <a:srgbClr val="ffffff"/>
-                </a:solidFill>
-              </a:uFill>
-              <a:latin typeface="Perpetua"/>
+            <a:endParaRPr b="0" lang="en-US" sz="3200" spc="-1" strike="noStrike">
+              <a:solidFill>
+                <a:srgbClr val="000000"/>
+              </a:solidFill>
+              <a:uFill>
+                <a:solidFill>
+                  <a:srgbClr val="ffffff"/>
+                </a:solidFill>
+              </a:uFill>
+              <a:latin typeface="Arial"/>
             </a:endParaRPr>
           </a:p>
         </p:txBody>
@@ -2354,7 +2370,7 @@
       </p:grpSpPr>
       <p:sp>
         <p:nvSpPr>
-          <p:cNvPr id="19" name="PlaceHolder 1"/>
+          <p:cNvPr id="16" name="PlaceHolder 1"/>
           <p:cNvSpPr>
             <a:spLocks noGrp="1"/>
           </p:cNvSpPr>
@@ -2364,8 +2380,8 @@
         </p:nvSpPr>
         <p:spPr>
           <a:xfrm>
-            <a:off x="914400" y="274680"/>
-            <a:ext cx="7772040" cy="1142640"/>
+            <a:off x="457200" y="273600"/>
+            <a:ext cx="8229240" cy="1144800"/>
           </a:xfrm>
           <a:prstGeom prst="rect">
             <a:avLst/>
@@ -2374,16 +2390,17 @@
         <p:txBody>
           <a:bodyPr lIns="0" rIns="0" tIns="0" bIns="0" anchor="ctr"/>
           <a:p>
-            <a:endParaRPr b="0" lang="en-US" sz="1800" spc="-1" strike="noStrike">
-              <a:solidFill>
-                <a:srgbClr val="000000"/>
-              </a:solidFill>
-              <a:uFill>
-                <a:solidFill>
-                  <a:srgbClr val="ffffff"/>
-                </a:solidFill>
-              </a:uFill>
-              <a:latin typeface="Perpetua"/>
+            <a:pPr algn="ctr"/>
+            <a:endParaRPr b="0" lang="en-US" sz="4400" spc="-1" strike="noStrike">
+              <a:solidFill>
+                <a:srgbClr val="000000"/>
+              </a:solidFill>
+              <a:uFill>
+                <a:solidFill>
+                  <a:srgbClr val="ffffff"/>
+                </a:solidFill>
+              </a:uFill>
+              <a:latin typeface="Arial"/>
             </a:endParaRPr>
           </a:p>
         </p:txBody>
@@ -2412,7 +2429,7 @@
       </p:grpSpPr>
       <p:sp>
         <p:nvSpPr>
-          <p:cNvPr id="20" name="PlaceHolder 1"/>
+          <p:cNvPr id="17" name="PlaceHolder 1"/>
           <p:cNvSpPr>
             <a:spLocks noGrp="1"/>
           </p:cNvSpPr>
@@ -2422,8 +2439,8 @@
         </p:nvSpPr>
         <p:spPr>
           <a:xfrm>
-            <a:off x="914400" y="274680"/>
-            <a:ext cx="7772040" cy="5297760"/>
+            <a:off x="457200" y="273600"/>
+            <a:ext cx="8229240" cy="5307840"/>
           </a:xfrm>
           <a:prstGeom prst="rect">
             <a:avLst/>
@@ -2471,7 +2488,7 @@
       </p:grpSpPr>
       <p:sp>
         <p:nvSpPr>
-          <p:cNvPr id="21" name="PlaceHolder 1"/>
+          <p:cNvPr id="18" name="PlaceHolder 1"/>
           <p:cNvSpPr>
             <a:spLocks noGrp="1"/>
           </p:cNvSpPr>
@@ -2481,8 +2498,8 @@
         </p:nvSpPr>
         <p:spPr>
           <a:xfrm>
-            <a:off x="914400" y="274680"/>
-            <a:ext cx="7772040" cy="1142640"/>
+            <a:off x="457200" y="273600"/>
+            <a:ext cx="8229240" cy="1144800"/>
           </a:xfrm>
           <a:prstGeom prst="rect">
             <a:avLst/>
@@ -2491,23 +2508,24 @@
         <p:txBody>
           <a:bodyPr lIns="0" rIns="0" tIns="0" bIns="0" anchor="ctr"/>
           <a:p>
-            <a:endParaRPr b="0" lang="en-US" sz="1800" spc="-1" strike="noStrike">
-              <a:solidFill>
-                <a:srgbClr val="000000"/>
-              </a:solidFill>
-              <a:uFill>
-                <a:solidFill>
-                  <a:srgbClr val="ffffff"/>
-                </a:solidFill>
-              </a:uFill>
-              <a:latin typeface="Perpetua"/>
+            <a:pPr algn="ctr"/>
+            <a:endParaRPr b="0" lang="en-US" sz="4400" spc="-1" strike="noStrike">
+              <a:solidFill>
+                <a:srgbClr val="000000"/>
+              </a:solidFill>
+              <a:uFill>
+                <a:solidFill>
+                  <a:srgbClr val="ffffff"/>
+                </a:solidFill>
+              </a:uFill>
+              <a:latin typeface="Arial"/>
             </a:endParaRPr>
           </a:p>
         </p:txBody>
       </p:sp>
       <p:sp>
         <p:nvSpPr>
-          <p:cNvPr id="22" name="PlaceHolder 2"/>
+          <p:cNvPr id="19" name="PlaceHolder 2"/>
           <p:cNvSpPr>
             <a:spLocks noGrp="1"/>
           </p:cNvSpPr>
@@ -2517,8 +2535,8 @@
         </p:nvSpPr>
         <p:spPr>
           <a:xfrm>
-            <a:off x="914400" y="1447920"/>
-            <a:ext cx="3792600" cy="2180520"/>
+            <a:off x="457200" y="1604520"/>
+            <a:ext cx="4015800" cy="1896840"/>
           </a:xfrm>
           <a:prstGeom prst="rect">
             <a:avLst/>
@@ -2527,23 +2545,23 @@
         <p:txBody>
           <a:bodyPr lIns="0" rIns="0" tIns="0" bIns="0"/>
           <a:p>
-            <a:endParaRPr b="0" lang="en-US" sz="2600" spc="-1" strike="noStrike">
-              <a:solidFill>
-                <a:srgbClr val="000000"/>
-              </a:solidFill>
-              <a:uFill>
-                <a:solidFill>
-                  <a:srgbClr val="ffffff"/>
-                </a:solidFill>
-              </a:uFill>
-              <a:latin typeface="Perpetua"/>
+            <a:endParaRPr b="0" lang="en-US" sz="3200" spc="-1" strike="noStrike">
+              <a:solidFill>
+                <a:srgbClr val="000000"/>
+              </a:solidFill>
+              <a:uFill>
+                <a:solidFill>
+                  <a:srgbClr val="ffffff"/>
+                </a:solidFill>
+              </a:uFill>
+              <a:latin typeface="Arial"/>
             </a:endParaRPr>
           </a:p>
         </p:txBody>
       </p:sp>
       <p:sp>
         <p:nvSpPr>
-          <p:cNvPr id="23" name="PlaceHolder 3"/>
+          <p:cNvPr id="20" name="PlaceHolder 3"/>
           <p:cNvSpPr>
             <a:spLocks noGrp="1"/>
           </p:cNvSpPr>
@@ -2553,8 +2571,8 @@
         </p:nvSpPr>
         <p:spPr>
           <a:xfrm>
-            <a:off x="914400" y="3836160"/>
-            <a:ext cx="3792600" cy="2180520"/>
+            <a:off x="457200" y="3682080"/>
+            <a:ext cx="4015800" cy="1896840"/>
           </a:xfrm>
           <a:prstGeom prst="rect">
             <a:avLst/>
@@ -2563,23 +2581,23 @@
         <p:txBody>
           <a:bodyPr lIns="0" rIns="0" tIns="0" bIns="0"/>
           <a:p>
-            <a:endParaRPr b="0" lang="en-US" sz="2600" spc="-1" strike="noStrike">
-              <a:solidFill>
-                <a:srgbClr val="000000"/>
-              </a:solidFill>
-              <a:uFill>
-                <a:solidFill>
-                  <a:srgbClr val="ffffff"/>
-                </a:solidFill>
-              </a:uFill>
-              <a:latin typeface="Perpetua"/>
+            <a:endParaRPr b="0" lang="en-US" sz="3200" spc="-1" strike="noStrike">
+              <a:solidFill>
+                <a:srgbClr val="000000"/>
+              </a:solidFill>
+              <a:uFill>
+                <a:solidFill>
+                  <a:srgbClr val="ffffff"/>
+                </a:solidFill>
+              </a:uFill>
+              <a:latin typeface="Arial"/>
             </a:endParaRPr>
           </a:p>
         </p:txBody>
       </p:sp>
       <p:sp>
         <p:nvSpPr>
-          <p:cNvPr id="24" name="PlaceHolder 4"/>
+          <p:cNvPr id="21" name="PlaceHolder 4"/>
           <p:cNvSpPr>
             <a:spLocks noGrp="1"/>
           </p:cNvSpPr>
@@ -2589,8 +2607,8 @@
         </p:nvSpPr>
         <p:spPr>
           <a:xfrm>
-            <a:off x="4897080" y="1447920"/>
-            <a:ext cx="3792600" cy="4571640"/>
+            <a:off x="4674240" y="1604520"/>
+            <a:ext cx="4015800" cy="3977280"/>
           </a:xfrm>
           <a:prstGeom prst="rect">
             <a:avLst/>
@@ -2599,16 +2617,16 @@
         <p:txBody>
           <a:bodyPr lIns="0" rIns="0" tIns="0" bIns="0"/>
           <a:p>
-            <a:endParaRPr b="0" lang="en-US" sz="2600" spc="-1" strike="noStrike">
-              <a:solidFill>
-                <a:srgbClr val="000000"/>
-              </a:solidFill>
-              <a:uFill>
-                <a:solidFill>
-                  <a:srgbClr val="ffffff"/>
-                </a:solidFill>
-              </a:uFill>
-              <a:latin typeface="Perpetua"/>
+            <a:endParaRPr b="0" lang="en-US" sz="3200" spc="-1" strike="noStrike">
+              <a:solidFill>
+                <a:srgbClr val="000000"/>
+              </a:solidFill>
+              <a:uFill>
+                <a:solidFill>
+                  <a:srgbClr val="ffffff"/>
+                </a:solidFill>
+              </a:uFill>
+              <a:latin typeface="Arial"/>
             </a:endParaRPr>
           </a:p>
         </p:txBody>
@@ -2637,7 +2655,7 @@
       </p:grpSpPr>
       <p:sp>
         <p:nvSpPr>
-          <p:cNvPr id="25" name="PlaceHolder 1"/>
+          <p:cNvPr id="22" name="PlaceHolder 1"/>
           <p:cNvSpPr>
             <a:spLocks noGrp="1"/>
           </p:cNvSpPr>
@@ -2647,8 +2665,8 @@
         </p:nvSpPr>
         <p:spPr>
           <a:xfrm>
-            <a:off x="914400" y="274680"/>
-            <a:ext cx="7772040" cy="1142640"/>
+            <a:off x="457200" y="273600"/>
+            <a:ext cx="8229240" cy="1144800"/>
           </a:xfrm>
           <a:prstGeom prst="rect">
             <a:avLst/>
@@ -2657,23 +2675,24 @@
         <p:txBody>
           <a:bodyPr lIns="0" rIns="0" tIns="0" bIns="0" anchor="ctr"/>
           <a:p>
-            <a:endParaRPr b="0" lang="en-US" sz="1800" spc="-1" strike="noStrike">
-              <a:solidFill>
-                <a:srgbClr val="000000"/>
-              </a:solidFill>
-              <a:uFill>
-                <a:solidFill>
-                  <a:srgbClr val="ffffff"/>
-                </a:solidFill>
-              </a:uFill>
-              <a:latin typeface="Perpetua"/>
+            <a:pPr algn="ctr"/>
+            <a:endParaRPr b="0" lang="en-US" sz="4400" spc="-1" strike="noStrike">
+              <a:solidFill>
+                <a:srgbClr val="000000"/>
+              </a:solidFill>
+              <a:uFill>
+                <a:solidFill>
+                  <a:srgbClr val="ffffff"/>
+                </a:solidFill>
+              </a:uFill>
+              <a:latin typeface="Arial"/>
             </a:endParaRPr>
           </a:p>
         </p:txBody>
       </p:sp>
       <p:sp>
         <p:nvSpPr>
-          <p:cNvPr id="26" name="PlaceHolder 2"/>
+          <p:cNvPr id="23" name="PlaceHolder 2"/>
           <p:cNvSpPr>
             <a:spLocks noGrp="1"/>
           </p:cNvSpPr>
@@ -2683,8 +2702,8 @@
         </p:nvSpPr>
         <p:spPr>
           <a:xfrm>
-            <a:off x="914400" y="1447920"/>
-            <a:ext cx="3792600" cy="4571640"/>
+            <a:off x="457200" y="1604520"/>
+            <a:ext cx="4015800" cy="3977280"/>
           </a:xfrm>
           <a:prstGeom prst="rect">
             <a:avLst/>
@@ -2693,23 +2712,23 @@
         <p:txBody>
           <a:bodyPr lIns="0" rIns="0" tIns="0" bIns="0"/>
           <a:p>
-            <a:endParaRPr b="0" lang="en-US" sz="2600" spc="-1" strike="noStrike">
-              <a:solidFill>
-                <a:srgbClr val="000000"/>
-              </a:solidFill>
-              <a:uFill>
-                <a:solidFill>
-                  <a:srgbClr val="ffffff"/>
-                </a:solidFill>
-              </a:uFill>
-              <a:latin typeface="Perpetua"/>
+            <a:endParaRPr b="0" lang="en-US" sz="3200" spc="-1" strike="noStrike">
+              <a:solidFill>
+                <a:srgbClr val="000000"/>
+              </a:solidFill>
+              <a:uFill>
+                <a:solidFill>
+                  <a:srgbClr val="ffffff"/>
+                </a:solidFill>
+              </a:uFill>
+              <a:latin typeface="Arial"/>
             </a:endParaRPr>
           </a:p>
         </p:txBody>
       </p:sp>
       <p:sp>
         <p:nvSpPr>
-          <p:cNvPr id="27" name="PlaceHolder 3"/>
+          <p:cNvPr id="24" name="PlaceHolder 3"/>
           <p:cNvSpPr>
             <a:spLocks noGrp="1"/>
           </p:cNvSpPr>
@@ -2719,8 +2738,8 @@
         </p:nvSpPr>
         <p:spPr>
           <a:xfrm>
-            <a:off x="4897080" y="1447920"/>
-            <a:ext cx="3792600" cy="2180520"/>
+            <a:off x="4674240" y="1604520"/>
+            <a:ext cx="4015800" cy="1896840"/>
           </a:xfrm>
           <a:prstGeom prst="rect">
             <a:avLst/>
@@ -2729,23 +2748,23 @@
         <p:txBody>
           <a:bodyPr lIns="0" rIns="0" tIns="0" bIns="0"/>
           <a:p>
-            <a:endParaRPr b="0" lang="en-US" sz="2600" spc="-1" strike="noStrike">
-              <a:solidFill>
-                <a:srgbClr val="000000"/>
-              </a:solidFill>
-              <a:uFill>
-                <a:solidFill>
-                  <a:srgbClr val="ffffff"/>
-                </a:solidFill>
-              </a:uFill>
-              <a:latin typeface="Perpetua"/>
+            <a:endParaRPr b="0" lang="en-US" sz="3200" spc="-1" strike="noStrike">
+              <a:solidFill>
+                <a:srgbClr val="000000"/>
+              </a:solidFill>
+              <a:uFill>
+                <a:solidFill>
+                  <a:srgbClr val="ffffff"/>
+                </a:solidFill>
+              </a:uFill>
+              <a:latin typeface="Arial"/>
             </a:endParaRPr>
           </a:p>
         </p:txBody>
       </p:sp>
       <p:sp>
         <p:nvSpPr>
-          <p:cNvPr id="28" name="PlaceHolder 4"/>
+          <p:cNvPr id="25" name="PlaceHolder 4"/>
           <p:cNvSpPr>
             <a:spLocks noGrp="1"/>
           </p:cNvSpPr>
@@ -2755,8 +2774,8 @@
         </p:nvSpPr>
         <p:spPr>
           <a:xfrm>
-            <a:off x="4897080" y="3836160"/>
-            <a:ext cx="3792600" cy="2180520"/>
+            <a:off x="4674240" y="3682080"/>
+            <a:ext cx="4015800" cy="1896840"/>
           </a:xfrm>
           <a:prstGeom prst="rect">
             <a:avLst/>
@@ -2765,16 +2784,16 @@
         <p:txBody>
           <a:bodyPr lIns="0" rIns="0" tIns="0" bIns="0"/>
           <a:p>
-            <a:endParaRPr b="0" lang="en-US" sz="2600" spc="-1" strike="noStrike">
-              <a:solidFill>
-                <a:srgbClr val="000000"/>
-              </a:solidFill>
-              <a:uFill>
-                <a:solidFill>
-                  <a:srgbClr val="ffffff"/>
-                </a:solidFill>
-              </a:uFill>
-              <a:latin typeface="Perpetua"/>
+            <a:endParaRPr b="0" lang="en-US" sz="3200" spc="-1" strike="noStrike">
+              <a:solidFill>
+                <a:srgbClr val="000000"/>
+              </a:solidFill>
+              <a:uFill>
+                <a:solidFill>
+                  <a:srgbClr val="ffffff"/>
+                </a:solidFill>
+              </a:uFill>
+              <a:latin typeface="Arial"/>
             </a:endParaRPr>
           </a:p>
         </p:txBody>
@@ -2803,7 +2822,7 @@
       </p:grpSpPr>
       <p:sp>
         <p:nvSpPr>
-          <p:cNvPr id="29" name="PlaceHolder 1"/>
+          <p:cNvPr id="26" name="PlaceHolder 1"/>
           <p:cNvSpPr>
             <a:spLocks noGrp="1"/>
           </p:cNvSpPr>
@@ -2813,8 +2832,8 @@
         </p:nvSpPr>
         <p:spPr>
           <a:xfrm>
-            <a:off x="914400" y="274680"/>
-            <a:ext cx="7772040" cy="1142640"/>
+            <a:off x="457200" y="273600"/>
+            <a:ext cx="8229240" cy="1144800"/>
           </a:xfrm>
           <a:prstGeom prst="rect">
             <a:avLst/>
@@ -2823,23 +2842,24 @@
         <p:txBody>
           <a:bodyPr lIns="0" rIns="0" tIns="0" bIns="0" anchor="ctr"/>
           <a:p>
-            <a:endParaRPr b="0" lang="en-US" sz="1800" spc="-1" strike="noStrike">
-              <a:solidFill>
-                <a:srgbClr val="000000"/>
-              </a:solidFill>
-              <a:uFill>
-                <a:solidFill>
-                  <a:srgbClr val="ffffff"/>
-                </a:solidFill>
-              </a:uFill>
-              <a:latin typeface="Perpetua"/>
+            <a:pPr algn="ctr"/>
+            <a:endParaRPr b="0" lang="en-US" sz="4400" spc="-1" strike="noStrike">
+              <a:solidFill>
+                <a:srgbClr val="000000"/>
+              </a:solidFill>
+              <a:uFill>
+                <a:solidFill>
+                  <a:srgbClr val="ffffff"/>
+                </a:solidFill>
+              </a:uFill>
+              <a:latin typeface="Arial"/>
             </a:endParaRPr>
           </a:p>
         </p:txBody>
       </p:sp>
       <p:sp>
         <p:nvSpPr>
-          <p:cNvPr id="30" name="PlaceHolder 2"/>
+          <p:cNvPr id="27" name="PlaceHolder 2"/>
           <p:cNvSpPr>
             <a:spLocks noGrp="1"/>
           </p:cNvSpPr>
@@ -2849,8 +2869,8 @@
         </p:nvSpPr>
         <p:spPr>
           <a:xfrm>
-            <a:off x="914400" y="1447920"/>
-            <a:ext cx="3792600" cy="2180520"/>
+            <a:off x="457200" y="1604520"/>
+            <a:ext cx="4015800" cy="1896840"/>
           </a:xfrm>
           <a:prstGeom prst="rect">
             <a:avLst/>
@@ -2859,23 +2879,23 @@
         <p:txBody>
           <a:bodyPr lIns="0" rIns="0" tIns="0" bIns="0"/>
           <a:p>
-            <a:endParaRPr b="0" lang="en-US" sz="2600" spc="-1" strike="noStrike">
-              <a:solidFill>
-                <a:srgbClr val="000000"/>
-              </a:solidFill>
-              <a:uFill>
-                <a:solidFill>
-                  <a:srgbClr val="ffffff"/>
-                </a:solidFill>
-              </a:uFill>
-              <a:latin typeface="Perpetua"/>
+            <a:endParaRPr b="0" lang="en-US" sz="3200" spc="-1" strike="noStrike">
+              <a:solidFill>
+                <a:srgbClr val="000000"/>
+              </a:solidFill>
+              <a:uFill>
+                <a:solidFill>
+                  <a:srgbClr val="ffffff"/>
+                </a:solidFill>
+              </a:uFill>
+              <a:latin typeface="Arial"/>
             </a:endParaRPr>
           </a:p>
         </p:txBody>
       </p:sp>
       <p:sp>
         <p:nvSpPr>
-          <p:cNvPr id="31" name="PlaceHolder 3"/>
+          <p:cNvPr id="28" name="PlaceHolder 3"/>
           <p:cNvSpPr>
             <a:spLocks noGrp="1"/>
           </p:cNvSpPr>
@@ -2885,8 +2905,8 @@
         </p:nvSpPr>
         <p:spPr>
           <a:xfrm>
-            <a:off x="4897080" y="1447920"/>
-            <a:ext cx="3792600" cy="2180520"/>
+            <a:off x="4674240" y="1604520"/>
+            <a:ext cx="4015800" cy="1896840"/>
           </a:xfrm>
           <a:prstGeom prst="rect">
             <a:avLst/>
@@ -2895,23 +2915,23 @@
         <p:txBody>
           <a:bodyPr lIns="0" rIns="0" tIns="0" bIns="0"/>
           <a:p>
-            <a:endParaRPr b="0" lang="en-US" sz="2600" spc="-1" strike="noStrike">
-              <a:solidFill>
-                <a:srgbClr val="000000"/>
-              </a:solidFill>
-              <a:uFill>
-                <a:solidFill>
-                  <a:srgbClr val="ffffff"/>
-                </a:solidFill>
-              </a:uFill>
-              <a:latin typeface="Perpetua"/>
+            <a:endParaRPr b="0" lang="en-US" sz="3200" spc="-1" strike="noStrike">
+              <a:solidFill>
+                <a:srgbClr val="000000"/>
+              </a:solidFill>
+              <a:uFill>
+                <a:solidFill>
+                  <a:srgbClr val="ffffff"/>
+                </a:solidFill>
+              </a:uFill>
+              <a:latin typeface="Arial"/>
             </a:endParaRPr>
           </a:p>
         </p:txBody>
       </p:sp>
       <p:sp>
         <p:nvSpPr>
-          <p:cNvPr id="32" name="PlaceHolder 4"/>
+          <p:cNvPr id="29" name="PlaceHolder 4"/>
           <p:cNvSpPr>
             <a:spLocks noGrp="1"/>
           </p:cNvSpPr>
@@ -2921,8 +2941,8 @@
         </p:nvSpPr>
         <p:spPr>
           <a:xfrm>
-            <a:off x="914400" y="3836160"/>
-            <a:ext cx="7772040" cy="2180520"/>
+            <a:off x="457200" y="3682080"/>
+            <a:ext cx="8229240" cy="1896840"/>
           </a:xfrm>
           <a:prstGeom prst="rect">
             <a:avLst/>
@@ -2931,16 +2951,16 @@
         <p:txBody>
           <a:bodyPr lIns="0" rIns="0" tIns="0" bIns="0"/>
           <a:p>
-            <a:endParaRPr b="0" lang="en-US" sz="2600" spc="-1" strike="noStrike">
-              <a:solidFill>
-                <a:srgbClr val="000000"/>
-              </a:solidFill>
-              <a:uFill>
-                <a:solidFill>
-                  <a:srgbClr val="ffffff"/>
-                </a:solidFill>
-              </a:uFill>
-              <a:latin typeface="Perpetua"/>
+            <a:endParaRPr b="0" lang="en-US" sz="3200" spc="-1" strike="noStrike">
+              <a:solidFill>
+                <a:srgbClr val="000000"/>
+              </a:solidFill>
+              <a:uFill>
+                <a:solidFill>
+                  <a:srgbClr val="ffffff"/>
+                </a:solidFill>
+              </a:uFill>
+              <a:latin typeface="Arial"/>
             </a:endParaRPr>
           </a:p>
         </p:txBody>
@@ -2984,7 +3004,7 @@
         <p:spPr>
           <a:xfrm>
             <a:off x="0" y="0"/>
-            <a:ext cx="9143640" cy="6857640"/>
+            <a:ext cx="9143280" cy="6857280"/>
           </a:xfrm>
           <a:prstGeom prst="rect">
             <a:avLst/>
@@ -3018,7 +3038,7 @@
         <p:spPr>
           <a:xfrm>
             <a:off x="64080" y="69840"/>
-            <a:ext cx="9012960" cy="6693120"/>
+            <a:ext cx="9012600" cy="6692760"/>
           </a:xfrm>
           <a:prstGeom prst="roundRect">
             <a:avLst>
@@ -3063,7 +3083,7 @@
         <p:spPr>
           <a:xfrm>
             <a:off x="0" y="0"/>
-            <a:ext cx="9143640" cy="6857640"/>
+            <a:ext cx="9143280" cy="6857280"/>
           </a:xfrm>
           <a:prstGeom prst="rect">
             <a:avLst/>
@@ -3097,7 +3117,7 @@
         <p:spPr>
           <a:xfrm>
             <a:off x="65160" y="69840"/>
-            <a:ext cx="9012960" cy="6691680"/>
+            <a:ext cx="9012600" cy="6691320"/>
           </a:xfrm>
           <a:prstGeom prst="roundRect">
             <a:avLst>
@@ -3135,160 +3155,14 @@
       </p:sp>
       <p:sp>
         <p:nvSpPr>
-          <p:cNvPr id="4" name="PlaceHolder 5"/>
-          <p:cNvSpPr>
-            <a:spLocks noGrp="1"/>
-          </p:cNvSpPr>
-          <p:nvPr>
-            <p:ph type="dt"/>
-          </p:nvPr>
-        </p:nvSpPr>
-        <p:spPr>
-          <a:xfrm>
-            <a:off x="6172200" y="6191280"/>
-            <a:ext cx="2476080" cy="475920"/>
-          </a:xfrm>
-          <a:prstGeom prst="rect">
-            <a:avLst/>
-          </a:prstGeom>
-        </p:spPr>
-        <p:txBody>
-          <a:bodyPr lIns="90000" rIns="90000" tIns="45000" bIns="45000" anchor="ctr"/>
-          <a:p>
-            <a:pPr algn="r">
-              <a:lnSpc>
-                <a:spcPct val="100000"/>
-              </a:lnSpc>
-            </a:pPr>
-            <a:r>
-              <a:rPr b="0" lang="en-US" sz="1400" spc="-1" strike="noStrike">
-                <a:solidFill>
-                  <a:srgbClr val="696464"/>
-                </a:solidFill>
-                <a:uFill>
-                  <a:solidFill>
-                    <a:srgbClr val="ffffff"/>
-                  </a:solidFill>
-                </a:uFill>
-                <a:latin typeface="Perpetua"/>
-              </a:rPr>
-              <a:t>6/12/18</a:t>
-            </a:r>
-            <a:endParaRPr b="0" lang="en-US" sz="1400" spc="-1" strike="noStrike">
-              <a:solidFill>
-                <a:srgbClr val="000000"/>
-              </a:solidFill>
-              <a:uFill>
-                <a:solidFill>
-                  <a:srgbClr val="ffffff"/>
-                </a:solidFill>
-              </a:uFill>
-              <a:latin typeface="Times New Roman"/>
-            </a:endParaRPr>
-          </a:p>
-        </p:txBody>
-      </p:sp>
-      <p:sp>
-        <p:nvSpPr>
-          <p:cNvPr id="5" name="PlaceHolder 6"/>
-          <p:cNvSpPr>
-            <a:spLocks noGrp="1"/>
-          </p:cNvSpPr>
-          <p:nvPr>
-            <p:ph type="ftr"/>
-          </p:nvPr>
-        </p:nvSpPr>
-        <p:spPr>
-          <a:xfrm>
-            <a:off x="914400" y="6172200"/>
-            <a:ext cx="3962160" cy="456840"/>
-          </a:xfrm>
-          <a:prstGeom prst="rect">
-            <a:avLst/>
-          </a:prstGeom>
-        </p:spPr>
-        <p:txBody>
-          <a:bodyPr lIns="90000" rIns="90000" tIns="45000" bIns="45000" anchor="ctr"/>
-          <a:p>
-            <a:endParaRPr b="0" lang="en-US" sz="2400" spc="-1" strike="noStrike">
-              <a:solidFill>
-                <a:srgbClr val="000000"/>
-              </a:solidFill>
-              <a:uFill>
-                <a:solidFill>
-                  <a:srgbClr val="ffffff"/>
-                </a:solidFill>
-              </a:uFill>
-              <a:latin typeface="Times New Roman"/>
-            </a:endParaRPr>
-          </a:p>
-        </p:txBody>
-      </p:sp>
-      <p:sp>
-        <p:nvSpPr>
-          <p:cNvPr id="6" name="PlaceHolder 7"/>
-          <p:cNvSpPr>
-            <a:spLocks noGrp="1"/>
-          </p:cNvSpPr>
-          <p:nvPr>
-            <p:ph type="sldNum"/>
-          </p:nvPr>
-        </p:nvSpPr>
-        <p:spPr>
-          <a:xfrm>
-            <a:off x="146160" y="6210360"/>
-            <a:ext cx="456840" cy="456840"/>
-          </a:xfrm>
-          <a:prstGeom prst="rect">
-            <a:avLst/>
-          </a:prstGeom>
-        </p:spPr>
-        <p:txBody>
-          <a:bodyPr lIns="0" rIns="0" tIns="0" bIns="0" anchor="ctr" anchorCtr="1"/>
-          <a:p>
-            <a:pPr algn="ctr">
-              <a:lnSpc>
-                <a:spcPct val="100000"/>
-              </a:lnSpc>
-            </a:pPr>
-            <a:fld id="{714CC6F8-8B0A-469F-A293-0CFC7416AC15}" type="slidenum">
-              <a:rPr b="0" lang="en-US" sz="1400" spc="-1" strike="noStrike">
-                <a:solidFill>
-                  <a:srgbClr val="ffffff"/>
-                </a:solidFill>
-                <a:uFill>
-                  <a:solidFill>
-                    <a:srgbClr val="ffffff"/>
-                  </a:solidFill>
-                </a:uFill>
-                <a:latin typeface="Franklin Gothic Book"/>
-              </a:rPr>
-              <a:t>&lt;number&gt;</a:t>
-            </a:fld>
-            <a:endParaRPr b="0" lang="en-US" sz="1400" spc="-1" strike="noStrike">
-              <a:solidFill>
-                <a:srgbClr val="000000"/>
-              </a:solidFill>
-              <a:uFill>
-                <a:solidFill>
-                  <a:srgbClr val="ffffff"/>
-                </a:solidFill>
-              </a:uFill>
-              <a:latin typeface="Times New Roman"/>
-            </a:endParaRPr>
-          </a:p>
-        </p:txBody>
-      </p:sp>
-      <p:sp>
-        <p:nvSpPr>
-          <p:cNvPr id="7" name="CustomShape 8"/>
+          <p:cNvPr id="4" name="CustomShape 5"/>
           <p:cNvSpPr/>
           <p:nvPr/>
         </p:nvSpPr>
         <p:spPr>
           <a:xfrm>
             <a:off x="63000" y="1449360"/>
-            <a:ext cx="9021240" cy="1527120"/>
+            <a:ext cx="9020880" cy="1526760"/>
           </a:xfrm>
           <a:prstGeom prst="rect">
             <a:avLst/>
@@ -3324,14 +3198,14 @@
       </p:sp>
       <p:sp>
         <p:nvSpPr>
-          <p:cNvPr id="8" name="CustomShape 9"/>
+          <p:cNvPr id="5" name="CustomShape 6"/>
           <p:cNvSpPr/>
           <p:nvPr/>
         </p:nvSpPr>
         <p:spPr>
           <a:xfrm>
             <a:off x="63000" y="1396800"/>
-            <a:ext cx="9021240" cy="120240"/>
+            <a:ext cx="9020880" cy="119880"/>
           </a:xfrm>
           <a:prstGeom prst="rect">
             <a:avLst/>
@@ -3367,14 +3241,14 @@
       </p:sp>
       <p:sp>
         <p:nvSpPr>
-          <p:cNvPr id="9" name="CustomShape 10"/>
+          <p:cNvPr id="6" name="CustomShape 7"/>
           <p:cNvSpPr/>
           <p:nvPr/>
         </p:nvSpPr>
         <p:spPr>
           <a:xfrm>
             <a:off x="63000" y="2976480"/>
-            <a:ext cx="9021240" cy="110160"/>
+            <a:ext cx="9020880" cy="109800"/>
           </a:xfrm>
           <a:prstGeom prst="rect">
             <a:avLst/>
@@ -3408,7 +3282,7 @@
       </p:sp>
       <p:sp>
         <p:nvSpPr>
-          <p:cNvPr id="10" name="PlaceHolder 11"/>
+          <p:cNvPr id="7" name="PlaceHolder 8"/>
           <p:cNvSpPr>
             <a:spLocks noGrp="1"/>
           </p:cNvSpPr>
@@ -3418,52 +3292,34 @@
         </p:nvSpPr>
         <p:spPr>
           <a:xfrm>
-            <a:off x="457200" y="1505880"/>
-            <a:ext cx="8229240" cy="1469520"/>
+            <a:off x="914400" y="274680"/>
+            <a:ext cx="7771680" cy="1142280"/>
           </a:xfrm>
           <a:prstGeom prst="rect">
             <a:avLst/>
           </a:prstGeom>
         </p:spPr>
         <p:txBody>
-          <a:bodyPr lIns="90000" rIns="90000" tIns="45000" bIns="91440" anchor="ctr"/>
-          <a:p>
-            <a:pPr algn="ctr">
-              <a:lnSpc>
-                <a:spcPct val="100000"/>
-              </a:lnSpc>
-            </a:pPr>
-            <a:r>
-              <a:rPr b="0" lang="en-US" sz="4000" spc="-1" strike="noStrike">
-                <a:solidFill>
-                  <a:srgbClr val="ffffff"/>
-                </a:solidFill>
-                <a:uFill>
-                  <a:solidFill>
-                    <a:srgbClr val="ffffff"/>
-                  </a:solidFill>
-                </a:uFill>
-                <a:latin typeface="Franklin Gothic Book"/>
-              </a:rPr>
-              <a:t>Click to edit Master title style</a:t>
-            </a:r>
-            <a:endParaRPr b="0" lang="en-US" sz="1800" spc="-1" strike="noStrike">
-              <a:solidFill>
-                <a:srgbClr val="000000"/>
-              </a:solidFill>
-              <a:uFill>
-                <a:solidFill>
-                  <a:srgbClr val="ffffff"/>
-                </a:solidFill>
-              </a:uFill>
-              <a:latin typeface="Perpetua"/>
+          <a:bodyPr lIns="0" rIns="0" tIns="0" bIns="0" anchor="ctr"/>
+          <a:p>
+            <a:pPr algn="ctr"/>
+            <a:endParaRPr b="0" lang="en-US" sz="4400" spc="-1" strike="noStrike">
+              <a:solidFill>
+                <a:srgbClr val="000000"/>
+              </a:solidFill>
+              <a:uFill>
+                <a:solidFill>
+                  <a:srgbClr val="ffffff"/>
+                </a:solidFill>
+              </a:uFill>
+              <a:latin typeface="Arial"/>
             </a:endParaRPr>
           </a:p>
         </p:txBody>
       </p:sp>
       <p:sp>
         <p:nvSpPr>
-          <p:cNvPr id="11" name="PlaceHolder 12"/>
+          <p:cNvPr id="8" name="PlaceHolder 9"/>
           <p:cNvSpPr>
             <a:spLocks noGrp="1"/>
           </p:cNvSpPr>
@@ -3492,7 +3348,7 @@
               <a:buChar char=""/>
             </a:pPr>
             <a:r>
-              <a:rPr b="0" lang="en-US" sz="2600" spc="-1" strike="noStrike">
+              <a:rPr b="0" lang="en-US" sz="3200" spc="-1" strike="noStrike">
                 <a:solidFill>
                   <a:srgbClr val="000000"/>
                 </a:solidFill>
@@ -3501,24 +3357,94 @@
                     <a:srgbClr val="ffffff"/>
                   </a:solidFill>
                 </a:uFill>
-                <a:latin typeface="Perpetua"/>
+                <a:latin typeface="Arial"/>
               </a:rPr>
               <a:t>Click to edit the outline text format</a:t>
             </a:r>
-            <a:endParaRPr b="0" lang="en-US" sz="2600" spc="-1" strike="noStrike">
-              <a:solidFill>
-                <a:srgbClr val="000000"/>
-              </a:solidFill>
-              <a:uFill>
-                <a:solidFill>
-                  <a:srgbClr val="ffffff"/>
-                </a:solidFill>
-              </a:uFill>
-              <a:latin typeface="Perpetua"/>
+            <a:endParaRPr b="0" lang="en-US" sz="3200" spc="-1" strike="noStrike">
+              <a:solidFill>
+                <a:srgbClr val="000000"/>
+              </a:solidFill>
+              <a:uFill>
+                <a:solidFill>
+                  <a:srgbClr val="ffffff"/>
+                </a:solidFill>
+              </a:uFill>
+              <a:latin typeface="Arial"/>
             </a:endParaRPr>
           </a:p>
           <a:p>
             <a:pPr lvl="1" marL="864000" indent="-324000">
+              <a:buClr>
+                <a:srgbClr val="000000"/>
+              </a:buClr>
+              <a:buSzPct val="75000"/>
+              <a:buFont typeface="Symbol" charset="2"/>
+              <a:buChar char=""/>
+            </a:pPr>
+            <a:r>
+              <a:rPr b="0" lang="en-US" sz="2800" spc="-1" strike="noStrike">
+                <a:solidFill>
+                  <a:srgbClr val="000000"/>
+                </a:solidFill>
+                <a:uFill>
+                  <a:solidFill>
+                    <a:srgbClr val="ffffff"/>
+                  </a:solidFill>
+                </a:uFill>
+                <a:latin typeface="Arial"/>
+              </a:rPr>
+              <a:t>Second Outline Level</a:t>
+            </a:r>
+            <a:endParaRPr b="0" lang="en-US" sz="2800" spc="-1" strike="noStrike">
+              <a:solidFill>
+                <a:srgbClr val="000000"/>
+              </a:solidFill>
+              <a:uFill>
+                <a:solidFill>
+                  <a:srgbClr val="ffffff"/>
+                </a:solidFill>
+              </a:uFill>
+              <a:latin typeface="Arial"/>
+            </a:endParaRPr>
+          </a:p>
+          <a:p>
+            <a:pPr lvl="2" marL="1296000" indent="-288000">
+              <a:buClr>
+                <a:srgbClr val="000000"/>
+              </a:buClr>
+              <a:buSzPct val="45000"/>
+              <a:buFont typeface="Wingdings" charset="2"/>
+              <a:buChar char=""/>
+            </a:pPr>
+            <a:r>
+              <a:rPr b="0" lang="en-US" sz="2400" spc="-1" strike="noStrike">
+                <a:solidFill>
+                  <a:srgbClr val="000000"/>
+                </a:solidFill>
+                <a:uFill>
+                  <a:solidFill>
+                    <a:srgbClr val="ffffff"/>
+                  </a:solidFill>
+                </a:uFill>
+                <a:latin typeface="Arial"/>
+              </a:rPr>
+              <a:t>Third Outline Level</a:t>
+            </a:r>
+            <a:endParaRPr b="0" lang="en-US" sz="2400" spc="-1" strike="noStrike">
+              <a:solidFill>
+                <a:srgbClr val="000000"/>
+              </a:solidFill>
+              <a:uFill>
+                <a:solidFill>
+                  <a:srgbClr val="ffffff"/>
+                </a:solidFill>
+              </a:uFill>
+              <a:latin typeface="Arial"/>
+            </a:endParaRPr>
+          </a:p>
+          <a:p>
+            <a:pPr lvl="3" marL="1728000" indent="-216000">
               <a:buClr>
                 <a:srgbClr val="000000"/>
               </a:buClr>
@@ -3536,9 +3462,9 @@
                     <a:srgbClr val="ffffff"/>
                   </a:solidFill>
                 </a:uFill>
-                <a:latin typeface="Perpetua"/>
+                <a:latin typeface="Arial"/>
               </a:rPr>
-              <a:t>Second Outline Level</a:t>
+              <a:t>Fourth Outline Level</a:t>
             </a:r>
             <a:endParaRPr b="0" lang="en-US" sz="2000" spc="-1" strike="noStrike">
               <a:solidFill>
@@ -3549,11 +3475,11 @@
                   <a:srgbClr val="ffffff"/>
                 </a:solidFill>
               </a:uFill>
-              <a:latin typeface="Perpetua"/>
-            </a:endParaRPr>
-          </a:p>
-          <a:p>
-            <a:pPr lvl="2" marL="1296000" indent="-288000">
+              <a:latin typeface="Arial"/>
+            </a:endParaRPr>
+          </a:p>
+          <a:p>
+            <a:pPr lvl="4" marL="2160000" indent="-216000">
               <a:buClr>
                 <a:srgbClr val="000000"/>
               </a:buClr>
@@ -3571,9 +3497,9 @@
                     <a:srgbClr val="ffffff"/>
                   </a:solidFill>
                 </a:uFill>
-                <a:latin typeface="Perpetua"/>
+                <a:latin typeface="Arial"/>
               </a:rPr>
-              <a:t>Third Outline Level</a:t>
+              <a:t>Fifth Outline Level</a:t>
             </a:r>
             <a:endParaRPr b="0" lang="en-US" sz="2000" spc="-1" strike="noStrike">
               <a:solidFill>
@@ -3584,46 +3510,11 @@
                   <a:srgbClr val="ffffff"/>
                 </a:solidFill>
               </a:uFill>
-              <a:latin typeface="Perpetua"/>
-            </a:endParaRPr>
-          </a:p>
-          <a:p>
-            <a:pPr lvl="3" marL="1728000" indent="-216000">
-              <a:buClr>
-                <a:srgbClr val="000000"/>
-              </a:buClr>
-              <a:buSzPct val="75000"/>
-              <a:buFont typeface="Symbol" charset="2"/>
-              <a:buChar char=""/>
-            </a:pPr>
-            <a:r>
-              <a:rPr b="0" lang="en-US" sz="2000" spc="-1" strike="noStrike">
-                <a:solidFill>
-                  <a:srgbClr val="000000"/>
-                </a:solidFill>
-                <a:uFill>
-                  <a:solidFill>
-                    <a:srgbClr val="ffffff"/>
-                  </a:solidFill>
-                </a:uFill>
-                <a:latin typeface="Perpetua"/>
-              </a:rPr>
-              <a:t>Fourth Outline Level</a:t>
-            </a:r>
-            <a:endParaRPr b="0" lang="en-US" sz="2000" spc="-1" strike="noStrike">
-              <a:solidFill>
-                <a:srgbClr val="000000"/>
-              </a:solidFill>
-              <a:uFill>
-                <a:solidFill>
-                  <a:srgbClr val="ffffff"/>
-                </a:solidFill>
-              </a:uFill>
-              <a:latin typeface="Perpetua"/>
-            </a:endParaRPr>
-          </a:p>
-          <a:p>
-            <a:pPr lvl="4" marL="2160000" indent="-216000">
+              <a:latin typeface="Arial"/>
+            </a:endParaRPr>
+          </a:p>
+          <a:p>
+            <a:pPr lvl="5" marL="2592000" indent="-216000">
               <a:buClr>
                 <a:srgbClr val="000000"/>
               </a:buClr>
@@ -3641,9 +3532,9 @@
                     <a:srgbClr val="ffffff"/>
                   </a:solidFill>
                 </a:uFill>
-                <a:latin typeface="Perpetua"/>
+                <a:latin typeface="Arial"/>
               </a:rPr>
-              <a:t>Fifth Outline Level</a:t>
+              <a:t>Sixth Outline Level</a:t>
             </a:r>
             <a:endParaRPr b="0" lang="en-US" sz="2000" spc="-1" strike="noStrike">
               <a:solidFill>
@@ -3654,11 +3545,11 @@
                   <a:srgbClr val="ffffff"/>
                 </a:solidFill>
               </a:uFill>
-              <a:latin typeface="Perpetua"/>
-            </a:endParaRPr>
-          </a:p>
-          <a:p>
-            <a:pPr lvl="5" marL="2592000" indent="-216000">
+              <a:latin typeface="Arial"/>
+            </a:endParaRPr>
+          </a:p>
+          <a:p>
+            <a:pPr lvl="6" marL="3024000" indent="-216000">
               <a:buClr>
                 <a:srgbClr val="000000"/>
               </a:buClr>
@@ -3676,42 +3567,7 @@
                     <a:srgbClr val="ffffff"/>
                   </a:solidFill>
                 </a:uFill>
-                <a:latin typeface="Perpetua"/>
-              </a:rPr>
-              <a:t>Sixth Outline Level</a:t>
-            </a:r>
-            <a:endParaRPr b="0" lang="en-US" sz="2000" spc="-1" strike="noStrike">
-              <a:solidFill>
-                <a:srgbClr val="000000"/>
-              </a:solidFill>
-              <a:uFill>
-                <a:solidFill>
-                  <a:srgbClr val="ffffff"/>
-                </a:solidFill>
-              </a:uFill>
-              <a:latin typeface="Perpetua"/>
-            </a:endParaRPr>
-          </a:p>
-          <a:p>
-            <a:pPr lvl="6" marL="3024000" indent="-216000">
-              <a:buClr>
-                <a:srgbClr val="000000"/>
-              </a:buClr>
-              <a:buSzPct val="45000"/>
-              <a:buFont typeface="Wingdings" charset="2"/>
-              <a:buChar char=""/>
-            </a:pPr>
-            <a:r>
-              <a:rPr b="0" lang="en-US" sz="2000" spc="-1" strike="noStrike">
-                <a:solidFill>
-                  <a:srgbClr val="000000"/>
-                </a:solidFill>
-                <a:uFill>
-                  <a:solidFill>
-                    <a:srgbClr val="ffffff"/>
-                  </a:solidFill>
-                </a:uFill>
-                <a:latin typeface="Perpetua"/>
+                <a:latin typeface="Arial"/>
               </a:rPr>
               <a:t>Seventh Outline Level</a:t>
             </a:r>
@@ -3724,7 +3580,7 @@
                   <a:srgbClr val="ffffff"/>
                 </a:solidFill>
               </a:uFill>
-              <a:latin typeface="Perpetua"/>
+              <a:latin typeface="Arial"/>
             </a:endParaRPr>
           </a:p>
         </p:txBody>
@@ -3775,14 +3631,14 @@
       </p:grpSpPr>
       <p:sp>
         <p:nvSpPr>
-          <p:cNvPr id="46" name="CustomShape 1"/>
+          <p:cNvPr id="43" name="CustomShape 1"/>
           <p:cNvSpPr/>
           <p:nvPr/>
         </p:nvSpPr>
         <p:spPr>
           <a:xfrm>
             <a:off x="0" y="0"/>
-            <a:ext cx="9143640" cy="6857640"/>
+            <a:ext cx="9143280" cy="6857280"/>
           </a:xfrm>
           <a:prstGeom prst="rect">
             <a:avLst/>
@@ -3809,14 +3665,14 @@
       </p:sp>
       <p:sp>
         <p:nvSpPr>
-          <p:cNvPr id="47" name="CustomShape 2"/>
+          <p:cNvPr id="44" name="CustomShape 2"/>
           <p:cNvSpPr/>
           <p:nvPr/>
         </p:nvSpPr>
         <p:spPr>
           <a:xfrm>
             <a:off x="64080" y="69840"/>
-            <a:ext cx="9012960" cy="6693120"/>
+            <a:ext cx="9012600" cy="6692760"/>
           </a:xfrm>
           <a:prstGeom prst="roundRect">
             <a:avLst>
@@ -3854,7 +3710,7 @@
       </p:sp>
       <p:sp>
         <p:nvSpPr>
-          <p:cNvPr id="48" name="PlaceHolder 3"/>
+          <p:cNvPr id="45" name="PlaceHolder 3"/>
           <p:cNvSpPr>
             <a:spLocks noGrp="1"/>
           </p:cNvSpPr>
@@ -3864,198 +3720,48 @@
         </p:nvSpPr>
         <p:spPr>
           <a:xfrm>
-            <a:off x="914400" y="274680"/>
-            <a:ext cx="7772040" cy="1142640"/>
+            <a:off x="457200" y="273600"/>
+            <a:ext cx="8229240" cy="1144800"/>
           </a:xfrm>
           <a:prstGeom prst="rect">
             <a:avLst/>
           </a:prstGeom>
         </p:spPr>
         <p:txBody>
-          <a:bodyPr lIns="90000" rIns="90000" tIns="45000" bIns="91440" anchor="b"/>
-          <a:p>
-            <a:pPr>
-              <a:lnSpc>
-                <a:spcPct val="100000"/>
-              </a:lnSpc>
-            </a:pPr>
+          <a:bodyPr lIns="0" rIns="0" tIns="0" bIns="0" anchor="ctr"/>
+          <a:p>
+            <a:pPr algn="ctr"/>
             <a:r>
-              <a:rPr b="0" lang="en-US" sz="4000" spc="-1" strike="noStrike">
-                <a:solidFill>
-                  <a:srgbClr val="696464"/>
+              <a:rPr b="0" lang="en-US" sz="4400" spc="-1" strike="noStrike">
+                <a:solidFill>
+                  <a:srgbClr val="000000"/>
                 </a:solidFill>
                 <a:uFill>
                   <a:solidFill>
                     <a:srgbClr val="ffffff"/>
                   </a:solidFill>
                 </a:uFill>
-                <a:latin typeface="Franklin Gothic Book"/>
+                <a:latin typeface="Arial"/>
               </a:rPr>
-              <a:t>Click to edit Master title style</a:t>
+              <a:t>Click to edit the title text format</a:t>
             </a:r>
-            <a:endParaRPr b="0" lang="en-US" sz="1800" spc="-1" strike="noStrike">
-              <a:solidFill>
-                <a:srgbClr val="000000"/>
-              </a:solidFill>
-              <a:uFill>
-                <a:solidFill>
-                  <a:srgbClr val="ffffff"/>
-                </a:solidFill>
-              </a:uFill>
-              <a:latin typeface="Perpetua"/>
+            <a:endParaRPr b="0" lang="en-US" sz="4400" spc="-1" strike="noStrike">
+              <a:solidFill>
+                <a:srgbClr val="000000"/>
+              </a:solidFill>
+              <a:uFill>
+                <a:solidFill>
+                  <a:srgbClr val="ffffff"/>
+                </a:solidFill>
+              </a:uFill>
+              <a:latin typeface="Arial"/>
             </a:endParaRPr>
           </a:p>
         </p:txBody>
       </p:sp>
       <p:sp>
         <p:nvSpPr>
-          <p:cNvPr id="49" name="PlaceHolder 4"/>
-          <p:cNvSpPr>
-            <a:spLocks noGrp="1"/>
-          </p:cNvSpPr>
-          <p:nvPr>
-            <p:ph type="dt"/>
-          </p:nvPr>
-        </p:nvSpPr>
-        <p:spPr>
-          <a:xfrm>
-            <a:off x="6172200" y="6191280"/>
-            <a:ext cx="2476080" cy="475920"/>
-          </a:xfrm>
-          <a:prstGeom prst="rect">
-            <a:avLst/>
-          </a:prstGeom>
-        </p:spPr>
-        <p:txBody>
-          <a:bodyPr lIns="90000" rIns="90000" tIns="45000" bIns="45000" anchor="ctr"/>
-          <a:p>
-            <a:pPr algn="r">
-              <a:lnSpc>
-                <a:spcPct val="100000"/>
-              </a:lnSpc>
-            </a:pPr>
-            <a:r>
-              <a:rPr b="0" lang="en-US" sz="1400" spc="-1" strike="noStrike">
-                <a:solidFill>
-                  <a:srgbClr val="696464"/>
-                </a:solidFill>
-                <a:uFill>
-                  <a:solidFill>
-                    <a:srgbClr val="ffffff"/>
-                  </a:solidFill>
-                </a:uFill>
-                <a:latin typeface="Perpetua"/>
-              </a:rPr>
-              <a:t>6/12/18</a:t>
-            </a:r>
-            <a:endParaRPr b="0" lang="en-US" sz="1400" spc="-1" strike="noStrike">
-              <a:solidFill>
-                <a:srgbClr val="000000"/>
-              </a:solidFill>
-              <a:uFill>
-                <a:solidFill>
-                  <a:srgbClr val="ffffff"/>
-                </a:solidFill>
-              </a:uFill>
-              <a:latin typeface="Times New Roman"/>
-            </a:endParaRPr>
-          </a:p>
-        </p:txBody>
-      </p:sp>
-      <p:sp>
-        <p:nvSpPr>
-          <p:cNvPr id="50" name="PlaceHolder 5"/>
-          <p:cNvSpPr>
-            <a:spLocks noGrp="1"/>
-          </p:cNvSpPr>
-          <p:nvPr>
-            <p:ph type="ftr"/>
-          </p:nvPr>
-        </p:nvSpPr>
-        <p:spPr>
-          <a:xfrm>
-            <a:off x="914400" y="6172200"/>
-            <a:ext cx="3962160" cy="456840"/>
-          </a:xfrm>
-          <a:prstGeom prst="rect">
-            <a:avLst/>
-          </a:prstGeom>
-        </p:spPr>
-        <p:txBody>
-          <a:bodyPr lIns="90000" rIns="90000" tIns="45000" bIns="45000" anchor="ctr"/>
-          <a:p>
-            <a:endParaRPr b="0" lang="en-US" sz="2400" spc="-1" strike="noStrike">
-              <a:solidFill>
-                <a:srgbClr val="000000"/>
-              </a:solidFill>
-              <a:uFill>
-                <a:solidFill>
-                  <a:srgbClr val="ffffff"/>
-                </a:solidFill>
-              </a:uFill>
-              <a:latin typeface="Times New Roman"/>
-            </a:endParaRPr>
-          </a:p>
-        </p:txBody>
-      </p:sp>
-      <p:sp>
-        <p:nvSpPr>
-          <p:cNvPr id="51" name="PlaceHolder 6"/>
-          <p:cNvSpPr>
-            <a:spLocks noGrp="1"/>
-          </p:cNvSpPr>
-          <p:nvPr>
-            <p:ph type="sldNum"/>
-          </p:nvPr>
-        </p:nvSpPr>
-        <p:spPr>
-          <a:xfrm>
-            <a:off x="146160" y="6210360"/>
-            <a:ext cx="456840" cy="456840"/>
-          </a:xfrm>
-          <a:prstGeom prst="rect">
-            <a:avLst/>
-          </a:prstGeom>
-        </p:spPr>
-        <p:txBody>
-          <a:bodyPr lIns="0" rIns="0" tIns="0" bIns="0" anchor="ctr" anchorCtr="1"/>
-          <a:p>
-            <a:pPr algn="ctr">
-              <a:lnSpc>
-                <a:spcPct val="100000"/>
-              </a:lnSpc>
-            </a:pPr>
-            <a:fld id="{99F2E5E0-8031-422A-9781-47A694334920}" type="slidenum">
-              <a:rPr b="0" lang="en-US" sz="1400" spc="-1" strike="noStrike">
-                <a:solidFill>
-                  <a:srgbClr val="ffffff"/>
-                </a:solidFill>
-                <a:uFill>
-                  <a:solidFill>
-                    <a:srgbClr val="ffffff"/>
-                  </a:solidFill>
-                </a:uFill>
-                <a:latin typeface="Franklin Gothic Book"/>
-              </a:rPr>
-              <a:t>&lt;number&gt;</a:t>
-            </a:fld>
-            <a:endParaRPr b="0" lang="en-US" sz="1400" spc="-1" strike="noStrike">
-              <a:solidFill>
-                <a:srgbClr val="000000"/>
-              </a:solidFill>
-              <a:uFill>
-                <a:solidFill>
-                  <a:srgbClr val="ffffff"/>
-                </a:solidFill>
-              </a:uFill>
-              <a:latin typeface="Times New Roman"/>
-            </a:endParaRPr>
-          </a:p>
-        </p:txBody>
-      </p:sp>
-      <p:sp>
-        <p:nvSpPr>
-          <p:cNvPr id="52" name="PlaceHolder 7"/>
+          <p:cNvPr id="46" name="PlaceHolder 4"/>
           <p:cNvSpPr>
             <a:spLocks noGrp="1"/>
           </p:cNvSpPr>
@@ -4065,15 +3771,15 @@
         </p:nvSpPr>
         <p:spPr>
           <a:xfrm>
-            <a:off x="914400" y="1447920"/>
-            <a:ext cx="7772040" cy="4571640"/>
+            <a:off x="457200" y="1604520"/>
+            <a:ext cx="8229240" cy="3977280"/>
           </a:xfrm>
           <a:prstGeom prst="rect">
             <a:avLst/>
           </a:prstGeom>
         </p:spPr>
         <p:txBody>
-          <a:bodyPr lIns="90000" rIns="90000" tIns="45000" bIns="45000"/>
+          <a:bodyPr lIns="0" rIns="0" tIns="0" bIns="0"/>
           <a:p>
             <a:pPr marL="432000" indent="-324000">
               <a:buClr>
@@ -4084,7 +3790,7 @@
               <a:buChar char=""/>
             </a:pPr>
             <a:r>
-              <a:rPr b="0" lang="en-US" sz="2600" spc="-1" strike="noStrike">
+              <a:rPr b="0" lang="en-US" sz="3200" spc="-1" strike="noStrike">
                 <a:solidFill>
                   <a:srgbClr val="000000"/>
                 </a:solidFill>
@@ -4093,20 +3799,20 @@
                     <a:srgbClr val="ffffff"/>
                   </a:solidFill>
                 </a:uFill>
-                <a:latin typeface="Perpetua"/>
+                <a:latin typeface="Arial"/>
               </a:rPr>
               <a:t>Click to edit the outline text format</a:t>
             </a:r>
-            <a:endParaRPr b="0" lang="en-US" sz="2600" spc="-1" strike="noStrike">
-              <a:solidFill>
-                <a:srgbClr val="000000"/>
-              </a:solidFill>
-              <a:uFill>
-                <a:solidFill>
-                  <a:srgbClr val="ffffff"/>
-                </a:solidFill>
-              </a:uFill>
-              <a:latin typeface="Perpetua"/>
+            <a:endParaRPr b="0" lang="en-US" sz="3200" spc="-1" strike="noStrike">
+              <a:solidFill>
+                <a:srgbClr val="000000"/>
+              </a:solidFill>
+              <a:uFill>
+                <a:solidFill>
+                  <a:srgbClr val="ffffff"/>
+                </a:solidFill>
+              </a:uFill>
+              <a:latin typeface="Arial"/>
             </a:endParaRPr>
           </a:p>
           <a:p>
@@ -4119,7 +3825,7 @@
               <a:buChar char=""/>
             </a:pPr>
             <a:r>
-              <a:rPr b="0" lang="en-US" sz="2600" spc="-1" strike="noStrike">
+              <a:rPr b="0" lang="en-US" sz="2800" spc="-1" strike="noStrike">
                 <a:solidFill>
                   <a:srgbClr val="000000"/>
                 </a:solidFill>
@@ -4128,20 +3834,20 @@
                     <a:srgbClr val="ffffff"/>
                   </a:solidFill>
                 </a:uFill>
-                <a:latin typeface="Perpetua"/>
+                <a:latin typeface="Arial"/>
               </a:rPr>
               <a:t>Second Outline Level</a:t>
             </a:r>
-            <a:endParaRPr b="0" lang="en-US" sz="2600" spc="-1" strike="noStrike">
-              <a:solidFill>
-                <a:srgbClr val="000000"/>
-              </a:solidFill>
-              <a:uFill>
-                <a:solidFill>
-                  <a:srgbClr val="ffffff"/>
-                </a:solidFill>
-              </a:uFill>
-              <a:latin typeface="Perpetua"/>
+            <a:endParaRPr b="0" lang="en-US" sz="2800" spc="-1" strike="noStrike">
+              <a:solidFill>
+                <a:srgbClr val="000000"/>
+              </a:solidFill>
+              <a:uFill>
+                <a:solidFill>
+                  <a:srgbClr val="ffffff"/>
+                </a:solidFill>
+              </a:uFill>
+              <a:latin typeface="Arial"/>
             </a:endParaRPr>
           </a:p>
           <a:p>
@@ -4154,7 +3860,7 @@
               <a:buChar char=""/>
             </a:pPr>
             <a:r>
-              <a:rPr b="0" lang="en-US" sz="2600" spc="-1" strike="noStrike">
+              <a:rPr b="0" lang="en-US" sz="2400" spc="-1" strike="noStrike">
                 <a:solidFill>
                   <a:srgbClr val="000000"/>
                 </a:solidFill>
@@ -4163,20 +3869,20 @@
                     <a:srgbClr val="ffffff"/>
                   </a:solidFill>
                 </a:uFill>
-                <a:latin typeface="Perpetua"/>
+                <a:latin typeface="Arial"/>
               </a:rPr>
               <a:t>Third Outline Level</a:t>
             </a:r>
-            <a:endParaRPr b="0" lang="en-US" sz="2600" spc="-1" strike="noStrike">
-              <a:solidFill>
-                <a:srgbClr val="000000"/>
-              </a:solidFill>
-              <a:uFill>
-                <a:solidFill>
-                  <a:srgbClr val="ffffff"/>
-                </a:solidFill>
-              </a:uFill>
-              <a:latin typeface="Perpetua"/>
+            <a:endParaRPr b="0" lang="en-US" sz="2400" spc="-1" strike="noStrike">
+              <a:solidFill>
+                <a:srgbClr val="000000"/>
+              </a:solidFill>
+              <a:uFill>
+                <a:solidFill>
+                  <a:srgbClr val="ffffff"/>
+                </a:solidFill>
+              </a:uFill>
+              <a:latin typeface="Arial"/>
             </a:endParaRPr>
           </a:p>
           <a:p>
@@ -4189,7 +3895,7 @@
               <a:buChar char=""/>
             </a:pPr>
             <a:r>
-              <a:rPr b="0" lang="en-US" sz="2600" spc="-1" strike="noStrike">
+              <a:rPr b="0" lang="en-US" sz="2000" spc="-1" strike="noStrike">
                 <a:solidFill>
                   <a:srgbClr val="000000"/>
                 </a:solidFill>
@@ -4198,20 +3904,20 @@
                     <a:srgbClr val="ffffff"/>
                   </a:solidFill>
                 </a:uFill>
-                <a:latin typeface="Perpetua"/>
+                <a:latin typeface="Arial"/>
               </a:rPr>
               <a:t>Fourth Outline Level</a:t>
             </a:r>
-            <a:endParaRPr b="0" lang="en-US" sz="2600" spc="-1" strike="noStrike">
-              <a:solidFill>
-                <a:srgbClr val="000000"/>
-              </a:solidFill>
-              <a:uFill>
-                <a:solidFill>
-                  <a:srgbClr val="ffffff"/>
-                </a:solidFill>
-              </a:uFill>
-              <a:latin typeface="Perpetua"/>
+            <a:endParaRPr b="0" lang="en-US" sz="2000" spc="-1" strike="noStrike">
+              <a:solidFill>
+                <a:srgbClr val="000000"/>
+              </a:solidFill>
+              <a:uFill>
+                <a:solidFill>
+                  <a:srgbClr val="ffffff"/>
+                </a:solidFill>
+              </a:uFill>
+              <a:latin typeface="Arial"/>
             </a:endParaRPr>
           </a:p>
           <a:p>
@@ -4224,7 +3930,7 @@
               <a:buChar char=""/>
             </a:pPr>
             <a:r>
-              <a:rPr b="0" lang="en-US" sz="2600" spc="-1" strike="noStrike">
+              <a:rPr b="0" lang="en-US" sz="2000" spc="-1" strike="noStrike">
                 <a:solidFill>
                   <a:srgbClr val="000000"/>
                 </a:solidFill>
@@ -4233,20 +3939,20 @@
                     <a:srgbClr val="ffffff"/>
                   </a:solidFill>
                 </a:uFill>
-                <a:latin typeface="Perpetua"/>
+                <a:latin typeface="Arial"/>
               </a:rPr>
               <a:t>Fifth Outline Level</a:t>
             </a:r>
-            <a:endParaRPr b="0" lang="en-US" sz="2600" spc="-1" strike="noStrike">
-              <a:solidFill>
-                <a:srgbClr val="000000"/>
-              </a:solidFill>
-              <a:uFill>
-                <a:solidFill>
-                  <a:srgbClr val="ffffff"/>
-                </a:solidFill>
-              </a:uFill>
-              <a:latin typeface="Perpetua"/>
+            <a:endParaRPr b="0" lang="en-US" sz="2000" spc="-1" strike="noStrike">
+              <a:solidFill>
+                <a:srgbClr val="000000"/>
+              </a:solidFill>
+              <a:uFill>
+                <a:solidFill>
+                  <a:srgbClr val="ffffff"/>
+                </a:solidFill>
+              </a:uFill>
+              <a:latin typeface="Arial"/>
             </a:endParaRPr>
           </a:p>
           <a:p>
@@ -4259,7 +3965,7 @@
               <a:buChar char=""/>
             </a:pPr>
             <a:r>
-              <a:rPr b="0" lang="en-US" sz="2600" spc="-1" strike="noStrike">
+              <a:rPr b="0" lang="en-US" sz="2000" spc="-1" strike="noStrike">
                 <a:solidFill>
                   <a:srgbClr val="000000"/>
                 </a:solidFill>
@@ -4268,36 +3974,33 @@
                     <a:srgbClr val="ffffff"/>
                   </a:solidFill>
                 </a:uFill>
-                <a:latin typeface="Perpetua"/>
+                <a:latin typeface="Arial"/>
               </a:rPr>
               <a:t>Sixth Outline Level</a:t>
             </a:r>
-            <a:endParaRPr b="0" lang="en-US" sz="2600" spc="-1" strike="noStrike">
-              <a:solidFill>
-                <a:srgbClr val="000000"/>
-              </a:solidFill>
-              <a:uFill>
-                <a:solidFill>
-                  <a:srgbClr val="ffffff"/>
-                </a:solidFill>
-              </a:uFill>
-              <a:latin typeface="Perpetua"/>
-            </a:endParaRPr>
-          </a:p>
-          <a:p>
-            <a:pPr marL="274320" indent="-273960">
-              <a:lnSpc>
-                <a:spcPct val="100000"/>
-              </a:lnSpc>
+            <a:endParaRPr b="0" lang="en-US" sz="2000" spc="-1" strike="noStrike">
+              <a:solidFill>
+                <a:srgbClr val="000000"/>
+              </a:solidFill>
+              <a:uFill>
+                <a:solidFill>
+                  <a:srgbClr val="ffffff"/>
+                </a:solidFill>
+              </a:uFill>
+              <a:latin typeface="Arial"/>
+            </a:endParaRPr>
+          </a:p>
+          <a:p>
+            <a:pPr lvl="6" marL="3024000" indent="-216000">
               <a:buClr>
-                <a:srgbClr val="d34817"/>
+                <a:srgbClr val="000000"/>
               </a:buClr>
-              <a:buSzPct val="85000"/>
-              <a:buFont typeface="Wingdings 2" charset="2"/>
-              <a:buChar char=""/>
+              <a:buSzPct val="45000"/>
+              <a:buFont typeface="Wingdings" charset="2"/>
+              <a:buChar char=""/>
             </a:pPr>
             <a:r>
-              <a:rPr b="0" lang="en-US" sz="2600" spc="-1" strike="noStrike">
+              <a:rPr b="0" lang="en-US" sz="2000" spc="-1" strike="noStrike">
                 <a:solidFill>
                   <a:srgbClr val="000000"/>
                 </a:solidFill>
@@ -4306,171 +4009,20 @@
                     <a:srgbClr val="ffffff"/>
                   </a:solidFill>
                 </a:uFill>
-                <a:latin typeface="Perpetua"/>
+                <a:latin typeface="Arial"/>
               </a:rPr>
-              <a:t>Seventh Outline LevelClick to edit Master text styles</a:t>
+              <a:t>Seventh Outline Level</a:t>
             </a:r>
-            <a:endParaRPr b="0" lang="en-US" sz="2600" spc="-1" strike="noStrike">
-              <a:solidFill>
-                <a:srgbClr val="000000"/>
-              </a:solidFill>
-              <a:uFill>
-                <a:solidFill>
-                  <a:srgbClr val="ffffff"/>
-                </a:solidFill>
-              </a:uFill>
-              <a:latin typeface="Perpetua"/>
-            </a:endParaRPr>
-          </a:p>
-          <a:p>
-            <a:pPr lvl="1" marL="548640" indent="-228240">
-              <a:lnSpc>
-                <a:spcPct val="100000"/>
-              </a:lnSpc>
-              <a:buClr>
-                <a:srgbClr val="9b2d1f"/>
-              </a:buClr>
-              <a:buSzPct val="85000"/>
-              <a:buFont typeface="Wingdings 2" charset="2"/>
-              <a:buChar char=""/>
-            </a:pPr>
-            <a:r>
-              <a:rPr b="0" lang="en-US" sz="2400" spc="-1" strike="noStrike">
-                <a:solidFill>
-                  <a:srgbClr val="000000"/>
-                </a:solidFill>
-                <a:uFill>
-                  <a:solidFill>
-                    <a:srgbClr val="ffffff"/>
-                  </a:solidFill>
-                </a:uFill>
-                <a:latin typeface="Perpetua"/>
-              </a:rPr>
-              <a:t>Second level</a:t>
-            </a:r>
-            <a:endParaRPr b="0" lang="en-US" sz="2600" spc="-1" strike="noStrike">
-              <a:solidFill>
-                <a:srgbClr val="000000"/>
-              </a:solidFill>
-              <a:uFill>
-                <a:solidFill>
-                  <a:srgbClr val="ffffff"/>
-                </a:solidFill>
-              </a:uFill>
-              <a:latin typeface="Perpetua"/>
-            </a:endParaRPr>
-          </a:p>
-          <a:p>
-            <a:pPr lvl="2" marL="822960" indent="-228240">
-              <a:lnSpc>
-                <a:spcPct val="100000"/>
-              </a:lnSpc>
-              <a:buClr>
-                <a:srgbClr val="e5b1ab"/>
-              </a:buClr>
-              <a:buSzPct val="85000"/>
-              <a:buFont typeface="Wingdings 2" charset="2"/>
-              <a:buChar char=""/>
-            </a:pPr>
-            <a:r>
-              <a:rPr b="0" lang="en-US" sz="2000" spc="-1" strike="noStrike">
-                <a:solidFill>
-                  <a:srgbClr val="000000"/>
-                </a:solidFill>
-                <a:uFill>
-                  <a:solidFill>
-                    <a:srgbClr val="ffffff"/>
-                  </a:solidFill>
-                </a:uFill>
-                <a:latin typeface="Perpetua"/>
-              </a:rPr>
-              <a:t>Third level</a:t>
-            </a:r>
-            <a:endParaRPr b="0" lang="en-US" sz="2600" spc="-1" strike="noStrike">
-              <a:solidFill>
-                <a:srgbClr val="000000"/>
-              </a:solidFill>
-              <a:uFill>
-                <a:solidFill>
-                  <a:srgbClr val="ffffff"/>
-                </a:solidFill>
-              </a:uFill>
-              <a:latin typeface="Perpetua"/>
-            </a:endParaRPr>
-          </a:p>
-          <a:p>
-            <a:pPr lvl="3" marL="1097280" indent="-228240">
-              <a:lnSpc>
-                <a:spcPct val="100000"/>
-              </a:lnSpc>
-              <a:buClr>
-                <a:srgbClr val="a28e6a"/>
-              </a:buClr>
-              <a:buSzPct val="80000"/>
-              <a:buFont typeface="Wingdings 2" charset="2"/>
-              <a:buChar char=""/>
-            </a:pPr>
-            <a:r>
-              <a:rPr b="0" lang="en-US" sz="2000" spc="-1" strike="noStrike">
-                <a:solidFill>
-                  <a:srgbClr val="000000"/>
-                </a:solidFill>
-                <a:uFill>
-                  <a:solidFill>
-                    <a:srgbClr val="ffffff"/>
-                  </a:solidFill>
-                </a:uFill>
-                <a:latin typeface="Perpetua"/>
-              </a:rPr>
-              <a:t>Fourth level</a:t>
-            </a:r>
-            <a:endParaRPr b="0" lang="en-US" sz="2600" spc="-1" strike="noStrike">
-              <a:solidFill>
-                <a:srgbClr val="000000"/>
-              </a:solidFill>
-              <a:uFill>
-                <a:solidFill>
-                  <a:srgbClr val="ffffff"/>
-                </a:solidFill>
-              </a:uFill>
-              <a:latin typeface="Perpetua"/>
-            </a:endParaRPr>
-          </a:p>
-          <a:p>
-            <a:pPr lvl="4" marL="1371600" indent="-228240">
-              <a:lnSpc>
-                <a:spcPct val="100000"/>
-              </a:lnSpc>
-              <a:buClr>
-                <a:srgbClr val="a28e6a"/>
-              </a:buClr>
-              <a:buFont typeface="StarSymbol"/>
-              <a:buChar char="o"/>
-            </a:pPr>
-            <a:r>
-              <a:rPr b="0" lang="en-US" sz="2000" spc="-1" strike="noStrike">
-                <a:solidFill>
-                  <a:srgbClr val="000000"/>
-                </a:solidFill>
-                <a:uFill>
-                  <a:solidFill>
-                    <a:srgbClr val="ffffff"/>
-                  </a:solidFill>
-                </a:uFill>
-                <a:latin typeface="Perpetua"/>
-              </a:rPr>
-              <a:t>Fifth level</a:t>
-            </a:r>
-            <a:endParaRPr b="0" lang="en-US" sz="2600" spc="-1" strike="noStrike">
-              <a:solidFill>
-                <a:srgbClr val="000000"/>
-              </a:solidFill>
-              <a:uFill>
-                <a:solidFill>
-                  <a:srgbClr val="ffffff"/>
-                </a:solidFill>
-              </a:uFill>
-              <a:latin typeface="Perpetua"/>
+            <a:endParaRPr b="0" lang="en-US" sz="2000" spc="-1" strike="noStrike">
+              <a:solidFill>
+                <a:srgbClr val="000000"/>
+              </a:solidFill>
+              <a:uFill>
+                <a:solidFill>
+                  <a:srgbClr val="ffffff"/>
+                </a:solidFill>
+              </a:uFill>
+              <a:latin typeface="Arial"/>
             </a:endParaRPr>
           </a:p>
         </p:txBody>
@@ -4514,14 +4066,14 @@
       </p:grpSpPr>
       <p:sp>
         <p:nvSpPr>
-          <p:cNvPr id="87" name="TextShape 1"/>
-          <p:cNvSpPr txBox="1"/>
+          <p:cNvPr id="81" name="CustomShape 1"/>
+          <p:cNvSpPr/>
           <p:nvPr/>
         </p:nvSpPr>
         <p:spPr>
           <a:xfrm>
             <a:off x="1371600" y="3886200"/>
-            <a:ext cx="6400440" cy="2361960"/>
+            <a:ext cx="6400080" cy="2361600"/>
           </a:xfrm>
           <a:prstGeom prst="rect">
             <a:avLst/>
@@ -4531,6 +4083,12 @@
             <a:noFill/>
           </a:ln>
         </p:spPr>
+        <p:style>
+          <a:lnRef idx="0"/>
+          <a:fillRef idx="0"/>
+          <a:effectRef idx="0"/>
+          <a:fontRef idx="minor"/>
+        </p:style>
         <p:txBody>
           <a:bodyPr lIns="90000" rIns="90000" tIns="45000" bIns="45000"/>
           <a:p>
@@ -4539,7 +4097,7 @@
                 <a:spcPct val="100000"/>
               </a:lnSpc>
             </a:pPr>
-            <a:endParaRPr b="0" lang="en-US" sz="3200" spc="-1" strike="noStrike">
+            <a:endParaRPr b="0" lang="en-US" sz="1800" spc="-1" strike="noStrike">
               <a:solidFill>
                 <a:srgbClr val="000000"/>
               </a:solidFill>
@@ -4641,7 +4199,7 @@
               </a:rPr>
               <a:t>BY,</a:t>
             </a:r>
-            <a:endParaRPr b="0" lang="en-US" sz="3200" spc="-1" strike="noStrike">
+            <a:endParaRPr b="0" lang="en-US" sz="1800" spc="-1" strike="noStrike">
               <a:solidFill>
                 <a:srgbClr val="000000"/>
               </a:solidFill>
@@ -4743,7 +4301,7 @@
               </a:rPr>
               <a:t>Shweta Herlekar</a:t>
             </a:r>
-            <a:endParaRPr b="0" lang="en-US" sz="3200" spc="-1" strike="noStrike">
+            <a:endParaRPr b="0" lang="en-US" sz="1800" spc="-1" strike="noStrike">
               <a:solidFill>
                 <a:srgbClr val="000000"/>
               </a:solidFill>
@@ -4873,7 +4431,7 @@
               </a:rPr>
               <a:t> June, 2018 </a:t>
             </a:r>
-            <a:endParaRPr b="0" lang="en-US" sz="3200" spc="-1" strike="noStrike">
+            <a:endParaRPr b="0" lang="en-US" sz="1800" spc="-1" strike="noStrike">
               <a:solidFill>
                 <a:srgbClr val="000000"/>
               </a:solidFill>
@@ -4889,14 +4447,14 @@
       </p:sp>
       <p:sp>
         <p:nvSpPr>
-          <p:cNvPr id="88" name="TextShape 2"/>
-          <p:cNvSpPr txBox="1"/>
+          <p:cNvPr id="82" name="CustomShape 2"/>
+          <p:cNvSpPr/>
           <p:nvPr/>
         </p:nvSpPr>
         <p:spPr>
           <a:xfrm>
-            <a:off x="457200" y="1505880"/>
-            <a:ext cx="8229240" cy="1469520"/>
+            <a:off x="182880" y="1505880"/>
+            <a:ext cx="8503200" cy="1469160"/>
           </a:xfrm>
           <a:prstGeom prst="rect">
             <a:avLst/>
@@ -4906,6 +4464,12 @@
             <a:noFill/>
           </a:ln>
         </p:spPr>
+        <p:style>
+          <a:lnRef idx="0"/>
+          <a:fillRef idx="0"/>
+          <a:effectRef idx="0"/>
+          <a:fontRef idx="minor"/>
+        </p:style>
         <p:txBody>
           <a:bodyPr lIns="90000" rIns="90000" tIns="45000" bIns="91440" anchor="ctr"/>
           <a:p>
@@ -4937,7 +4501,7 @@
                   <a:srgbClr val="ffffff"/>
                 </a:solidFill>
               </a:uFill>
-              <a:latin typeface="Perpetua"/>
+              <a:latin typeface="Arial"/>
             </a:endParaRPr>
           </a:p>
         </p:txBody>
@@ -4993,14 +4557,14 @@
       </p:grpSpPr>
       <p:sp>
         <p:nvSpPr>
-          <p:cNvPr id="104" name="TextShape 1"/>
-          <p:cNvSpPr txBox="1"/>
+          <p:cNvPr id="98" name="CustomShape 1"/>
+          <p:cNvSpPr/>
           <p:nvPr/>
         </p:nvSpPr>
         <p:spPr>
           <a:xfrm>
             <a:off x="457200" y="533520"/>
-            <a:ext cx="8229240" cy="5592240"/>
+            <a:ext cx="8228880" cy="5591880"/>
           </a:xfrm>
           <a:prstGeom prst="rect">
             <a:avLst/>
@@ -5010,6 +4574,12 @@
             <a:noFill/>
           </a:ln>
         </p:spPr>
+        <p:style>
+          <a:lnRef idx="0"/>
+          <a:fillRef idx="0"/>
+          <a:effectRef idx="0"/>
+          <a:fontRef idx="minor"/>
+        </p:style>
         <p:txBody>
           <a:bodyPr lIns="90000" rIns="90000" tIns="45000" bIns="45000"/>
           <a:p>
@@ -5018,16 +4588,16 @@
                 <a:spcPct val="100000"/>
               </a:lnSpc>
             </a:pPr>
-            <a:endParaRPr b="0" lang="en-US" sz="2600" spc="-1" strike="noStrike">
-              <a:solidFill>
-                <a:srgbClr val="000000"/>
-              </a:solidFill>
-              <a:uFill>
-                <a:solidFill>
-                  <a:srgbClr val="ffffff"/>
-                </a:solidFill>
-              </a:uFill>
-              <a:latin typeface="Perpetua"/>
+            <a:endParaRPr b="0" lang="en-US" sz="1800" spc="-1" strike="noStrike">
+              <a:solidFill>
+                <a:srgbClr val="000000"/>
+              </a:solidFill>
+              <a:uFill>
+                <a:solidFill>
+                  <a:srgbClr val="ffffff"/>
+                </a:solidFill>
+              </a:uFill>
+              <a:latin typeface="Arial"/>
             </a:endParaRPr>
           </a:p>
           <a:p>
@@ -5036,16 +4606,16 @@
                 <a:spcPct val="100000"/>
               </a:lnSpc>
             </a:pPr>
-            <a:endParaRPr b="0" lang="en-US" sz="2600" spc="-1" strike="noStrike">
-              <a:solidFill>
-                <a:srgbClr val="000000"/>
-              </a:solidFill>
-              <a:uFill>
-                <a:solidFill>
-                  <a:srgbClr val="ffffff"/>
-                </a:solidFill>
-              </a:uFill>
-              <a:latin typeface="Perpetua"/>
+            <a:endParaRPr b="0" lang="en-US" sz="1800" spc="-1" strike="noStrike">
+              <a:solidFill>
+                <a:srgbClr val="000000"/>
+              </a:solidFill>
+              <a:uFill>
+                <a:solidFill>
+                  <a:srgbClr val="ffffff"/>
+                </a:solidFill>
+              </a:uFill>
+              <a:latin typeface="Arial"/>
             </a:endParaRPr>
           </a:p>
           <a:p>
@@ -5068,16 +4638,16 @@
               </a:rPr>
               <a:t>Thank You!!</a:t>
             </a:r>
-            <a:endParaRPr b="0" lang="en-US" sz="2600" spc="-1" strike="noStrike">
-              <a:solidFill>
-                <a:srgbClr val="000000"/>
-              </a:solidFill>
-              <a:uFill>
-                <a:solidFill>
-                  <a:srgbClr val="ffffff"/>
-                </a:solidFill>
-              </a:uFill>
-              <a:latin typeface="Perpetua"/>
+            <a:endParaRPr b="0" lang="en-US" sz="1800" spc="-1" strike="noStrike">
+              <a:solidFill>
+                <a:srgbClr val="000000"/>
+              </a:solidFill>
+              <a:uFill>
+                <a:solidFill>
+                  <a:srgbClr val="ffffff"/>
+                </a:solidFill>
+              </a:uFill>
+              <a:latin typeface="Arial"/>
             </a:endParaRPr>
           </a:p>
         </p:txBody>
@@ -5133,14 +4703,14 @@
       </p:grpSpPr>
       <p:sp>
         <p:nvSpPr>
-          <p:cNvPr id="89" name="TextShape 1"/>
-          <p:cNvSpPr txBox="1"/>
+          <p:cNvPr id="83" name="CustomShape 1"/>
+          <p:cNvSpPr/>
           <p:nvPr/>
         </p:nvSpPr>
         <p:spPr>
           <a:xfrm>
             <a:off x="914400" y="274680"/>
-            <a:ext cx="7772040" cy="1142640"/>
+            <a:ext cx="7771680" cy="1142280"/>
           </a:xfrm>
           <a:prstGeom prst="rect">
             <a:avLst/>
@@ -5150,6 +4720,12 @@
             <a:noFill/>
           </a:ln>
         </p:spPr>
+        <p:style>
+          <a:lnRef idx="0"/>
+          <a:fillRef idx="0"/>
+          <a:effectRef idx="0"/>
+          <a:fontRef idx="minor"/>
+        </p:style>
         <p:txBody>
           <a:bodyPr lIns="90000" rIns="90000" tIns="45000" bIns="91440" anchor="b"/>
           <a:p>
@@ -5181,21 +4757,21 @@
                   <a:srgbClr val="ffffff"/>
                 </a:solidFill>
               </a:uFill>
-              <a:latin typeface="Perpetua"/>
+              <a:latin typeface="Arial"/>
             </a:endParaRPr>
           </a:p>
         </p:txBody>
       </p:sp>
       <p:sp>
         <p:nvSpPr>
-          <p:cNvPr id="90" name="TextShape 2"/>
-          <p:cNvSpPr txBox="1"/>
+          <p:cNvPr id="84" name="CustomShape 2"/>
+          <p:cNvSpPr/>
           <p:nvPr/>
         </p:nvSpPr>
         <p:spPr>
           <a:xfrm>
             <a:off x="914400" y="1447920"/>
-            <a:ext cx="7772040" cy="4571640"/>
+            <a:ext cx="7771680" cy="4571280"/>
           </a:xfrm>
           <a:prstGeom prst="rect">
             <a:avLst/>
@@ -5205,10 +4781,16 @@
             <a:noFill/>
           </a:ln>
         </p:spPr>
+        <p:style>
+          <a:lnRef idx="0"/>
+          <a:fillRef idx="0"/>
+          <a:effectRef idx="0"/>
+          <a:fontRef idx="minor"/>
+        </p:style>
         <p:txBody>
           <a:bodyPr lIns="90000" rIns="90000" tIns="45000" bIns="45000"/>
           <a:p>
-            <a:pPr marL="274320" indent="-273960">
+            <a:pPr marL="274320" indent="-273600">
               <a:lnSpc>
                 <a:spcPct val="100000"/>
               </a:lnSpc>
@@ -5233,20 +4815,20 @@
               </a:rPr>
               <a:t>Requirements</a:t>
             </a:r>
-            <a:endParaRPr b="0" lang="en-US" sz="2600" spc="-1" strike="noStrike">
-              <a:solidFill>
-                <a:srgbClr val="000000"/>
-              </a:solidFill>
-              <a:uFill>
-                <a:solidFill>
-                  <a:srgbClr val="ffffff"/>
-                </a:solidFill>
-              </a:uFill>
-              <a:latin typeface="Perpetua"/>
-            </a:endParaRPr>
-          </a:p>
-          <a:p>
-            <a:pPr marL="274320" indent="-273960">
+            <a:endParaRPr b="0" lang="en-US" sz="1800" spc="-1" strike="noStrike">
+              <a:solidFill>
+                <a:srgbClr val="000000"/>
+              </a:solidFill>
+              <a:uFill>
+                <a:solidFill>
+                  <a:srgbClr val="ffffff"/>
+                </a:solidFill>
+              </a:uFill>
+              <a:latin typeface="Arial"/>
+            </a:endParaRPr>
+          </a:p>
+          <a:p>
+            <a:pPr marL="274320" indent="-273600">
               <a:lnSpc>
                 <a:spcPct val="100000"/>
               </a:lnSpc>
@@ -5271,20 +4853,20 @@
               </a:rPr>
               <a:t>Proposed Technical Solutions</a:t>
             </a:r>
-            <a:endParaRPr b="0" lang="en-US" sz="2600" spc="-1" strike="noStrike">
-              <a:solidFill>
-                <a:srgbClr val="000000"/>
-              </a:solidFill>
-              <a:uFill>
-                <a:solidFill>
-                  <a:srgbClr val="ffffff"/>
-                </a:solidFill>
-              </a:uFill>
-              <a:latin typeface="Perpetua"/>
-            </a:endParaRPr>
-          </a:p>
-          <a:p>
-            <a:pPr marL="274320" indent="-273960">
+            <a:endParaRPr b="0" lang="en-US" sz="1800" spc="-1" strike="noStrike">
+              <a:solidFill>
+                <a:srgbClr val="000000"/>
+              </a:solidFill>
+              <a:uFill>
+                <a:solidFill>
+                  <a:srgbClr val="ffffff"/>
+                </a:solidFill>
+              </a:uFill>
+              <a:latin typeface="Arial"/>
+            </a:endParaRPr>
+          </a:p>
+          <a:p>
+            <a:pPr marL="274320" indent="-273600">
               <a:lnSpc>
                 <a:spcPct val="100000"/>
               </a:lnSpc>
@@ -5309,20 +4891,20 @@
               </a:rPr>
               <a:t>Comparison</a:t>
             </a:r>
-            <a:endParaRPr b="0" lang="en-US" sz="2600" spc="-1" strike="noStrike">
-              <a:solidFill>
-                <a:srgbClr val="000000"/>
-              </a:solidFill>
-              <a:uFill>
-                <a:solidFill>
-                  <a:srgbClr val="ffffff"/>
-                </a:solidFill>
-              </a:uFill>
-              <a:latin typeface="Perpetua"/>
-            </a:endParaRPr>
-          </a:p>
-          <a:p>
-            <a:pPr marL="274320" indent="-273960">
+            <a:endParaRPr b="0" lang="en-US" sz="1800" spc="-1" strike="noStrike">
+              <a:solidFill>
+                <a:srgbClr val="000000"/>
+              </a:solidFill>
+              <a:uFill>
+                <a:solidFill>
+                  <a:srgbClr val="ffffff"/>
+                </a:solidFill>
+              </a:uFill>
+              <a:latin typeface="Arial"/>
+            </a:endParaRPr>
+          </a:p>
+          <a:p>
+            <a:pPr marL="274320" indent="-273600">
               <a:lnSpc>
                 <a:spcPct val="100000"/>
               </a:lnSpc>
@@ -5347,16 +4929,16 @@
               </a:rPr>
               <a:t>Q &amp; A</a:t>
             </a:r>
-            <a:endParaRPr b="0" lang="en-US" sz="2600" spc="-1" strike="noStrike">
-              <a:solidFill>
-                <a:srgbClr val="000000"/>
-              </a:solidFill>
-              <a:uFill>
-                <a:solidFill>
-                  <a:srgbClr val="ffffff"/>
-                </a:solidFill>
-              </a:uFill>
-              <a:latin typeface="Perpetua"/>
+            <a:endParaRPr b="0" lang="en-US" sz="1800" spc="-1" strike="noStrike">
+              <a:solidFill>
+                <a:srgbClr val="000000"/>
+              </a:solidFill>
+              <a:uFill>
+                <a:solidFill>
+                  <a:srgbClr val="ffffff"/>
+                </a:solidFill>
+              </a:uFill>
+              <a:latin typeface="Arial"/>
             </a:endParaRPr>
           </a:p>
         </p:txBody>
@@ -5412,14 +4994,14 @@
       </p:grpSpPr>
       <p:sp>
         <p:nvSpPr>
-          <p:cNvPr id="91" name="TextShape 1"/>
-          <p:cNvSpPr txBox="1"/>
+          <p:cNvPr id="85" name="CustomShape 1"/>
+          <p:cNvSpPr/>
           <p:nvPr/>
         </p:nvSpPr>
         <p:spPr>
           <a:xfrm>
             <a:off x="914400" y="274680"/>
-            <a:ext cx="7772040" cy="1142640"/>
+            <a:ext cx="7771680" cy="1142280"/>
           </a:xfrm>
           <a:prstGeom prst="rect">
             <a:avLst/>
@@ -5429,6 +5011,12 @@
             <a:noFill/>
           </a:ln>
         </p:spPr>
+        <p:style>
+          <a:lnRef idx="0"/>
+          <a:fillRef idx="0"/>
+          <a:effectRef idx="0"/>
+          <a:fontRef idx="minor"/>
+        </p:style>
         <p:txBody>
           <a:bodyPr lIns="90000" rIns="90000" tIns="45000" bIns="91440" anchor="b"/>
           <a:p>
@@ -5460,21 +5048,21 @@
                   <a:srgbClr val="ffffff"/>
                 </a:solidFill>
               </a:uFill>
-              <a:latin typeface="Perpetua"/>
+              <a:latin typeface="Arial"/>
             </a:endParaRPr>
           </a:p>
         </p:txBody>
       </p:sp>
       <p:sp>
         <p:nvSpPr>
-          <p:cNvPr id="92" name="TextShape 2"/>
-          <p:cNvSpPr txBox="1"/>
+          <p:cNvPr id="86" name="CustomShape 2"/>
+          <p:cNvSpPr/>
           <p:nvPr/>
         </p:nvSpPr>
         <p:spPr>
           <a:xfrm>
             <a:off x="914400" y="1447920"/>
-            <a:ext cx="7772040" cy="4571640"/>
+            <a:ext cx="7771680" cy="4571280"/>
           </a:xfrm>
           <a:prstGeom prst="rect">
             <a:avLst/>
@@ -5484,10 +5072,16 @@
             <a:noFill/>
           </a:ln>
         </p:spPr>
+        <p:style>
+          <a:lnRef idx="0"/>
+          <a:fillRef idx="0"/>
+          <a:effectRef idx="0"/>
+          <a:fontRef idx="minor"/>
+        </p:style>
         <p:txBody>
           <a:bodyPr lIns="90000" rIns="90000" tIns="45000" bIns="45000"/>
           <a:p>
-            <a:pPr marL="274320" indent="-273960">
+            <a:pPr marL="274320" indent="-273600">
               <a:lnSpc>
                 <a:spcPct val="100000"/>
               </a:lnSpc>
@@ -5512,16 +5106,16 @@
               </a:rPr>
               <a:t>App should allow user to login with Google credentials</a:t>
             </a:r>
-            <a:endParaRPr b="0" lang="en-US" sz="2600" spc="-1" strike="noStrike">
-              <a:solidFill>
-                <a:srgbClr val="000000"/>
-              </a:solidFill>
-              <a:uFill>
-                <a:solidFill>
-                  <a:srgbClr val="ffffff"/>
-                </a:solidFill>
-              </a:uFill>
-              <a:latin typeface="Perpetua"/>
+            <a:endParaRPr b="0" lang="en-US" sz="1800" spc="-1" strike="noStrike">
+              <a:solidFill>
+                <a:srgbClr val="000000"/>
+              </a:solidFill>
+              <a:uFill>
+                <a:solidFill>
+                  <a:srgbClr val="ffffff"/>
+                </a:solidFill>
+              </a:uFill>
+              <a:latin typeface="Arial"/>
             </a:endParaRPr>
           </a:p>
           <a:p>
@@ -5530,20 +5124,20 @@
                 <a:spcPct val="100000"/>
               </a:lnSpc>
             </a:pPr>
-            <a:endParaRPr b="0" lang="en-US" sz="2600" spc="-1" strike="noStrike">
-              <a:solidFill>
-                <a:srgbClr val="000000"/>
-              </a:solidFill>
-              <a:uFill>
-                <a:solidFill>
-                  <a:srgbClr val="ffffff"/>
-                </a:solidFill>
-              </a:uFill>
-              <a:latin typeface="Perpetua"/>
-            </a:endParaRPr>
-          </a:p>
-          <a:p>
-            <a:pPr marL="274320" indent="-273960">
+            <a:endParaRPr b="0" lang="en-US" sz="1800" spc="-1" strike="noStrike">
+              <a:solidFill>
+                <a:srgbClr val="000000"/>
+              </a:solidFill>
+              <a:uFill>
+                <a:solidFill>
+                  <a:srgbClr val="ffffff"/>
+                </a:solidFill>
+              </a:uFill>
+              <a:latin typeface="Arial"/>
+            </a:endParaRPr>
+          </a:p>
+          <a:p>
+            <a:pPr marL="274320" indent="-273600">
               <a:lnSpc>
                 <a:spcPct val="100000"/>
               </a:lnSpc>
@@ -5568,16 +5162,16 @@
               </a:rPr>
               <a:t>The system should push the quote to the app.</a:t>
             </a:r>
-            <a:endParaRPr b="0" lang="en-US" sz="2600" spc="-1" strike="noStrike">
-              <a:solidFill>
-                <a:srgbClr val="000000"/>
-              </a:solidFill>
-              <a:uFill>
-                <a:solidFill>
-                  <a:srgbClr val="ffffff"/>
-                </a:solidFill>
-              </a:uFill>
-              <a:latin typeface="Perpetua"/>
+            <a:endParaRPr b="0" lang="en-US" sz="1800" spc="-1" strike="noStrike">
+              <a:solidFill>
+                <a:srgbClr val="000000"/>
+              </a:solidFill>
+              <a:uFill>
+                <a:solidFill>
+                  <a:srgbClr val="ffffff"/>
+                </a:solidFill>
+              </a:uFill>
+              <a:latin typeface="Arial"/>
             </a:endParaRPr>
           </a:p>
           <a:p>
@@ -5586,20 +5180,20 @@
                 <a:spcPct val="100000"/>
               </a:lnSpc>
             </a:pPr>
-            <a:endParaRPr b="0" lang="en-US" sz="2600" spc="-1" strike="noStrike">
-              <a:solidFill>
-                <a:srgbClr val="000000"/>
-              </a:solidFill>
-              <a:uFill>
-                <a:solidFill>
-                  <a:srgbClr val="ffffff"/>
-                </a:solidFill>
-              </a:uFill>
-              <a:latin typeface="Perpetua"/>
-            </a:endParaRPr>
-          </a:p>
-          <a:p>
-            <a:pPr marL="274320" indent="-273960">
+            <a:endParaRPr b="0" lang="en-US" sz="1800" spc="-1" strike="noStrike">
+              <a:solidFill>
+                <a:srgbClr val="000000"/>
+              </a:solidFill>
+              <a:uFill>
+                <a:solidFill>
+                  <a:srgbClr val="ffffff"/>
+                </a:solidFill>
+              </a:uFill>
+              <a:latin typeface="Arial"/>
+            </a:endParaRPr>
+          </a:p>
+          <a:p>
+            <a:pPr marL="274320" indent="-273600">
               <a:lnSpc>
                 <a:spcPct val="100000"/>
               </a:lnSpc>
@@ -5624,16 +5218,16 @@
               </a:rPr>
               <a:t>App should show the notification for the quote.</a:t>
             </a:r>
-            <a:endParaRPr b="0" lang="en-US" sz="2600" spc="-1" strike="noStrike">
-              <a:solidFill>
-                <a:srgbClr val="000000"/>
-              </a:solidFill>
-              <a:uFill>
-                <a:solidFill>
-                  <a:srgbClr val="ffffff"/>
-                </a:solidFill>
-              </a:uFill>
-              <a:latin typeface="Perpetua"/>
+            <a:endParaRPr b="0" lang="en-US" sz="1800" spc="-1" strike="noStrike">
+              <a:solidFill>
+                <a:srgbClr val="000000"/>
+              </a:solidFill>
+              <a:uFill>
+                <a:solidFill>
+                  <a:srgbClr val="ffffff"/>
+                </a:solidFill>
+              </a:uFill>
+              <a:latin typeface="Arial"/>
             </a:endParaRPr>
           </a:p>
           <a:p>
@@ -5642,20 +5236,20 @@
                 <a:spcPct val="100000"/>
               </a:lnSpc>
             </a:pPr>
-            <a:endParaRPr b="0" lang="en-US" sz="2600" spc="-1" strike="noStrike">
-              <a:solidFill>
-                <a:srgbClr val="000000"/>
-              </a:solidFill>
-              <a:uFill>
-                <a:solidFill>
-                  <a:srgbClr val="ffffff"/>
-                </a:solidFill>
-              </a:uFill>
-              <a:latin typeface="Perpetua"/>
-            </a:endParaRPr>
-          </a:p>
-          <a:p>
-            <a:pPr marL="274320" indent="-273960">
+            <a:endParaRPr b="0" lang="en-US" sz="1800" spc="-1" strike="noStrike">
+              <a:solidFill>
+                <a:srgbClr val="000000"/>
+              </a:solidFill>
+              <a:uFill>
+                <a:solidFill>
+                  <a:srgbClr val="ffffff"/>
+                </a:solidFill>
+              </a:uFill>
+              <a:latin typeface="Arial"/>
+            </a:endParaRPr>
+          </a:p>
+          <a:p>
+            <a:pPr marL="274320" indent="-273600">
               <a:lnSpc>
                 <a:spcPct val="100000"/>
               </a:lnSpc>
@@ -5680,16 +5274,16 @@
               </a:rPr>
               <a:t>App should provide the setting to change the time slot for notifications.</a:t>
             </a:r>
-            <a:endParaRPr b="0" lang="en-US" sz="2600" spc="-1" strike="noStrike">
-              <a:solidFill>
-                <a:srgbClr val="000000"/>
-              </a:solidFill>
-              <a:uFill>
-                <a:solidFill>
-                  <a:srgbClr val="ffffff"/>
-                </a:solidFill>
-              </a:uFill>
-              <a:latin typeface="Perpetua"/>
+            <a:endParaRPr b="0" lang="en-US" sz="1800" spc="-1" strike="noStrike">
+              <a:solidFill>
+                <a:srgbClr val="000000"/>
+              </a:solidFill>
+              <a:uFill>
+                <a:solidFill>
+                  <a:srgbClr val="ffffff"/>
+                </a:solidFill>
+              </a:uFill>
+              <a:latin typeface="Arial"/>
             </a:endParaRPr>
           </a:p>
           <a:p>
@@ -5698,20 +5292,20 @@
                 <a:spcPct val="100000"/>
               </a:lnSpc>
             </a:pPr>
-            <a:endParaRPr b="0" lang="en-US" sz="2600" spc="-1" strike="noStrike">
-              <a:solidFill>
-                <a:srgbClr val="000000"/>
-              </a:solidFill>
-              <a:uFill>
-                <a:solidFill>
-                  <a:srgbClr val="ffffff"/>
-                </a:solidFill>
-              </a:uFill>
-              <a:latin typeface="Perpetua"/>
-            </a:endParaRPr>
-          </a:p>
-          <a:p>
-            <a:pPr marL="274320" indent="-273960">
+            <a:endParaRPr b="0" lang="en-US" sz="1800" spc="-1" strike="noStrike">
+              <a:solidFill>
+                <a:srgbClr val="000000"/>
+              </a:solidFill>
+              <a:uFill>
+                <a:solidFill>
+                  <a:srgbClr val="ffffff"/>
+                </a:solidFill>
+              </a:uFill>
+              <a:latin typeface="Arial"/>
+            </a:endParaRPr>
+          </a:p>
+          <a:p>
+            <a:pPr marL="274320" indent="-273600">
               <a:lnSpc>
                 <a:spcPct val="100000"/>
               </a:lnSpc>
@@ -5736,16 +5330,16 @@
               </a:rPr>
               <a:t>App should provide user interface for quotes.</a:t>
             </a:r>
-            <a:endParaRPr b="0" lang="en-US" sz="2600" spc="-1" strike="noStrike">
-              <a:solidFill>
-                <a:srgbClr val="000000"/>
-              </a:solidFill>
-              <a:uFill>
-                <a:solidFill>
-                  <a:srgbClr val="ffffff"/>
-                </a:solidFill>
-              </a:uFill>
-              <a:latin typeface="Perpetua"/>
+            <a:endParaRPr b="0" lang="en-US" sz="1800" spc="-1" strike="noStrike">
+              <a:solidFill>
+                <a:srgbClr val="000000"/>
+              </a:solidFill>
+              <a:uFill>
+                <a:solidFill>
+                  <a:srgbClr val="ffffff"/>
+                </a:solidFill>
+              </a:uFill>
+              <a:latin typeface="Arial"/>
             </a:endParaRPr>
           </a:p>
           <a:p>
@@ -5754,20 +5348,20 @@
                 <a:spcPct val="100000"/>
               </a:lnSpc>
             </a:pPr>
-            <a:endParaRPr b="0" lang="en-US" sz="2600" spc="-1" strike="noStrike">
-              <a:solidFill>
-                <a:srgbClr val="000000"/>
-              </a:solidFill>
-              <a:uFill>
-                <a:solidFill>
-                  <a:srgbClr val="ffffff"/>
-                </a:solidFill>
-              </a:uFill>
-              <a:latin typeface="Perpetua"/>
-            </a:endParaRPr>
-          </a:p>
-          <a:p>
-            <a:pPr marL="274320" indent="-273960">
+            <a:endParaRPr b="0" lang="en-US" sz="1800" spc="-1" strike="noStrike">
+              <a:solidFill>
+                <a:srgbClr val="000000"/>
+              </a:solidFill>
+              <a:uFill>
+                <a:solidFill>
+                  <a:srgbClr val="ffffff"/>
+                </a:solidFill>
+              </a:uFill>
+              <a:latin typeface="Arial"/>
+            </a:endParaRPr>
+          </a:p>
+          <a:p>
+            <a:pPr marL="274320" indent="-273600">
               <a:lnSpc>
                 <a:spcPct val="100000"/>
               </a:lnSpc>
@@ -5792,16 +5386,16 @@
               </a:rPr>
               <a:t>App should allow to view the quote individually with download and share option.</a:t>
             </a:r>
-            <a:endParaRPr b="0" lang="en-US" sz="2600" spc="-1" strike="noStrike">
-              <a:solidFill>
-                <a:srgbClr val="000000"/>
-              </a:solidFill>
-              <a:uFill>
-                <a:solidFill>
-                  <a:srgbClr val="ffffff"/>
-                </a:solidFill>
-              </a:uFill>
-              <a:latin typeface="Perpetua"/>
+            <a:endParaRPr b="0" lang="en-US" sz="1800" spc="-1" strike="noStrike">
+              <a:solidFill>
+                <a:srgbClr val="000000"/>
+              </a:solidFill>
+              <a:uFill>
+                <a:solidFill>
+                  <a:srgbClr val="ffffff"/>
+                </a:solidFill>
+              </a:uFill>
+              <a:latin typeface="Arial"/>
             </a:endParaRPr>
           </a:p>
           <a:p>
@@ -5810,20 +5404,20 @@
                 <a:spcPct val="100000"/>
               </a:lnSpc>
             </a:pPr>
-            <a:endParaRPr b="0" lang="en-US" sz="2600" spc="-1" strike="noStrike">
-              <a:solidFill>
-                <a:srgbClr val="000000"/>
-              </a:solidFill>
-              <a:uFill>
-                <a:solidFill>
-                  <a:srgbClr val="ffffff"/>
-                </a:solidFill>
-              </a:uFill>
-              <a:latin typeface="Perpetua"/>
-            </a:endParaRPr>
-          </a:p>
-          <a:p>
-            <a:pPr marL="274320" indent="-273960">
+            <a:endParaRPr b="0" lang="en-US" sz="1800" spc="-1" strike="noStrike">
+              <a:solidFill>
+                <a:srgbClr val="000000"/>
+              </a:solidFill>
+              <a:uFill>
+                <a:solidFill>
+                  <a:srgbClr val="ffffff"/>
+                </a:solidFill>
+              </a:uFill>
+              <a:latin typeface="Arial"/>
+            </a:endParaRPr>
+          </a:p>
+          <a:p>
+            <a:pPr marL="274320" indent="-273600">
               <a:lnSpc>
                 <a:spcPct val="100000"/>
               </a:lnSpc>
@@ -5848,16 +5442,16 @@
               </a:rPr>
               <a:t>App should provide log out option</a:t>
             </a:r>
-            <a:endParaRPr b="0" lang="en-US" sz="2600" spc="-1" strike="noStrike">
-              <a:solidFill>
-                <a:srgbClr val="000000"/>
-              </a:solidFill>
-              <a:uFill>
-                <a:solidFill>
-                  <a:srgbClr val="ffffff"/>
-                </a:solidFill>
-              </a:uFill>
-              <a:latin typeface="Perpetua"/>
+            <a:endParaRPr b="0" lang="en-US" sz="1800" spc="-1" strike="noStrike">
+              <a:solidFill>
+                <a:srgbClr val="000000"/>
+              </a:solidFill>
+              <a:uFill>
+                <a:solidFill>
+                  <a:srgbClr val="ffffff"/>
+                </a:solidFill>
+              </a:uFill>
+              <a:latin typeface="Arial"/>
             </a:endParaRPr>
           </a:p>
         </p:txBody>
@@ -5913,14 +5507,14 @@
       </p:grpSpPr>
       <p:sp>
         <p:nvSpPr>
-          <p:cNvPr id="93" name="TextShape 1"/>
-          <p:cNvSpPr txBox="1"/>
+          <p:cNvPr id="87" name="CustomShape 1"/>
+          <p:cNvSpPr/>
           <p:nvPr/>
         </p:nvSpPr>
         <p:spPr>
           <a:xfrm>
             <a:off x="878400" y="274680"/>
-            <a:ext cx="7772040" cy="1142640"/>
+            <a:ext cx="7771680" cy="1142280"/>
           </a:xfrm>
           <a:prstGeom prst="rect">
             <a:avLst/>
@@ -5930,6 +5524,12 @@
             <a:noFill/>
           </a:ln>
         </p:spPr>
+        <p:style>
+          <a:lnRef idx="0"/>
+          <a:fillRef idx="0"/>
+          <a:effectRef idx="0"/>
+          <a:fontRef idx="minor"/>
+        </p:style>
         <p:txBody>
           <a:bodyPr lIns="90000" rIns="90000" tIns="45000" bIns="91440" anchor="b"/>
           <a:p>
@@ -5961,14 +5561,14 @@
                   <a:srgbClr val="ffffff"/>
                 </a:solidFill>
               </a:uFill>
-              <a:latin typeface="Perpetua"/>
+              <a:latin typeface="Arial"/>
             </a:endParaRPr>
           </a:p>
         </p:txBody>
       </p:sp>
       <p:pic>
         <p:nvPicPr>
-          <p:cNvPr id="94" name="Picture 4" descr=""/>
+          <p:cNvPr id="88" name="Picture 4" descr=""/>
           <p:cNvPicPr/>
           <p:nvPr/>
         </p:nvPicPr>
@@ -5979,7 +5579,7 @@
         <p:spPr>
           <a:xfrm>
             <a:off x="838080" y="1905120"/>
-            <a:ext cx="7395840" cy="3962160"/>
+            <a:ext cx="7395480" cy="3961800"/>
           </a:xfrm>
           <a:prstGeom prst="rect">
             <a:avLst/>
@@ -6040,14 +5640,14 @@
       </p:grpSpPr>
       <p:sp>
         <p:nvSpPr>
-          <p:cNvPr id="95" name="TextShape 1"/>
-          <p:cNvSpPr txBox="1"/>
+          <p:cNvPr id="89" name="CustomShape 1"/>
+          <p:cNvSpPr/>
           <p:nvPr/>
         </p:nvSpPr>
         <p:spPr>
           <a:xfrm>
             <a:off x="914400" y="274680"/>
-            <a:ext cx="7772040" cy="1142640"/>
+            <a:ext cx="7771680" cy="1142280"/>
           </a:xfrm>
           <a:prstGeom prst="rect">
             <a:avLst/>
@@ -6057,6 +5657,12 @@
             <a:noFill/>
           </a:ln>
         </p:spPr>
+        <p:style>
+          <a:lnRef idx="0"/>
+          <a:fillRef idx="0"/>
+          <a:effectRef idx="0"/>
+          <a:fontRef idx="minor"/>
+        </p:style>
         <p:txBody>
           <a:bodyPr lIns="90000" rIns="90000" tIns="45000" bIns="91440" anchor="b"/>
           <a:p>
@@ -6102,14 +5708,14 @@
                   <a:srgbClr val="ffffff"/>
                 </a:solidFill>
               </a:uFill>
-              <a:latin typeface="Perpetua"/>
+              <a:latin typeface="Arial"/>
             </a:endParaRPr>
           </a:p>
         </p:txBody>
       </p:sp>
       <p:pic>
         <p:nvPicPr>
-          <p:cNvPr id="96" name="Picture 2" descr=""/>
+          <p:cNvPr id="90" name="Picture 2" descr=""/>
           <p:cNvPicPr/>
           <p:nvPr/>
         </p:nvPicPr>
@@ -6120,7 +5726,7 @@
         <p:spPr>
           <a:xfrm>
             <a:off x="838080" y="1828800"/>
-            <a:ext cx="7467120" cy="3657240"/>
+            <a:ext cx="7466760" cy="3656880"/>
           </a:xfrm>
           <a:prstGeom prst="rect">
             <a:avLst/>
@@ -6181,14 +5787,14 @@
       </p:grpSpPr>
       <p:sp>
         <p:nvSpPr>
-          <p:cNvPr id="97" name="TextShape 1"/>
-          <p:cNvSpPr txBox="1"/>
+          <p:cNvPr id="91" name="CustomShape 1"/>
+          <p:cNvSpPr/>
           <p:nvPr/>
         </p:nvSpPr>
         <p:spPr>
           <a:xfrm>
             <a:off x="914400" y="274680"/>
-            <a:ext cx="7772040" cy="1142640"/>
+            <a:ext cx="7771680" cy="1142280"/>
           </a:xfrm>
           <a:prstGeom prst="rect">
             <a:avLst/>
@@ -6198,6 +5804,12 @@
             <a:noFill/>
           </a:ln>
         </p:spPr>
+        <p:style>
+          <a:lnRef idx="0"/>
+          <a:fillRef idx="0"/>
+          <a:effectRef idx="0"/>
+          <a:fontRef idx="minor"/>
+        </p:style>
         <p:txBody>
           <a:bodyPr lIns="90000" rIns="90000" tIns="45000" bIns="91440" anchor="b"/>
           <a:p>
@@ -6229,20 +5841,20 @@
                   <a:srgbClr val="ffffff"/>
                 </a:solidFill>
               </a:uFill>
-              <a:latin typeface="Perpetua"/>
+              <a:latin typeface="Arial"/>
             </a:endParaRPr>
           </a:p>
         </p:txBody>
       </p:sp>
       <p:graphicFrame>
         <p:nvGraphicFramePr>
-          <p:cNvPr id="98" name="Table 2"/>
+          <p:cNvPr id="92" name="Table 2"/>
           <p:cNvGraphicFramePr/>
           <p:nvPr/>
         </p:nvGraphicFramePr>
         <p:xfrm>
           <a:off x="1219320" y="1523880"/>
-          <a:ext cx="7009920" cy="5168520"/>
+          <a:ext cx="7009560" cy="5168160"/>
         </p:xfrm>
         <a:graphic>
           <a:graphicData uri="http://schemas.openxmlformats.org/drawingml/2006/table">
@@ -6256,7 +5868,7 @@
               <a:tr h="542520">
                 <a:tc>
                   <a:txBody>
-                    <a:bodyPr lIns="68400" rIns="68400" tIns="0" bIns="0"/>
+                    <a:bodyPr lIns="68400" rIns="68400"/>
                     <a:p>
                       <a:pPr algn="ctr">
                         <a:lnSpc>
@@ -6316,7 +5928,7 @@
                 </a:tc>
                 <a:tc>
                   <a:txBody>
-                    <a:bodyPr lIns="68400" rIns="68400" tIns="0" bIns="0"/>
+                    <a:bodyPr lIns="68400" rIns="68400"/>
                     <a:p>
                       <a:pPr>
                         <a:lnSpc>
@@ -6376,7 +5988,7 @@
                 </a:tc>
                 <a:tc>
                   <a:txBody>
-                    <a:bodyPr lIns="68400" rIns="68400" tIns="0" bIns="0"/>
+                    <a:bodyPr lIns="68400" rIns="68400"/>
                     <a:p>
                       <a:pPr>
                         <a:lnSpc>
@@ -6438,7 +6050,7 @@
               <a:tr h="1953720">
                 <a:tc>
                   <a:txBody>
-                    <a:bodyPr lIns="68400" rIns="68400" tIns="0" bIns="0"/>
+                    <a:bodyPr lIns="68400" rIns="68400"/>
                     <a:p>
                       <a:pPr algn="ctr">
                         <a:lnSpc>
@@ -6498,7 +6110,7 @@
                 </a:tc>
                 <a:tc>
                   <a:txBody>
-                    <a:bodyPr lIns="68400" rIns="68400" tIns="0" bIns="0"/>
+                    <a:bodyPr lIns="68400" rIns="68400"/>
                     <a:p>
                       <a:pPr>
                         <a:lnSpc>
@@ -6591,7 +6203,7 @@
                 </a:tc>
                 <a:tc>
                   <a:txBody>
-                    <a:bodyPr lIns="68400" rIns="68400" tIns="0" bIns="0"/>
+                    <a:bodyPr lIns="68400" rIns="68400"/>
                     <a:p>
                       <a:pPr>
                         <a:lnSpc>
@@ -6686,7 +6298,7 @@
               <a:tr h="1376640">
                 <a:tc>
                   <a:txBody>
-                    <a:bodyPr lIns="68400" rIns="68400" tIns="0" bIns="0"/>
+                    <a:bodyPr lIns="68400" rIns="68400"/>
                     <a:p>
                       <a:pPr algn="ctr">
                         <a:lnSpc>
@@ -6746,7 +6358,7 @@
                 </a:tc>
                 <a:tc>
                   <a:txBody>
-                    <a:bodyPr lIns="68400" rIns="68400" tIns="0" bIns="0"/>
+                    <a:bodyPr lIns="68400" rIns="68400"/>
                     <a:p>
                       <a:pPr>
                         <a:lnSpc>
@@ -6806,7 +6418,7 @@
                 </a:tc>
                 <a:tc>
                   <a:txBody>
-                    <a:bodyPr lIns="68400" rIns="68400" tIns="0" bIns="0"/>
+                    <a:bodyPr lIns="68400" rIns="68400"/>
                     <a:p>
                       <a:pPr>
                         <a:lnSpc>
@@ -6868,7 +6480,7 @@
               <a:tr h="1295640">
                 <a:tc>
                   <a:txBody>
-                    <a:bodyPr lIns="68400" rIns="68400" tIns="0" bIns="0"/>
+                    <a:bodyPr lIns="68400" rIns="68400"/>
                     <a:p>
                       <a:pPr algn="ctr">
                         <a:lnSpc>
@@ -6928,7 +6540,7 @@
                 </a:tc>
                 <a:tc>
                   <a:txBody>
-                    <a:bodyPr lIns="68400" rIns="68400" tIns="0" bIns="0"/>
+                    <a:bodyPr lIns="68400" rIns="68400"/>
                     <a:p>
                       <a:pPr>
                         <a:lnSpc>
@@ -6988,7 +6600,7 @@
                 </a:tc>
                 <a:tc>
                   <a:txBody>
-                    <a:bodyPr lIns="68400" rIns="68400" tIns="0" bIns="0"/>
+                    <a:bodyPr lIns="68400" rIns="68400"/>
                     <a:p>
                       <a:pPr>
                         <a:lnSpc>
@@ -7102,14 +6714,14 @@
       </p:grpSpPr>
       <p:sp>
         <p:nvSpPr>
-          <p:cNvPr id="99" name="TextShape 1"/>
-          <p:cNvSpPr txBox="1"/>
+          <p:cNvPr id="93" name="CustomShape 1"/>
+          <p:cNvSpPr/>
           <p:nvPr/>
         </p:nvSpPr>
         <p:spPr>
           <a:xfrm>
             <a:off x="914400" y="274680"/>
-            <a:ext cx="7772040" cy="1142640"/>
+            <a:ext cx="7771680" cy="1142280"/>
           </a:xfrm>
           <a:prstGeom prst="rect">
             <a:avLst/>
@@ -7119,6 +6731,12 @@
             <a:noFill/>
           </a:ln>
         </p:spPr>
+        <p:style>
+          <a:lnRef idx="0"/>
+          <a:fillRef idx="0"/>
+          <a:effectRef idx="0"/>
+          <a:fontRef idx="minor"/>
+        </p:style>
         <p:txBody>
           <a:bodyPr lIns="90000" rIns="90000" tIns="45000" bIns="91440" anchor="b"/>
           <a:p>
@@ -7164,20 +6782,20 @@
                   <a:srgbClr val="ffffff"/>
                 </a:solidFill>
               </a:uFill>
-              <a:latin typeface="Perpetua"/>
+              <a:latin typeface="Arial"/>
             </a:endParaRPr>
           </a:p>
         </p:txBody>
       </p:sp>
       <p:graphicFrame>
         <p:nvGraphicFramePr>
-          <p:cNvPr id="100" name="Table 2"/>
+          <p:cNvPr id="94" name="Table 2"/>
           <p:cNvGraphicFramePr/>
           <p:nvPr/>
         </p:nvGraphicFramePr>
         <p:xfrm>
           <a:off x="1219320" y="1371600"/>
-          <a:ext cx="6781320" cy="5155920"/>
+          <a:ext cx="6781320" cy="5155560"/>
         </p:xfrm>
         <a:graphic>
           <a:graphicData uri="http://schemas.openxmlformats.org/drawingml/2006/table">
@@ -7188,10 +6806,10 @@
                 <a:gridCol w="2300400"/>
                 <a:gridCol w="2127600"/>
               </a:tblGrid>
-              <a:tr h="300960">
+              <a:tr h="344880">
                 <a:tc>
                   <a:txBody>
-                    <a:bodyPr lIns="68400" rIns="68400" tIns="0" bIns="0"/>
+                    <a:bodyPr lIns="68400" rIns="68400"/>
                     <a:p>
                       <a:pPr algn="ctr">
                         <a:lnSpc>
@@ -7251,7 +6869,7 @@
                 </a:tc>
                 <a:tc>
                   <a:txBody>
-                    <a:bodyPr lIns="68400" rIns="68400" tIns="0" bIns="0"/>
+                    <a:bodyPr lIns="68400" rIns="68400"/>
                     <a:p>
                       <a:pPr algn="ctr">
                         <a:lnSpc>
@@ -7311,7 +6929,7 @@
                 </a:tc>
                 <a:tc>
                   <a:txBody>
-                    <a:bodyPr lIns="68400" rIns="68400" tIns="0" bIns="0"/>
+                    <a:bodyPr lIns="68400" rIns="68400"/>
                     <a:p>
                       <a:pPr algn="ctr">
                         <a:lnSpc>
@@ -7370,10 +6988,10 @@
                   </a:tcPr>
                 </a:tc>
               </a:tr>
-              <a:tr h="4854960">
+              <a:tr h="4810680">
                 <a:tc>
                   <a:txBody>
-                    <a:bodyPr lIns="68400" rIns="68400" tIns="0" bIns="0"/>
+                    <a:bodyPr lIns="68400" rIns="68400"/>
                     <a:p>
                       <a:pPr algn="ctr">
                         <a:lnSpc>
@@ -7561,7 +7179,7 @@
                 </a:tc>
                 <a:tc>
                   <a:txBody>
-                    <a:bodyPr lIns="68400" rIns="68400" tIns="0" bIns="0"/>
+                    <a:bodyPr lIns="68400" rIns="68400"/>
                     <a:p>
                       <a:pPr>
                         <a:lnSpc>
@@ -7749,7 +7367,7 @@
                 </a:tc>
                 <a:tc>
                   <a:txBody>
-                    <a:bodyPr lIns="68400" rIns="68400" tIns="0" bIns="0"/>
+                    <a:bodyPr lIns="68400" rIns="68400"/>
                     <a:p>
                       <a:pPr>
                         <a:lnSpc>
@@ -7927,14 +7545,14 @@
       </p:grpSpPr>
       <p:sp>
         <p:nvSpPr>
-          <p:cNvPr id="101" name="TextShape 1"/>
-          <p:cNvSpPr txBox="1"/>
+          <p:cNvPr id="95" name="CustomShape 1"/>
+          <p:cNvSpPr/>
           <p:nvPr/>
         </p:nvSpPr>
         <p:spPr>
           <a:xfrm>
             <a:off x="914400" y="274680"/>
-            <a:ext cx="7772040" cy="1142640"/>
+            <a:ext cx="7771680" cy="1142280"/>
           </a:xfrm>
           <a:prstGeom prst="rect">
             <a:avLst/>
@@ -7944,6 +7562,12 @@
             <a:noFill/>
           </a:ln>
         </p:spPr>
+        <p:style>
+          <a:lnRef idx="0"/>
+          <a:fillRef idx="0"/>
+          <a:effectRef idx="0"/>
+          <a:fontRef idx="minor"/>
+        </p:style>
         <p:txBody>
           <a:bodyPr lIns="90000" rIns="90000" tIns="45000" bIns="91440" anchor="b"/>
           <a:p>
@@ -7989,20 +7613,20 @@
                   <a:srgbClr val="ffffff"/>
                 </a:solidFill>
               </a:uFill>
-              <a:latin typeface="Perpetua"/>
+              <a:latin typeface="Arial"/>
             </a:endParaRPr>
           </a:p>
         </p:txBody>
       </p:sp>
       <p:graphicFrame>
         <p:nvGraphicFramePr>
-          <p:cNvPr id="102" name="Table 2"/>
+          <p:cNvPr id="96" name="Table 2"/>
           <p:cNvGraphicFramePr/>
           <p:nvPr/>
         </p:nvGraphicFramePr>
         <p:xfrm>
           <a:off x="1657440" y="2057400"/>
-          <a:ext cx="6114600" cy="3428640"/>
+          <a:ext cx="6114600" cy="3428280"/>
         </p:xfrm>
         <a:graphic>
           <a:graphicData uri="http://schemas.openxmlformats.org/drawingml/2006/table">
@@ -8016,7 +7640,7 @@
               <a:tr h="1176120">
                 <a:tc>
                   <a:txBody>
-                    <a:bodyPr lIns="68400" rIns="68400" tIns="0" bIns="0"/>
+                    <a:bodyPr lIns="68400" rIns="68400"/>
                     <a:p>
                       <a:pPr algn="ctr">
                         <a:lnSpc>
@@ -8076,7 +7700,7 @@
                 </a:tc>
                 <a:tc>
                   <a:txBody>
-                    <a:bodyPr lIns="68400" rIns="68400" tIns="0" bIns="0"/>
+                    <a:bodyPr lIns="68400" rIns="68400"/>
                     <a:p>
                       <a:pPr algn="ctr">
                         <a:lnSpc>
@@ -8154,7 +7778,7 @@
                 </a:tc>
                 <a:tc>
                   <a:txBody>
-                    <a:bodyPr lIns="68400" rIns="68400" tIns="0" bIns="0"/>
+                    <a:bodyPr lIns="68400" rIns="68400"/>
                     <a:p>
                       <a:pPr>
                         <a:lnSpc>
@@ -8234,7 +7858,7 @@
               <a:tr h="2252520">
                 <a:tc>
                   <a:txBody>
-                    <a:bodyPr lIns="68400" rIns="68400" tIns="0" bIns="0"/>
+                    <a:bodyPr lIns="68400" rIns="68400"/>
                     <a:p>
                       <a:pPr algn="ctr">
                         <a:lnSpc>
@@ -8358,7 +7982,7 @@
                 </a:tc>
                 <a:tc>
                   <a:txBody>
-                    <a:bodyPr lIns="68400" rIns="68400" tIns="0" bIns="0"/>
+                    <a:bodyPr lIns="68400" rIns="68400"/>
                     <a:p>
                       <a:pPr algn="ctr">
                         <a:lnSpc>
@@ -8482,7 +8106,7 @@
                 </a:tc>
                 <a:tc>
                   <a:txBody>
-                    <a:bodyPr lIns="68400" rIns="68400" tIns="0" bIns="0"/>
+                    <a:bodyPr lIns="68400" rIns="68400"/>
                     <a:p>
                       <a:pPr algn="ctr">
                         <a:lnSpc>
@@ -8628,14 +8252,14 @@
       </p:grpSpPr>
       <p:sp>
         <p:nvSpPr>
-          <p:cNvPr id="103" name="TextShape 1"/>
-          <p:cNvSpPr txBox="1"/>
+          <p:cNvPr id="97" name="CustomShape 1"/>
+          <p:cNvSpPr/>
           <p:nvPr/>
         </p:nvSpPr>
         <p:spPr>
           <a:xfrm>
             <a:off x="457200" y="533520"/>
-            <a:ext cx="8229240" cy="5592240"/>
+            <a:ext cx="8228880" cy="5591880"/>
           </a:xfrm>
           <a:prstGeom prst="rect">
             <a:avLst/>
@@ -8645,6 +8269,12 @@
             <a:noFill/>
           </a:ln>
         </p:spPr>
+        <p:style>
+          <a:lnRef idx="0"/>
+          <a:fillRef idx="0"/>
+          <a:effectRef idx="0"/>
+          <a:fontRef idx="minor"/>
+        </p:style>
         <p:txBody>
           <a:bodyPr lIns="90000" rIns="90000" tIns="45000" bIns="45000"/>
           <a:p>
@@ -8653,16 +8283,16 @@
                 <a:spcPct val="100000"/>
               </a:lnSpc>
             </a:pPr>
-            <a:endParaRPr b="0" lang="en-US" sz="2600" spc="-1" strike="noStrike">
-              <a:solidFill>
-                <a:srgbClr val="000000"/>
-              </a:solidFill>
-              <a:uFill>
-                <a:solidFill>
-                  <a:srgbClr val="ffffff"/>
-                </a:solidFill>
-              </a:uFill>
-              <a:latin typeface="Perpetua"/>
+            <a:endParaRPr b="0" lang="en-US" sz="1800" spc="-1" strike="noStrike">
+              <a:solidFill>
+                <a:srgbClr val="000000"/>
+              </a:solidFill>
+              <a:uFill>
+                <a:solidFill>
+                  <a:srgbClr val="ffffff"/>
+                </a:solidFill>
+              </a:uFill>
+              <a:latin typeface="Arial"/>
             </a:endParaRPr>
           </a:p>
           <a:p>
@@ -8671,16 +8301,16 @@
                 <a:spcPct val="100000"/>
               </a:lnSpc>
             </a:pPr>
-            <a:endParaRPr b="0" lang="en-US" sz="2600" spc="-1" strike="noStrike">
-              <a:solidFill>
-                <a:srgbClr val="000000"/>
-              </a:solidFill>
-              <a:uFill>
-                <a:solidFill>
-                  <a:srgbClr val="ffffff"/>
-                </a:solidFill>
-              </a:uFill>
-              <a:latin typeface="Perpetua"/>
+            <a:endParaRPr b="0" lang="en-US" sz="1800" spc="-1" strike="noStrike">
+              <a:solidFill>
+                <a:srgbClr val="000000"/>
+              </a:solidFill>
+              <a:uFill>
+                <a:solidFill>
+                  <a:srgbClr val="ffffff"/>
+                </a:solidFill>
+              </a:uFill>
+              <a:latin typeface="Arial"/>
             </a:endParaRPr>
           </a:p>
           <a:p>
@@ -8703,16 +8333,16 @@
               </a:rPr>
               <a:t>Question &amp; </a:t>
             </a:r>
-            <a:endParaRPr b="0" lang="en-US" sz="2600" spc="-1" strike="noStrike">
-              <a:solidFill>
-                <a:srgbClr val="000000"/>
-              </a:solidFill>
-              <a:uFill>
-                <a:solidFill>
-                  <a:srgbClr val="ffffff"/>
-                </a:solidFill>
-              </a:uFill>
-              <a:latin typeface="Perpetua"/>
+            <a:endParaRPr b="0" lang="en-US" sz="1800" spc="-1" strike="noStrike">
+              <a:solidFill>
+                <a:srgbClr val="000000"/>
+              </a:solidFill>
+              <a:uFill>
+                <a:solidFill>
+                  <a:srgbClr val="ffffff"/>
+                </a:solidFill>
+              </a:uFill>
+              <a:latin typeface="Arial"/>
             </a:endParaRPr>
           </a:p>
           <a:p>
@@ -8735,16 +8365,16 @@
               </a:rPr>
               <a:t>Answers</a:t>
             </a:r>
-            <a:endParaRPr b="0" lang="en-US" sz="2600" spc="-1" strike="noStrike">
-              <a:solidFill>
-                <a:srgbClr val="000000"/>
-              </a:solidFill>
-              <a:uFill>
-                <a:solidFill>
-                  <a:srgbClr val="ffffff"/>
-                </a:solidFill>
-              </a:uFill>
-              <a:latin typeface="Perpetua"/>
+            <a:endParaRPr b="0" lang="en-US" sz="1800" spc="-1" strike="noStrike">
+              <a:solidFill>
+                <a:srgbClr val="000000"/>
+              </a:solidFill>
+              <a:uFill>
+                <a:solidFill>
+                  <a:srgbClr val="ffffff"/>
+                </a:solidFill>
+              </a:uFill>
+              <a:latin typeface="Arial"/>
             </a:endParaRPr>
           </a:p>
         </p:txBody>

--- a/documentation/QuoteOftheDay.pptx
+++ b/documentation/QuoteOftheDay.pptx
@@ -3004,7 +3004,7 @@
         <p:spPr>
           <a:xfrm>
             <a:off x="0" y="0"/>
-            <a:ext cx="9143280" cy="6857280"/>
+            <a:ext cx="9142920" cy="6856920"/>
           </a:xfrm>
           <a:prstGeom prst="rect">
             <a:avLst/>
@@ -3038,7 +3038,7 @@
         <p:spPr>
           <a:xfrm>
             <a:off x="64080" y="69840"/>
-            <a:ext cx="9012600" cy="6692760"/>
+            <a:ext cx="9012240" cy="6692400"/>
           </a:xfrm>
           <a:prstGeom prst="roundRect">
             <a:avLst>
@@ -3083,7 +3083,7 @@
         <p:spPr>
           <a:xfrm>
             <a:off x="0" y="0"/>
-            <a:ext cx="9143280" cy="6857280"/>
+            <a:ext cx="9142920" cy="6856920"/>
           </a:xfrm>
           <a:prstGeom prst="rect">
             <a:avLst/>
@@ -3117,7 +3117,7 @@
         <p:spPr>
           <a:xfrm>
             <a:off x="65160" y="69840"/>
-            <a:ext cx="9012600" cy="6691320"/>
+            <a:ext cx="9012240" cy="6690960"/>
           </a:xfrm>
           <a:prstGeom prst="roundRect">
             <a:avLst>
@@ -3162,7 +3162,7 @@
         <p:spPr>
           <a:xfrm>
             <a:off x="63000" y="1449360"/>
-            <a:ext cx="9020880" cy="1526760"/>
+            <a:ext cx="9020520" cy="1526400"/>
           </a:xfrm>
           <a:prstGeom prst="rect">
             <a:avLst/>
@@ -3205,7 +3205,7 @@
         <p:spPr>
           <a:xfrm>
             <a:off x="63000" y="1396800"/>
-            <a:ext cx="9020880" cy="119880"/>
+            <a:ext cx="9020520" cy="119520"/>
           </a:xfrm>
           <a:prstGeom prst="rect">
             <a:avLst/>
@@ -3248,7 +3248,7 @@
         <p:spPr>
           <a:xfrm>
             <a:off x="63000" y="2976480"/>
-            <a:ext cx="9020880" cy="109800"/>
+            <a:ext cx="9020520" cy="109440"/>
           </a:xfrm>
           <a:prstGeom prst="rect">
             <a:avLst/>
@@ -3292,8 +3292,8 @@
         </p:nvSpPr>
         <p:spPr>
           <a:xfrm>
-            <a:off x="914400" y="274680"/>
-            <a:ext cx="7771680" cy="1142280"/>
+            <a:off x="457200" y="273600"/>
+            <a:ext cx="8228880" cy="1144440"/>
           </a:xfrm>
           <a:prstGeom prst="rect">
             <a:avLst/>
@@ -3330,7 +3330,7 @@
         <p:spPr>
           <a:xfrm>
             <a:off x="457200" y="1604520"/>
-            <a:ext cx="8229240" cy="3977280"/>
+            <a:ext cx="8228880" cy="3976920"/>
           </a:xfrm>
           <a:prstGeom prst="rect">
             <a:avLst/>
@@ -3348,7 +3348,7 @@
               <a:buChar char=""/>
             </a:pPr>
             <a:r>
-              <a:rPr b="0" lang="en-US" sz="3200" spc="-1" strike="noStrike">
+              <a:rPr b="0" lang="en-US" sz="1800" spc="-1" strike="noStrike">
                 <a:solidFill>
                   <a:srgbClr val="000000"/>
                 </a:solidFill>
@@ -3361,7 +3361,7 @@
               </a:rPr>
               <a:t>Click to edit the outline text format</a:t>
             </a:r>
-            <a:endParaRPr b="0" lang="en-US" sz="3200" spc="-1" strike="noStrike">
+            <a:endParaRPr b="0" lang="en-US" sz="1800" spc="-1" strike="noStrike">
               <a:solidFill>
                 <a:srgbClr val="000000"/>
               </a:solidFill>
@@ -3383,7 +3383,7 @@
               <a:buChar char=""/>
             </a:pPr>
             <a:r>
-              <a:rPr b="0" lang="en-US" sz="2800" spc="-1" strike="noStrike">
+              <a:rPr b="0" lang="en-US" sz="1800" spc="-1" strike="noStrike">
                 <a:solidFill>
                   <a:srgbClr val="000000"/>
                 </a:solidFill>
@@ -3396,7 +3396,7 @@
               </a:rPr>
               <a:t>Second Outline Level</a:t>
             </a:r>
-            <a:endParaRPr b="0" lang="en-US" sz="2800" spc="-1" strike="noStrike">
+            <a:endParaRPr b="0" lang="en-US" sz="1800" spc="-1" strike="noStrike">
               <a:solidFill>
                 <a:srgbClr val="000000"/>
               </a:solidFill>
@@ -3418,7 +3418,7 @@
               <a:buChar char=""/>
             </a:pPr>
             <a:r>
-              <a:rPr b="0" lang="en-US" sz="2400" spc="-1" strike="noStrike">
+              <a:rPr b="0" lang="en-US" sz="1800" spc="-1" strike="noStrike">
                 <a:solidFill>
                   <a:srgbClr val="000000"/>
                 </a:solidFill>
@@ -3431,7 +3431,7 @@
               </a:rPr>
               <a:t>Third Outline Level</a:t>
             </a:r>
-            <a:endParaRPr b="0" lang="en-US" sz="2400" spc="-1" strike="noStrike">
+            <a:endParaRPr b="0" lang="en-US" sz="1800" spc="-1" strike="noStrike">
               <a:solidFill>
                 <a:srgbClr val="000000"/>
               </a:solidFill>
@@ -3453,7 +3453,7 @@
               <a:buChar char=""/>
             </a:pPr>
             <a:r>
-              <a:rPr b="0" lang="en-US" sz="2000" spc="-1" strike="noStrike">
+              <a:rPr b="0" lang="en-US" sz="1800" spc="-1" strike="noStrike">
                 <a:solidFill>
                   <a:srgbClr val="000000"/>
                 </a:solidFill>
@@ -3466,7 +3466,7 @@
               </a:rPr>
               <a:t>Fourth Outline Level</a:t>
             </a:r>
-            <a:endParaRPr b="0" lang="en-US" sz="2000" spc="-1" strike="noStrike">
+            <a:endParaRPr b="0" lang="en-US" sz="1800" spc="-1" strike="noStrike">
               <a:solidFill>
                 <a:srgbClr val="000000"/>
               </a:solidFill>
@@ -3488,7 +3488,7 @@
               <a:buChar char=""/>
             </a:pPr>
             <a:r>
-              <a:rPr b="0" lang="en-US" sz="2000" spc="-1" strike="noStrike">
+              <a:rPr b="0" lang="en-US" sz="1800" spc="-1" strike="noStrike">
                 <a:solidFill>
                   <a:srgbClr val="000000"/>
                 </a:solidFill>
@@ -3501,7 +3501,7 @@
               </a:rPr>
               <a:t>Fifth Outline Level</a:t>
             </a:r>
-            <a:endParaRPr b="0" lang="en-US" sz="2000" spc="-1" strike="noStrike">
+            <a:endParaRPr b="0" lang="en-US" sz="1800" spc="-1" strike="noStrike">
               <a:solidFill>
                 <a:srgbClr val="000000"/>
               </a:solidFill>
@@ -3523,7 +3523,7 @@
               <a:buChar char=""/>
             </a:pPr>
             <a:r>
-              <a:rPr b="0" lang="en-US" sz="2000" spc="-1" strike="noStrike">
+              <a:rPr b="0" lang="en-US" sz="1800" spc="-1" strike="noStrike">
                 <a:solidFill>
                   <a:srgbClr val="000000"/>
                 </a:solidFill>
@@ -3536,7 +3536,7 @@
               </a:rPr>
               <a:t>Sixth Outline Level</a:t>
             </a:r>
-            <a:endParaRPr b="0" lang="en-US" sz="2000" spc="-1" strike="noStrike">
+            <a:endParaRPr b="0" lang="en-US" sz="1800" spc="-1" strike="noStrike">
               <a:solidFill>
                 <a:srgbClr val="000000"/>
               </a:solidFill>
@@ -3558,7 +3558,7 @@
               <a:buChar char=""/>
             </a:pPr>
             <a:r>
-              <a:rPr b="0" lang="en-US" sz="2000" spc="-1" strike="noStrike">
+              <a:rPr b="0" lang="en-US" sz="1800" spc="-1" strike="noStrike">
                 <a:solidFill>
                   <a:srgbClr val="000000"/>
                 </a:solidFill>
@@ -3571,7 +3571,7 @@
               </a:rPr>
               <a:t>Seventh Outline Level</a:t>
             </a:r>
-            <a:endParaRPr b="0" lang="en-US" sz="2000" spc="-1" strike="noStrike">
+            <a:endParaRPr b="0" lang="en-US" sz="1800" spc="-1" strike="noStrike">
               <a:solidFill>
                 <a:srgbClr val="000000"/>
               </a:solidFill>
@@ -3638,7 +3638,7 @@
         <p:spPr>
           <a:xfrm>
             <a:off x="0" y="0"/>
-            <a:ext cx="9143280" cy="6857280"/>
+            <a:ext cx="9142920" cy="6856920"/>
           </a:xfrm>
           <a:prstGeom prst="rect">
             <a:avLst/>
@@ -3672,7 +3672,7 @@
         <p:spPr>
           <a:xfrm>
             <a:off x="64080" y="69840"/>
-            <a:ext cx="9012600" cy="6692760"/>
+            <a:ext cx="9012240" cy="6692400"/>
           </a:xfrm>
           <a:prstGeom prst="roundRect">
             <a:avLst>
@@ -4073,7 +4073,7 @@
         <p:spPr>
           <a:xfrm>
             <a:off x="1371600" y="3886200"/>
-            <a:ext cx="6400080" cy="2361600"/>
+            <a:ext cx="6399720" cy="2361240"/>
           </a:xfrm>
           <a:prstGeom prst="rect">
             <a:avLst/>
@@ -4126,6 +4126,7 @@
                   </a:solidFill>
                 </a:uFill>
                 <a:latin typeface="Times New Roman"/>
+                <a:ea typeface="DejaVu Sans"/>
               </a:rPr>
               <a:t>    </a:t>
             </a:r>
@@ -4140,6 +4141,7 @@
                   </a:solidFill>
                 </a:uFill>
                 <a:latin typeface="Times New Roman"/>
+                <a:ea typeface="DejaVu Sans"/>
               </a:rPr>
               <a:t>	</a:t>
             </a:r>
@@ -4154,6 +4156,7 @@
                   </a:solidFill>
                 </a:uFill>
                 <a:latin typeface="Times New Roman"/>
+                <a:ea typeface="DejaVu Sans"/>
               </a:rPr>
               <a:t>	</a:t>
             </a:r>
@@ -4168,6 +4171,7 @@
                   </a:solidFill>
                 </a:uFill>
                 <a:latin typeface="Times New Roman"/>
+                <a:ea typeface="DejaVu Sans"/>
               </a:rPr>
               <a:t>	</a:t>
             </a:r>
@@ -4182,6 +4186,7 @@
                   </a:solidFill>
                 </a:uFill>
                 <a:latin typeface="Times New Roman"/>
+                <a:ea typeface="DejaVu Sans"/>
               </a:rPr>
               <a:t>   </a:t>
             </a:r>
@@ -4196,6 +4201,7 @@
                   </a:solidFill>
                 </a:uFill>
                 <a:latin typeface="Times New Roman"/>
+                <a:ea typeface="DejaVu Sans"/>
               </a:rPr>
               <a:t>BY,</a:t>
             </a:r>
@@ -4228,6 +4234,7 @@
                   </a:solidFill>
                 </a:uFill>
                 <a:latin typeface="Times New Roman"/>
+                <a:ea typeface="DejaVu Sans"/>
               </a:rPr>
               <a:t>	</a:t>
             </a:r>
@@ -4242,6 +4249,7 @@
                   </a:solidFill>
                 </a:uFill>
                 <a:latin typeface="Times New Roman"/>
+                <a:ea typeface="DejaVu Sans"/>
               </a:rPr>
               <a:t>	</a:t>
             </a:r>
@@ -4256,6 +4264,7 @@
                   </a:solidFill>
                 </a:uFill>
                 <a:latin typeface="Times New Roman"/>
+                <a:ea typeface="DejaVu Sans"/>
               </a:rPr>
               <a:t>	</a:t>
             </a:r>
@@ -4270,6 +4279,7 @@
                   </a:solidFill>
                 </a:uFill>
                 <a:latin typeface="Times New Roman"/>
+                <a:ea typeface="DejaVu Sans"/>
               </a:rPr>
               <a:t>	</a:t>
             </a:r>
@@ -4284,6 +4294,7 @@
                   </a:solidFill>
                 </a:uFill>
                 <a:latin typeface="Times New Roman"/>
+                <a:ea typeface="DejaVu Sans"/>
               </a:rPr>
               <a:t>                     </a:t>
             </a:r>
@@ -4298,6 +4309,7 @@
                   </a:solidFill>
                 </a:uFill>
                 <a:latin typeface="Times New Roman"/>
+                <a:ea typeface="DejaVu Sans"/>
               </a:rPr>
               <a:t>Shweta Herlekar</a:t>
             </a:r>
@@ -4330,6 +4342,7 @@
                   </a:solidFill>
                 </a:uFill>
                 <a:latin typeface="Times New Roman"/>
+                <a:ea typeface="DejaVu Sans"/>
               </a:rPr>
               <a:t>                            </a:t>
             </a:r>
@@ -4344,6 +4357,7 @@
                   </a:solidFill>
                 </a:uFill>
                 <a:latin typeface="Times New Roman"/>
+                <a:ea typeface="DejaVu Sans"/>
               </a:rPr>
               <a:t>	</a:t>
             </a:r>
@@ -4358,6 +4372,7 @@
                   </a:solidFill>
                 </a:uFill>
                 <a:latin typeface="Times New Roman"/>
+                <a:ea typeface="DejaVu Sans"/>
               </a:rPr>
               <a:t>	</a:t>
             </a:r>
@@ -4372,6 +4387,7 @@
                   </a:solidFill>
                 </a:uFill>
                 <a:latin typeface="Times New Roman"/>
+                <a:ea typeface="DejaVu Sans"/>
               </a:rPr>
               <a:t>	</a:t>
             </a:r>
@@ -4386,6 +4402,7 @@
                   </a:solidFill>
                 </a:uFill>
                 <a:latin typeface="Times New Roman"/>
+                <a:ea typeface="DejaVu Sans"/>
               </a:rPr>
               <a:t>      </a:t>
             </a:r>
@@ -4400,6 +4417,7 @@
                   </a:solidFill>
                 </a:uFill>
                 <a:latin typeface="Times New Roman"/>
+                <a:ea typeface="DejaVu Sans"/>
               </a:rPr>
               <a:t>12</a:t>
             </a:r>
@@ -4414,6 +4432,7 @@
                   </a:solidFill>
                 </a:uFill>
                 <a:latin typeface="Times New Roman"/>
+                <a:ea typeface="DejaVu Sans"/>
               </a:rPr>
               <a:t>th</a:t>
             </a:r>
@@ -4428,6 +4447,7 @@
                   </a:solidFill>
                 </a:uFill>
                 <a:latin typeface="Times New Roman"/>
+                <a:ea typeface="DejaVu Sans"/>
               </a:rPr>
               <a:t> June, 2018 </a:t>
             </a:r>
@@ -4454,7 +4474,7 @@
         <p:spPr>
           <a:xfrm>
             <a:off x="182880" y="1505880"/>
-            <a:ext cx="8503200" cy="1469160"/>
+            <a:ext cx="8502840" cy="1468800"/>
           </a:xfrm>
           <a:prstGeom prst="rect">
             <a:avLst/>
@@ -4489,6 +4509,7 @@
                   </a:solidFill>
                 </a:uFill>
                 <a:latin typeface="Times New Roman"/>
+                <a:ea typeface="DejaVu Sans"/>
               </a:rPr>
               <a:t>Quote Of the Day</a:t>
             </a:r>
@@ -4564,7 +4585,7 @@
         <p:spPr>
           <a:xfrm>
             <a:off x="457200" y="533520"/>
-            <a:ext cx="8228880" cy="5591880"/>
+            <a:ext cx="8228520" cy="5591520"/>
           </a:xfrm>
           <a:prstGeom prst="rect">
             <a:avLst/>
@@ -4635,6 +4656,7 @@
                   </a:solidFill>
                 </a:uFill>
                 <a:latin typeface="Times New Roman"/>
+                <a:ea typeface="DejaVu Sans"/>
               </a:rPr>
               <a:t>Thank You!!</a:t>
             </a:r>
@@ -4710,7 +4732,7 @@
         <p:spPr>
           <a:xfrm>
             <a:off x="914400" y="274680"/>
-            <a:ext cx="7771680" cy="1142280"/>
+            <a:ext cx="7771320" cy="1141920"/>
           </a:xfrm>
           <a:prstGeom prst="rect">
             <a:avLst/>
@@ -4745,6 +4767,7 @@
                   </a:solidFill>
                 </a:uFill>
                 <a:latin typeface="Times New Roman"/>
+                <a:ea typeface="DejaVu Sans"/>
               </a:rPr>
               <a:t>Agenda</a:t>
             </a:r>
@@ -4771,7 +4794,7 @@
         <p:spPr>
           <a:xfrm>
             <a:off x="914400" y="1447920"/>
-            <a:ext cx="7771680" cy="4571280"/>
+            <a:ext cx="7771320" cy="4570920"/>
           </a:xfrm>
           <a:prstGeom prst="rect">
             <a:avLst/>
@@ -4790,7 +4813,7 @@
         <p:txBody>
           <a:bodyPr lIns="90000" rIns="90000" tIns="45000" bIns="45000"/>
           <a:p>
-            <a:pPr marL="274320" indent="-273600">
+            <a:pPr marL="274320" indent="-273240">
               <a:lnSpc>
                 <a:spcPct val="100000"/>
               </a:lnSpc>
@@ -4812,6 +4835,7 @@
                   </a:solidFill>
                 </a:uFill>
                 <a:latin typeface="Times New Roman"/>
+                <a:ea typeface="DejaVu Sans"/>
               </a:rPr>
               <a:t>Requirements</a:t>
             </a:r>
@@ -4828,7 +4852,7 @@
             </a:endParaRPr>
           </a:p>
           <a:p>
-            <a:pPr marL="274320" indent="-273600">
+            <a:pPr marL="274320" indent="-273240">
               <a:lnSpc>
                 <a:spcPct val="100000"/>
               </a:lnSpc>
@@ -4850,6 +4874,7 @@
                   </a:solidFill>
                 </a:uFill>
                 <a:latin typeface="Times New Roman"/>
+                <a:ea typeface="DejaVu Sans"/>
               </a:rPr>
               <a:t>Proposed Technical Solutions</a:t>
             </a:r>
@@ -4866,7 +4891,7 @@
             </a:endParaRPr>
           </a:p>
           <a:p>
-            <a:pPr marL="274320" indent="-273600">
+            <a:pPr marL="274320" indent="-273240">
               <a:lnSpc>
                 <a:spcPct val="100000"/>
               </a:lnSpc>
@@ -4888,6 +4913,7 @@
                   </a:solidFill>
                 </a:uFill>
                 <a:latin typeface="Times New Roman"/>
+                <a:ea typeface="DejaVu Sans"/>
               </a:rPr>
               <a:t>Comparison</a:t>
             </a:r>
@@ -4904,7 +4930,7 @@
             </a:endParaRPr>
           </a:p>
           <a:p>
-            <a:pPr marL="274320" indent="-273600">
+            <a:pPr marL="274320" indent="-273240">
               <a:lnSpc>
                 <a:spcPct val="100000"/>
               </a:lnSpc>
@@ -4926,6 +4952,7 @@
                   </a:solidFill>
                 </a:uFill>
                 <a:latin typeface="Times New Roman"/>
+                <a:ea typeface="DejaVu Sans"/>
               </a:rPr>
               <a:t>Q &amp; A</a:t>
             </a:r>
@@ -5001,7 +5028,7 @@
         <p:spPr>
           <a:xfrm>
             <a:off x="914400" y="274680"/>
-            <a:ext cx="7771680" cy="1142280"/>
+            <a:ext cx="7771320" cy="1141920"/>
           </a:xfrm>
           <a:prstGeom prst="rect">
             <a:avLst/>
@@ -5036,6 +5063,7 @@
                   </a:solidFill>
                 </a:uFill>
                 <a:latin typeface="Franklin Gothic Book"/>
+                <a:ea typeface="DejaVu Sans"/>
               </a:rPr>
               <a:t>Requirements</a:t>
             </a:r>
@@ -5062,7 +5090,7 @@
         <p:spPr>
           <a:xfrm>
             <a:off x="914400" y="1447920"/>
-            <a:ext cx="7771680" cy="4571280"/>
+            <a:ext cx="7771320" cy="4570920"/>
           </a:xfrm>
           <a:prstGeom prst="rect">
             <a:avLst/>
@@ -5081,7 +5109,7 @@
         <p:txBody>
           <a:bodyPr lIns="90000" rIns="90000" tIns="45000" bIns="45000"/>
           <a:p>
-            <a:pPr marL="274320" indent="-273600">
+            <a:pPr marL="274320" indent="-273240">
               <a:lnSpc>
                 <a:spcPct val="100000"/>
               </a:lnSpc>
@@ -5103,6 +5131,7 @@
                   </a:solidFill>
                 </a:uFill>
                 <a:latin typeface="Times New Roman"/>
+                <a:ea typeface="DejaVu Sans"/>
               </a:rPr>
               <a:t>App should allow user to login with Google credentials</a:t>
             </a:r>
@@ -5137,7 +5166,7 @@
             </a:endParaRPr>
           </a:p>
           <a:p>
-            <a:pPr marL="274320" indent="-273600">
+            <a:pPr marL="274320" indent="-273240">
               <a:lnSpc>
                 <a:spcPct val="100000"/>
               </a:lnSpc>
@@ -5159,6 +5188,7 @@
                   </a:solidFill>
                 </a:uFill>
                 <a:latin typeface="Times New Roman"/>
+                <a:ea typeface="DejaVu Sans"/>
               </a:rPr>
               <a:t>The system should push the quote to the app.</a:t>
             </a:r>
@@ -5193,7 +5223,7 @@
             </a:endParaRPr>
           </a:p>
           <a:p>
-            <a:pPr marL="274320" indent="-273600">
+            <a:pPr marL="274320" indent="-273240">
               <a:lnSpc>
                 <a:spcPct val="100000"/>
               </a:lnSpc>
@@ -5215,6 +5245,7 @@
                   </a:solidFill>
                 </a:uFill>
                 <a:latin typeface="Times New Roman"/>
+                <a:ea typeface="DejaVu Sans"/>
               </a:rPr>
               <a:t>App should show the notification for the quote.</a:t>
             </a:r>
@@ -5249,7 +5280,7 @@
             </a:endParaRPr>
           </a:p>
           <a:p>
-            <a:pPr marL="274320" indent="-273600">
+            <a:pPr marL="274320" indent="-273240">
               <a:lnSpc>
                 <a:spcPct val="100000"/>
               </a:lnSpc>
@@ -5271,6 +5302,7 @@
                   </a:solidFill>
                 </a:uFill>
                 <a:latin typeface="Times New Roman"/>
+                <a:ea typeface="DejaVu Sans"/>
               </a:rPr>
               <a:t>App should provide the setting to change the time slot for notifications.</a:t>
             </a:r>
@@ -5305,7 +5337,7 @@
             </a:endParaRPr>
           </a:p>
           <a:p>
-            <a:pPr marL="274320" indent="-273600">
+            <a:pPr marL="274320" indent="-273240">
               <a:lnSpc>
                 <a:spcPct val="100000"/>
               </a:lnSpc>
@@ -5327,6 +5359,7 @@
                   </a:solidFill>
                 </a:uFill>
                 <a:latin typeface="Times New Roman"/>
+                <a:ea typeface="DejaVu Sans"/>
               </a:rPr>
               <a:t>App should provide user interface for quotes.</a:t>
             </a:r>
@@ -5361,7 +5394,7 @@
             </a:endParaRPr>
           </a:p>
           <a:p>
-            <a:pPr marL="274320" indent="-273600">
+            <a:pPr marL="274320" indent="-273240">
               <a:lnSpc>
                 <a:spcPct val="100000"/>
               </a:lnSpc>
@@ -5383,6 +5416,7 @@
                   </a:solidFill>
                 </a:uFill>
                 <a:latin typeface="Times New Roman"/>
+                <a:ea typeface="DejaVu Sans"/>
               </a:rPr>
               <a:t>App should allow to view the quote individually with download and share option.</a:t>
             </a:r>
@@ -5417,7 +5451,7 @@
             </a:endParaRPr>
           </a:p>
           <a:p>
-            <a:pPr marL="274320" indent="-273600">
+            <a:pPr marL="274320" indent="-273240">
               <a:lnSpc>
                 <a:spcPct val="100000"/>
               </a:lnSpc>
@@ -5439,6 +5473,7 @@
                   </a:solidFill>
                 </a:uFill>
                 <a:latin typeface="Times New Roman"/>
+                <a:ea typeface="DejaVu Sans"/>
               </a:rPr>
               <a:t>App should provide log out option</a:t>
             </a:r>
@@ -5514,7 +5549,7 @@
         <p:spPr>
           <a:xfrm>
             <a:off x="878400" y="274680"/>
-            <a:ext cx="7771680" cy="1142280"/>
+            <a:ext cx="7771320" cy="1141920"/>
           </a:xfrm>
           <a:prstGeom prst="rect">
             <a:avLst/>
@@ -5549,6 +5584,7 @@
                   </a:solidFill>
                 </a:uFill>
                 <a:latin typeface="Times New Roman"/>
+                <a:ea typeface="DejaVu Sans"/>
               </a:rPr>
               <a:t>Technical Solution 1</a:t>
             </a:r>
@@ -5568,7 +5604,7 @@
       </p:sp>
       <p:pic>
         <p:nvPicPr>
-          <p:cNvPr id="88" name="Picture 4" descr=""/>
+          <p:cNvPr id="88" name="" descr=""/>
           <p:cNvPicPr/>
           <p:nvPr/>
         </p:nvPicPr>
@@ -5578,8 +5614,8 @@
         </p:blipFill>
         <p:spPr>
           <a:xfrm>
-            <a:off x="838080" y="1905120"/>
-            <a:ext cx="7395480" cy="3961800"/>
+            <a:off x="219600" y="2011680"/>
+            <a:ext cx="8847360" cy="3291840"/>
           </a:xfrm>
           <a:prstGeom prst="rect">
             <a:avLst/>
@@ -5647,7 +5683,7 @@
         <p:spPr>
           <a:xfrm>
             <a:off x="914400" y="274680"/>
-            <a:ext cx="7771680" cy="1142280"/>
+            <a:ext cx="7771320" cy="1141920"/>
           </a:xfrm>
           <a:prstGeom prst="rect">
             <a:avLst/>
@@ -5682,6 +5718,7 @@
                   </a:solidFill>
                 </a:uFill>
                 <a:latin typeface="Times New Roman"/>
+                <a:ea typeface="DejaVu Sans"/>
               </a:rPr>
               <a:t>Technical Solution</a:t>
             </a:r>
@@ -5696,6 +5733,7 @@
                   </a:solidFill>
                 </a:uFill>
                 <a:latin typeface="Franklin Gothic Book"/>
+                <a:ea typeface="DejaVu Sans"/>
               </a:rPr>
               <a:t> 2</a:t>
             </a:r>
@@ -5715,7 +5753,7 @@
       </p:sp>
       <p:pic>
         <p:nvPicPr>
-          <p:cNvPr id="90" name="Picture 2" descr=""/>
+          <p:cNvPr id="90" name="" descr=""/>
           <p:cNvPicPr/>
           <p:nvPr/>
         </p:nvPicPr>
@@ -5725,8 +5763,8 @@
         </p:blipFill>
         <p:spPr>
           <a:xfrm>
-            <a:off x="838080" y="1828800"/>
-            <a:ext cx="7466760" cy="3656880"/>
+            <a:off x="877680" y="2034000"/>
+            <a:ext cx="7530840" cy="3452400"/>
           </a:xfrm>
           <a:prstGeom prst="rect">
             <a:avLst/>
@@ -5794,7 +5832,7 @@
         <p:spPr>
           <a:xfrm>
             <a:off x="914400" y="274680"/>
-            <a:ext cx="7771680" cy="1142280"/>
+            <a:ext cx="7771320" cy="1141920"/>
           </a:xfrm>
           <a:prstGeom prst="rect">
             <a:avLst/>
@@ -5829,6 +5867,7 @@
                   </a:solidFill>
                 </a:uFill>
                 <a:latin typeface="Times New Roman"/>
+                <a:ea typeface="DejaVu Sans"/>
               </a:rPr>
               <a:t>Comparison</a:t>
             </a:r>
@@ -5947,7 +5986,7 @@
                           </a:uFill>
                           <a:latin typeface="Times New Roman"/>
                         </a:rPr>
-                        <a:t>Approach 1</a:t>
+                        <a:t>Solution 1</a:t>
                       </a:r>
                       <a:endParaRPr b="0" lang="en-US" sz="1800" spc="-1" strike="noStrike">
                         <a:solidFill>
@@ -6007,7 +6046,7 @@
                           </a:uFill>
                           <a:latin typeface="Times New Roman"/>
                         </a:rPr>
-                        <a:t>Approach 2</a:t>
+                        <a:t>Solution 2</a:t>
                       </a:r>
                       <a:endParaRPr b="0" lang="en-US" sz="1800" spc="-1" strike="noStrike">
                         <a:solidFill>
@@ -6069,7 +6108,7 @@
                           </a:uFill>
                           <a:latin typeface="Times New Roman"/>
                         </a:rPr>
-                        <a:t>Cost</a:t>
+                        <a:t>Cost(730 hours)</a:t>
                       </a:r>
                       <a:endParaRPr b="0" lang="en-US" sz="1800" spc="-1" strike="noStrike">
                         <a:solidFill>
@@ -6721,7 +6760,7 @@
         <p:spPr>
           <a:xfrm>
             <a:off x="914400" y="274680"/>
-            <a:ext cx="7771680" cy="1142280"/>
+            <a:ext cx="7771320" cy="1141920"/>
           </a:xfrm>
           <a:prstGeom prst="rect">
             <a:avLst/>
@@ -6756,6 +6795,7 @@
                   </a:solidFill>
                 </a:uFill>
                 <a:latin typeface="Franklin Gothic Book"/>
+                <a:ea typeface="DejaVu Sans"/>
               </a:rPr>
               <a:t>Comparison</a:t>
             </a:r>
@@ -6770,6 +6810,7 @@
                   </a:solidFill>
                 </a:uFill>
                 <a:latin typeface="Franklin Gothic Book"/>
+                <a:ea typeface="DejaVu Sans"/>
               </a:rPr>
               <a:t>(continued)</a:t>
             </a:r>
@@ -6795,7 +6836,7 @@
         </p:nvGraphicFramePr>
         <p:xfrm>
           <a:off x="1219320" y="1371600"/>
-          <a:ext cx="6781320" cy="5155560"/>
+          <a:ext cx="6781320" cy="5155200"/>
         </p:xfrm>
         <a:graphic>
           <a:graphicData uri="http://schemas.openxmlformats.org/drawingml/2006/table">
@@ -6988,7 +7029,7 @@
                   </a:tcPr>
                 </a:tc>
               </a:tr>
-              <a:tr h="4810680">
+              <a:tr h="4810320">
                 <a:tc>
                   <a:txBody>
                     <a:bodyPr lIns="68400" rIns="68400"/>
@@ -7552,7 +7593,7 @@
         <p:spPr>
           <a:xfrm>
             <a:off x="914400" y="274680"/>
-            <a:ext cx="7771680" cy="1142280"/>
+            <a:ext cx="7771320" cy="1141920"/>
           </a:xfrm>
           <a:prstGeom prst="rect">
             <a:avLst/>
@@ -7587,6 +7628,7 @@
                   </a:solidFill>
                 </a:uFill>
                 <a:latin typeface="Times New Roman"/>
+                <a:ea typeface="DejaVu Sans"/>
               </a:rPr>
               <a:t>Comparison</a:t>
             </a:r>
@@ -7601,6 +7643,7 @@
                   </a:solidFill>
                 </a:uFill>
                 <a:latin typeface="Times New Roman"/>
+                <a:ea typeface="DejaVu Sans"/>
               </a:rPr>
               <a:t>(continued)</a:t>
             </a:r>
@@ -8259,7 +8302,7 @@
         <p:spPr>
           <a:xfrm>
             <a:off x="457200" y="533520"/>
-            <a:ext cx="8228880" cy="5591880"/>
+            <a:ext cx="8228520" cy="5591520"/>
           </a:xfrm>
           <a:prstGeom prst="rect">
             <a:avLst/>
@@ -8330,6 +8373,7 @@
                   </a:solidFill>
                 </a:uFill>
                 <a:latin typeface="Times New Roman"/>
+                <a:ea typeface="DejaVu Sans"/>
               </a:rPr>
               <a:t>Question &amp; </a:t>
             </a:r>
@@ -8362,6 +8406,7 @@
                   </a:solidFill>
                 </a:uFill>
                 <a:latin typeface="Times New Roman"/>
+                <a:ea typeface="DejaVu Sans"/>
               </a:rPr>
               <a:t>Answers</a:t>
             </a:r>
